--- a/PPT/chapter19.pptx
+++ b/PPT/chapter19.pptx
@@ -5,20 +5,26 @@
     <p:sldMasterId id="2147483648" r:id="rId1"/>
   </p:sldMasterIdLst>
   <p:notesMasterIdLst>
-    <p:notesMasterId r:id="rId10"/>
+    <p:notesMasterId r:id="rId16"/>
   </p:notesMasterIdLst>
   <p:handoutMasterIdLst>
-    <p:handoutMasterId r:id="rId11"/>
+    <p:handoutMasterId r:id="rId17"/>
   </p:handoutMasterIdLst>
   <p:sldIdLst>
     <p:sldId id="260" r:id="rId2"/>
     <p:sldId id="367" r:id="rId3"/>
     <p:sldId id="257" r:id="rId4"/>
-    <p:sldId id="279" r:id="rId5"/>
-    <p:sldId id="283" r:id="rId6"/>
-    <p:sldId id="284" r:id="rId7"/>
-    <p:sldId id="282" r:id="rId8"/>
-    <p:sldId id="285" r:id="rId9"/>
+    <p:sldId id="377" r:id="rId5"/>
+    <p:sldId id="380" r:id="rId6"/>
+    <p:sldId id="381" r:id="rId7"/>
+    <p:sldId id="382" r:id="rId8"/>
+    <p:sldId id="383" r:id="rId9"/>
+    <p:sldId id="378" r:id="rId10"/>
+    <p:sldId id="384" r:id="rId11"/>
+    <p:sldId id="385" r:id="rId12"/>
+    <p:sldId id="379" r:id="rId13"/>
+    <p:sldId id="282" r:id="rId14"/>
+    <p:sldId id="386" r:id="rId15"/>
   </p:sldIdLst>
   <p:sldSz cx="12192000" cy="6858000"/>
   <p:notesSz cx="6858000" cy="9144000"/>
@@ -131,30 +137,6 @@
 <file path=ppt/changesInfos/changesInfo1.xml><?xml version="1.0" encoding="utf-8"?>
 <pc:chgInfo xmlns:a="http://schemas.openxmlformats.org/drawingml/2006/main" xmlns:r="http://schemas.openxmlformats.org/officeDocument/2006/relationships" xmlns:ac="http://schemas.microsoft.com/office/drawing/2013/main/command" xmlns:pc="http://schemas.microsoft.com/office/powerpoint/2013/main/command">
   <pc:docChgLst>
-    <pc:chgData name="Scruel Tao" userId="5ea5c98d59b44d4b" providerId="LiveId" clId="{64B02C6E-ABEE-4458-A8E9-9B90A4AB0ED8}"/>
-    <pc:docChg chg="modSld">
-      <pc:chgData name="Scruel Tao" userId="5ea5c98d59b44d4b" providerId="LiveId" clId="{64B02C6E-ABEE-4458-A8E9-9B90A4AB0ED8}" dt="2023-06-02T13:48:07.065" v="0" actId="20577"/>
-      <pc:docMkLst>
-        <pc:docMk/>
-      </pc:docMkLst>
-      <pc:sldChg chg="modSp mod">
-        <pc:chgData name="Scruel Tao" userId="5ea5c98d59b44d4b" providerId="LiveId" clId="{64B02C6E-ABEE-4458-A8E9-9B90A4AB0ED8}" dt="2023-06-02T13:48:07.065" v="0" actId="20577"/>
-        <pc:sldMkLst>
-          <pc:docMk/>
-          <pc:sldMk cId="0" sldId="260"/>
-        </pc:sldMkLst>
-        <pc:spChg chg="mod">
-          <ac:chgData name="Scruel Tao" userId="5ea5c98d59b44d4b" providerId="LiveId" clId="{64B02C6E-ABEE-4458-A8E9-9B90A4AB0ED8}" dt="2023-06-02T13:48:07.065" v="0" actId="20577"/>
-          <ac:spMkLst>
-            <pc:docMk/>
-            <pc:sldMk cId="0" sldId="260"/>
-            <ac:spMk id="1227783" creationId="{F7B3941E-B689-22D6-F18C-358E4BAEDF5F}"/>
-          </ac:spMkLst>
-        </pc:spChg>
-      </pc:sldChg>
-    </pc:docChg>
-  </pc:docChgLst>
-  <pc:docChgLst>
     <pc:chgData name="Scruel Tao" userId="5ea5c98d59b44d4b" providerId="LiveId" clId="{7486479E-7D59-4A4A-8E73-346480EC436C}"/>
     <pc:docChg chg="undo custSel addSld delSld modSld modMainMaster">
       <pc:chgData name="Scruel Tao" userId="5ea5c98d59b44d4b" providerId="LiveId" clId="{7486479E-7D59-4A4A-8E73-346480EC436C}" dt="2023-05-16T03:57:46.970" v="105" actId="478"/>
@@ -1811,6 +1793,89 @@
     </pc:docChg>
   </pc:docChgLst>
   <pc:docChgLst>
+    <pc:chgData name="Scruel Tao" userId="5ea5c98d59b44d4b" providerId="LiveId" clId="{88D73D01-CABB-4B2D-80EC-648726E3C219}"/>
+    <pc:docChg chg="addSld delSld modSld">
+      <pc:chgData name="Scruel Tao" userId="5ea5c98d59b44d4b" providerId="LiveId" clId="{88D73D01-CABB-4B2D-80EC-648726E3C219}" dt="2023-04-26T02:43:35.768" v="17" actId="20577"/>
+      <pc:docMkLst>
+        <pc:docMk/>
+      </pc:docMkLst>
+      <pc:sldChg chg="modSp add del mod">
+        <pc:chgData name="Scruel Tao" userId="5ea5c98d59b44d4b" providerId="LiveId" clId="{88D73D01-CABB-4B2D-80EC-648726E3C219}" dt="2023-04-26T02:43:35.768" v="17" actId="20577"/>
+        <pc:sldMkLst>
+          <pc:docMk/>
+          <pc:sldMk cId="1112998187" sldId="257"/>
+        </pc:sldMkLst>
+        <pc:spChg chg="mod">
+          <ac:chgData name="Scruel Tao" userId="5ea5c98d59b44d4b" providerId="LiveId" clId="{88D73D01-CABB-4B2D-80EC-648726E3C219}" dt="2023-04-26T02:43:35.768" v="17" actId="20577"/>
+          <ac:spMkLst>
+            <pc:docMk/>
+            <pc:sldMk cId="1112998187" sldId="257"/>
+            <ac:spMk id="2" creationId="{1422DFF6-0952-1023-64E3-97184D36BE3F}"/>
+          </ac:spMkLst>
+        </pc:spChg>
+      </pc:sldChg>
+      <pc:sldChg chg="del">
+        <pc:chgData name="Scruel Tao" userId="5ea5c98d59b44d4b" providerId="LiveId" clId="{88D73D01-CABB-4B2D-80EC-648726E3C219}" dt="2023-04-26T02:43:28.228" v="0" actId="47"/>
+        <pc:sldMkLst>
+          <pc:docMk/>
+          <pc:sldMk cId="1199684676" sldId="259"/>
+        </pc:sldMkLst>
+      </pc:sldChg>
+      <pc:sldChg chg="del">
+        <pc:chgData name="Scruel Tao" userId="5ea5c98d59b44d4b" providerId="LiveId" clId="{88D73D01-CABB-4B2D-80EC-648726E3C219}" dt="2023-04-26T02:43:28.228" v="0" actId="47"/>
+        <pc:sldMkLst>
+          <pc:docMk/>
+          <pc:sldMk cId="1751565490" sldId="276"/>
+        </pc:sldMkLst>
+      </pc:sldChg>
+      <pc:sldChg chg="add">
+        <pc:chgData name="Scruel Tao" userId="5ea5c98d59b44d4b" providerId="LiveId" clId="{88D73D01-CABB-4B2D-80EC-648726E3C219}" dt="2023-04-26T02:43:28.794" v="1"/>
+        <pc:sldMkLst>
+          <pc:docMk/>
+          <pc:sldMk cId="3519437269" sldId="279"/>
+        </pc:sldMkLst>
+      </pc:sldChg>
+      <pc:sldChg chg="add">
+        <pc:chgData name="Scruel Tao" userId="5ea5c98d59b44d4b" providerId="LiveId" clId="{88D73D01-CABB-4B2D-80EC-648726E3C219}" dt="2023-04-26T02:43:28.794" v="1"/>
+        <pc:sldMkLst>
+          <pc:docMk/>
+          <pc:sldMk cId="3745708182" sldId="280"/>
+        </pc:sldMkLst>
+      </pc:sldChg>
+      <pc:sldChg chg="add">
+        <pc:chgData name="Scruel Tao" userId="5ea5c98d59b44d4b" providerId="LiveId" clId="{88D73D01-CABB-4B2D-80EC-648726E3C219}" dt="2023-04-26T02:43:28.794" v="1"/>
+        <pc:sldMkLst>
+          <pc:docMk/>
+          <pc:sldMk cId="364430658" sldId="282"/>
+        </pc:sldMkLst>
+      </pc:sldChg>
+    </pc:docChg>
+  </pc:docChgLst>
+  <pc:docChgLst>
+    <pc:chgData name="Scruel Tao" userId="5ea5c98d59b44d4b" providerId="LiveId" clId="{64B02C6E-ABEE-4458-A8E9-9B90A4AB0ED8}"/>
+    <pc:docChg chg="modSld">
+      <pc:chgData name="Scruel Tao" userId="5ea5c98d59b44d4b" providerId="LiveId" clId="{64B02C6E-ABEE-4458-A8E9-9B90A4AB0ED8}" dt="2023-06-02T13:48:07.065" v="0" actId="20577"/>
+      <pc:docMkLst>
+        <pc:docMk/>
+      </pc:docMkLst>
+      <pc:sldChg chg="modSp mod">
+        <pc:chgData name="Scruel Tao" userId="5ea5c98d59b44d4b" providerId="LiveId" clId="{64B02C6E-ABEE-4458-A8E9-9B90A4AB0ED8}" dt="2023-06-02T13:48:07.065" v="0" actId="20577"/>
+        <pc:sldMkLst>
+          <pc:docMk/>
+          <pc:sldMk cId="0" sldId="260"/>
+        </pc:sldMkLst>
+        <pc:spChg chg="mod">
+          <ac:chgData name="Scruel Tao" userId="5ea5c98d59b44d4b" providerId="LiveId" clId="{64B02C6E-ABEE-4458-A8E9-9B90A4AB0ED8}" dt="2023-06-02T13:48:07.065" v="0" actId="20577"/>
+          <ac:spMkLst>
+            <pc:docMk/>
+            <pc:sldMk cId="0" sldId="260"/>
+            <ac:spMk id="1227783" creationId="{F7B3941E-B689-22D6-F18C-358E4BAEDF5F}"/>
+          </ac:spMkLst>
+        </pc:spChg>
+      </pc:sldChg>
+    </pc:docChg>
+  </pc:docChgLst>
+  <pc:docChgLst>
     <pc:chgData name="Scruel Tao" userId="5ea5c98d59b44d4b" providerId="LiveId" clId="{42F73B06-DA81-4C67-8473-07E158E9C79B}"/>
     <pc:docChg chg="undo redo custSel addSld delSld modSld sldOrd modMainMaster">
       <pc:chgData name="Scruel Tao" userId="5ea5c98d59b44d4b" providerId="LiveId" clId="{42F73B06-DA81-4C67-8473-07E158E9C79B}" dt="2023-04-25T04:46:22.938" v="2599" actId="20577"/>
@@ -2817,65 +2882,6 @@
       </pc:sldMasterChg>
     </pc:docChg>
   </pc:docChgLst>
-  <pc:docChgLst>
-    <pc:chgData name="Scruel Tao" userId="5ea5c98d59b44d4b" providerId="LiveId" clId="{88D73D01-CABB-4B2D-80EC-648726E3C219}"/>
-    <pc:docChg chg="addSld delSld modSld">
-      <pc:chgData name="Scruel Tao" userId="5ea5c98d59b44d4b" providerId="LiveId" clId="{88D73D01-CABB-4B2D-80EC-648726E3C219}" dt="2023-04-26T02:43:35.768" v="17" actId="20577"/>
-      <pc:docMkLst>
-        <pc:docMk/>
-      </pc:docMkLst>
-      <pc:sldChg chg="modSp add del mod">
-        <pc:chgData name="Scruel Tao" userId="5ea5c98d59b44d4b" providerId="LiveId" clId="{88D73D01-CABB-4B2D-80EC-648726E3C219}" dt="2023-04-26T02:43:35.768" v="17" actId="20577"/>
-        <pc:sldMkLst>
-          <pc:docMk/>
-          <pc:sldMk cId="1112998187" sldId="257"/>
-        </pc:sldMkLst>
-        <pc:spChg chg="mod">
-          <ac:chgData name="Scruel Tao" userId="5ea5c98d59b44d4b" providerId="LiveId" clId="{88D73D01-CABB-4B2D-80EC-648726E3C219}" dt="2023-04-26T02:43:35.768" v="17" actId="20577"/>
-          <ac:spMkLst>
-            <pc:docMk/>
-            <pc:sldMk cId="1112998187" sldId="257"/>
-            <ac:spMk id="2" creationId="{1422DFF6-0952-1023-64E3-97184D36BE3F}"/>
-          </ac:spMkLst>
-        </pc:spChg>
-      </pc:sldChg>
-      <pc:sldChg chg="del">
-        <pc:chgData name="Scruel Tao" userId="5ea5c98d59b44d4b" providerId="LiveId" clId="{88D73D01-CABB-4B2D-80EC-648726E3C219}" dt="2023-04-26T02:43:28.228" v="0" actId="47"/>
-        <pc:sldMkLst>
-          <pc:docMk/>
-          <pc:sldMk cId="1199684676" sldId="259"/>
-        </pc:sldMkLst>
-      </pc:sldChg>
-      <pc:sldChg chg="del">
-        <pc:chgData name="Scruel Tao" userId="5ea5c98d59b44d4b" providerId="LiveId" clId="{88D73D01-CABB-4B2D-80EC-648726E3C219}" dt="2023-04-26T02:43:28.228" v="0" actId="47"/>
-        <pc:sldMkLst>
-          <pc:docMk/>
-          <pc:sldMk cId="1751565490" sldId="276"/>
-        </pc:sldMkLst>
-      </pc:sldChg>
-      <pc:sldChg chg="add">
-        <pc:chgData name="Scruel Tao" userId="5ea5c98d59b44d4b" providerId="LiveId" clId="{88D73D01-CABB-4B2D-80EC-648726E3C219}" dt="2023-04-26T02:43:28.794" v="1"/>
-        <pc:sldMkLst>
-          <pc:docMk/>
-          <pc:sldMk cId="3519437269" sldId="279"/>
-        </pc:sldMkLst>
-      </pc:sldChg>
-      <pc:sldChg chg="add">
-        <pc:chgData name="Scruel Tao" userId="5ea5c98d59b44d4b" providerId="LiveId" clId="{88D73D01-CABB-4B2D-80EC-648726E3C219}" dt="2023-04-26T02:43:28.794" v="1"/>
-        <pc:sldMkLst>
-          <pc:docMk/>
-          <pc:sldMk cId="3745708182" sldId="280"/>
-        </pc:sldMkLst>
-      </pc:sldChg>
-      <pc:sldChg chg="add">
-        <pc:chgData name="Scruel Tao" userId="5ea5c98d59b44d4b" providerId="LiveId" clId="{88D73D01-CABB-4B2D-80EC-648726E3C219}" dt="2023-04-26T02:43:28.794" v="1"/>
-        <pc:sldMkLst>
-          <pc:docMk/>
-          <pc:sldMk cId="364430658" sldId="282"/>
-        </pc:sldMkLst>
-      </pc:sldChg>
-    </pc:docChg>
-  </pc:docChgLst>
 </pc:chgInfo>
 </file>
 
@@ -2973,7 +2979,7 @@
           <a:p>
             <a:fld id="{AC7E1972-C479-4420-A687-8FB83BA90DEB}" type="datetimeFigureOut">
               <a:rPr lang="zh-CN" altLang="en-US" smtClean="0"/>
-              <a:t>2023/6/2</a:t>
+              <a:t>2025/6/6 Fri</a:t>
             </a:fld>
             <a:endParaRPr lang="zh-CN" altLang="en-US"/>
           </a:p>
@@ -3150,7 +3156,7 @@
           <a:p>
             <a:fld id="{89B7AB8D-BCC0-43C6-B24C-055A25DB558F}" type="datetimeFigureOut">
               <a:rPr lang="zh-CN" altLang="en-US" smtClean="0"/>
-              <a:t>2023/6/2</a:t>
+              <a:t>2025/6/6 Fri</a:t>
             </a:fld>
             <a:endParaRPr lang="zh-CN" altLang="en-US"/>
           </a:p>
@@ -3482,12 +3488,18 @@
 </p:notes>
 </file>
 
-<file path=ppt/notesSlides/notesSlide2.xml><?xml version="1.0" encoding="utf-8"?>
+<file path=ppt/notesSlides/notesSlide10.xml><?xml version="1.0" encoding="utf-8"?>
 <p:notes xmlns:a="http://schemas.openxmlformats.org/drawingml/2006/main" xmlns:r="http://schemas.openxmlformats.org/officeDocument/2006/relationships" xmlns:p="http://schemas.openxmlformats.org/presentationml/2006/main">
   <p:cSld>
     <p:spTree>
       <p:nvGrpSpPr>
-        <p:cNvPr id="1" name=""/>
+        <p:cNvPr id="1" name="">
+          <a:extLst>
+            <a:ext uri="{FF2B5EF4-FFF2-40B4-BE49-F238E27FC236}">
+              <a16:creationId xmlns:a16="http://schemas.microsoft.com/office/drawing/2014/main" id="{01400AA0-17CC-CF6B-FEAF-02878DC6D552}"/>
+            </a:ext>
+          </a:extLst>
+        </p:cNvPr>
         <p:cNvGrpSpPr/>
         <p:nvPr/>
       </p:nvGrpSpPr>
@@ -3501,7 +3513,13 @@
       </p:grpSpPr>
       <p:sp>
         <p:nvSpPr>
-          <p:cNvPr id="2" name="幻灯片图像占位符 1"/>
+          <p:cNvPr id="2" name="幻灯片图像占位符 1">
+            <a:extLst>
+              <a:ext uri="{FF2B5EF4-FFF2-40B4-BE49-F238E27FC236}">
+                <a16:creationId xmlns:a16="http://schemas.microsoft.com/office/drawing/2014/main" id="{50B406A1-14F2-C16E-DD6C-25CD842D18B3}"/>
+              </a:ext>
+            </a:extLst>
+          </p:cNvPr>
           <p:cNvSpPr>
             <a:spLocks noGrp="1" noRot="1" noChangeAspect="1"/>
           </p:cNvSpPr>
@@ -3513,7 +3531,13 @@
       </p:sp>
       <p:sp>
         <p:nvSpPr>
-          <p:cNvPr id="3" name="备注占位符 2"/>
+          <p:cNvPr id="3" name="备注占位符 2">
+            <a:extLst>
+              <a:ext uri="{FF2B5EF4-FFF2-40B4-BE49-F238E27FC236}">
+                <a16:creationId xmlns:a16="http://schemas.microsoft.com/office/drawing/2014/main" id="{20B88548-F3A2-1C27-06E7-3B23E57787CB}"/>
+              </a:ext>
+            </a:extLst>
+          </p:cNvPr>
           <p:cNvSpPr>
             <a:spLocks noGrp="1"/>
           </p:cNvSpPr>
@@ -3526,13 +3550,167 @@
           <a:bodyPr/>
           <a:lstStyle/>
           <a:p>
+            <a:pPr marL="0" marR="0" lvl="0" indent="0" algn="l" defTabSz="914400" rtl="0" eaLnBrk="1" fontAlgn="auto" latinLnBrk="0" hangingPunct="1">
+              <a:lnSpc>
+                <a:spcPct val="100000"/>
+              </a:lnSpc>
+              <a:spcBef>
+                <a:spcPts val="0"/>
+              </a:spcBef>
+              <a:spcAft>
+                <a:spcPts val="0"/>
+              </a:spcAft>
+              <a:buClrTx/>
+              <a:buSzTx/>
+              <a:buFontTx/>
+              <a:buNone/>
+              <a:tabLst/>
+              <a:defRPr/>
+            </a:pPr>
+            <a:r>
+              <a:rPr lang="zh-CN" altLang="en-US" dirty="0"/>
+              <a:t>第 </a:t>
+            </a:r>
+            <a:r>
+              <a:rPr lang="en-US" altLang="zh-CN" dirty="0"/>
+              <a:t>11 </a:t>
+            </a:r>
+            <a:r>
+              <a:rPr lang="zh-CN" altLang="en-US" dirty="0"/>
+              <a:t>章介绍过，装饰器（</a:t>
+            </a:r>
+            <a:r>
+              <a:rPr lang="en-US" altLang="zh-CN" dirty="0"/>
+              <a:t>decorator</a:t>
+            </a:r>
+            <a:r>
+              <a:rPr lang="zh-CN" altLang="en-US" dirty="0"/>
+              <a:t>）是放在函数定义前面的指令，用于改变函数的行为。</a:t>
+            </a:r>
+            <a:endParaRPr lang="en-US" altLang="zh-CN" dirty="0"/>
+          </a:p>
+          <a:p>
             <a:endParaRPr lang="zh-CN" altLang="en-US" dirty="0"/>
           </a:p>
         </p:txBody>
       </p:sp>
       <p:sp>
         <p:nvSpPr>
-          <p:cNvPr id="4" name="灯片编号占位符 3"/>
+          <p:cNvPr id="4" name="灯片编号占位符 3">
+            <a:extLst>
+              <a:ext uri="{FF2B5EF4-FFF2-40B4-BE49-F238E27FC236}">
+                <a16:creationId xmlns:a16="http://schemas.microsoft.com/office/drawing/2014/main" id="{E82E5A85-3755-498D-005B-EF67EF665B0F}"/>
+              </a:ext>
+            </a:extLst>
+          </p:cNvPr>
+          <p:cNvSpPr>
+            <a:spLocks noGrp="1"/>
+          </p:cNvSpPr>
+          <p:nvPr>
+            <p:ph type="sldNum" sz="quarter" idx="5"/>
+          </p:nvPr>
+        </p:nvSpPr>
+        <p:spPr/>
+        <p:txBody>
+          <a:bodyPr/>
+          <a:lstStyle/>
+          <a:p>
+            <a:fld id="{9901CBA2-7C9E-4AD6-B258-A0DB055BB3AF}" type="slidenum">
+              <a:rPr lang="zh-CN" altLang="en-US" smtClean="0"/>
+              <a:t>12</a:t>
+            </a:fld>
+            <a:endParaRPr lang="zh-CN" altLang="en-US"/>
+          </a:p>
+        </p:txBody>
+      </p:sp>
+    </p:spTree>
+    <p:extLst>
+      <p:ext uri="{BB962C8B-B14F-4D97-AF65-F5344CB8AC3E}">
+        <p14:creationId xmlns:p14="http://schemas.microsoft.com/office/powerpoint/2010/main" val="736843890"/>
+      </p:ext>
+    </p:extLst>
+  </p:cSld>
+  <p:clrMapOvr>
+    <a:masterClrMapping/>
+  </p:clrMapOvr>
+</p:notes>
+</file>
+
+<file path=ppt/notesSlides/notesSlide2.xml><?xml version="1.0" encoding="utf-8"?>
+<p:notes xmlns:a="http://schemas.openxmlformats.org/drawingml/2006/main" xmlns:r="http://schemas.openxmlformats.org/officeDocument/2006/relationships" xmlns:p="http://schemas.openxmlformats.org/presentationml/2006/main">
+  <p:cSld>
+    <p:spTree>
+      <p:nvGrpSpPr>
+        <p:cNvPr id="1" name="">
+          <a:extLst>
+            <a:ext uri="{FF2B5EF4-FFF2-40B4-BE49-F238E27FC236}">
+              <a16:creationId xmlns:a16="http://schemas.microsoft.com/office/drawing/2014/main" id="{2B931876-4FFD-926A-AFDB-7FAB196BE068}"/>
+            </a:ext>
+          </a:extLst>
+        </p:cNvPr>
+        <p:cNvGrpSpPr/>
+        <p:nvPr/>
+      </p:nvGrpSpPr>
+      <p:grpSpPr>
+        <a:xfrm>
+          <a:off x="0" y="0"/>
+          <a:ext cx="0" cy="0"/>
+          <a:chOff x="0" y="0"/>
+          <a:chExt cx="0" cy="0"/>
+        </a:xfrm>
+      </p:grpSpPr>
+      <p:sp>
+        <p:nvSpPr>
+          <p:cNvPr id="2" name="幻灯片图像占位符 1">
+            <a:extLst>
+              <a:ext uri="{FF2B5EF4-FFF2-40B4-BE49-F238E27FC236}">
+                <a16:creationId xmlns:a16="http://schemas.microsoft.com/office/drawing/2014/main" id="{58F4E52D-B545-80E5-9338-57A6B0A0B577}"/>
+              </a:ext>
+            </a:extLst>
+          </p:cNvPr>
+          <p:cNvSpPr>
+            <a:spLocks noGrp="1" noRot="1" noChangeAspect="1"/>
+          </p:cNvSpPr>
+          <p:nvPr>
+            <p:ph type="sldImg"/>
+          </p:nvPr>
+        </p:nvSpPr>
+        <p:spPr/>
+      </p:sp>
+      <p:sp>
+        <p:nvSpPr>
+          <p:cNvPr id="3" name="备注占位符 2">
+            <a:extLst>
+              <a:ext uri="{FF2B5EF4-FFF2-40B4-BE49-F238E27FC236}">
+                <a16:creationId xmlns:a16="http://schemas.microsoft.com/office/drawing/2014/main" id="{4877C50E-19B7-30C2-72AA-523245E5CAAB}"/>
+              </a:ext>
+            </a:extLst>
+          </p:cNvPr>
+          <p:cNvSpPr>
+            <a:spLocks noGrp="1"/>
+          </p:cNvSpPr>
+          <p:nvPr>
+            <p:ph type="body" idx="1"/>
+          </p:nvPr>
+        </p:nvSpPr>
+        <p:spPr/>
+        <p:txBody>
+          <a:bodyPr/>
+          <a:lstStyle/>
+          <a:p>
+            <a:endParaRPr lang="zh-CN" altLang="en-US" dirty="0"/>
+          </a:p>
+        </p:txBody>
+      </p:sp>
+      <p:sp>
+        <p:nvSpPr>
+          <p:cNvPr id="4" name="灯片编号占位符 3">
+            <a:extLst>
+              <a:ext uri="{FF2B5EF4-FFF2-40B4-BE49-F238E27FC236}">
+                <a16:creationId xmlns:a16="http://schemas.microsoft.com/office/drawing/2014/main" id="{D0AA581D-6BA9-F168-3A86-73C856B396D7}"/>
+              </a:ext>
+            </a:extLst>
+          </p:cNvPr>
           <p:cNvSpPr>
             <a:spLocks noGrp="1"/>
           </p:cNvSpPr>
@@ -3556,7 +3734,7 @@
     </p:spTree>
     <p:extLst>
       <p:ext uri="{BB962C8B-B14F-4D97-AF65-F5344CB8AC3E}">
-        <p14:creationId xmlns:p14="http://schemas.microsoft.com/office/powerpoint/2010/main" val="2055232938"/>
+        <p14:creationId xmlns:p14="http://schemas.microsoft.com/office/powerpoint/2010/main" val="2923554288"/>
       </p:ext>
     </p:extLst>
   </p:cSld>
@@ -3571,7 +3749,13 @@
   <p:cSld>
     <p:spTree>
       <p:nvGrpSpPr>
-        <p:cNvPr id="1" name=""/>
+        <p:cNvPr id="1" name="">
+          <a:extLst>
+            <a:ext uri="{FF2B5EF4-FFF2-40B4-BE49-F238E27FC236}">
+              <a16:creationId xmlns:a16="http://schemas.microsoft.com/office/drawing/2014/main" id="{2F00D7B0-5C38-C816-BCF4-BD809B83E28E}"/>
+            </a:ext>
+          </a:extLst>
+        </p:cNvPr>
         <p:cNvGrpSpPr/>
         <p:nvPr/>
       </p:nvGrpSpPr>
@@ -3585,7 +3769,13 @@
       </p:grpSpPr>
       <p:sp>
         <p:nvSpPr>
-          <p:cNvPr id="2" name="幻灯片图像占位符 1"/>
+          <p:cNvPr id="2" name="幻灯片图像占位符 1">
+            <a:extLst>
+              <a:ext uri="{FF2B5EF4-FFF2-40B4-BE49-F238E27FC236}">
+                <a16:creationId xmlns:a16="http://schemas.microsoft.com/office/drawing/2014/main" id="{E0B1A3CF-25D1-94F9-27F4-9E840CEA81A4}"/>
+              </a:ext>
+            </a:extLst>
+          </p:cNvPr>
           <p:cNvSpPr>
             <a:spLocks noGrp="1" noRot="1" noChangeAspect="1"/>
           </p:cNvSpPr>
@@ -3597,7 +3787,13 @@
       </p:sp>
       <p:sp>
         <p:nvSpPr>
-          <p:cNvPr id="3" name="备注占位符 2"/>
+          <p:cNvPr id="3" name="备注占位符 2">
+            <a:extLst>
+              <a:ext uri="{FF2B5EF4-FFF2-40B4-BE49-F238E27FC236}">
+                <a16:creationId xmlns:a16="http://schemas.microsoft.com/office/drawing/2014/main" id="{4795BA55-0DFB-27B5-7C62-D7F28F501E9A}"/>
+              </a:ext>
+            </a:extLst>
+          </p:cNvPr>
           <p:cNvSpPr>
             <a:spLocks noGrp="1"/>
           </p:cNvSpPr>
@@ -3616,7 +3812,13 @@
       </p:sp>
       <p:sp>
         <p:nvSpPr>
-          <p:cNvPr id="4" name="灯片编号占位符 3"/>
+          <p:cNvPr id="4" name="灯片编号占位符 3">
+            <a:extLst>
+              <a:ext uri="{FF2B5EF4-FFF2-40B4-BE49-F238E27FC236}">
+                <a16:creationId xmlns:a16="http://schemas.microsoft.com/office/drawing/2014/main" id="{B29C3BCB-648B-417F-4E67-F79276AAB868}"/>
+              </a:ext>
+            </a:extLst>
+          </p:cNvPr>
           <p:cNvSpPr>
             <a:spLocks noGrp="1"/>
           </p:cNvSpPr>
@@ -3640,7 +3842,7 @@
     </p:spTree>
     <p:extLst>
       <p:ext uri="{BB962C8B-B14F-4D97-AF65-F5344CB8AC3E}">
-        <p14:creationId xmlns:p14="http://schemas.microsoft.com/office/powerpoint/2010/main" val="2157309886"/>
+        <p14:creationId xmlns:p14="http://schemas.microsoft.com/office/powerpoint/2010/main" val="621394818"/>
       </p:ext>
     </p:extLst>
   </p:cSld>
@@ -3655,7 +3857,13 @@
   <p:cSld>
     <p:spTree>
       <p:nvGrpSpPr>
-        <p:cNvPr id="1" name=""/>
+        <p:cNvPr id="1" name="">
+          <a:extLst>
+            <a:ext uri="{FF2B5EF4-FFF2-40B4-BE49-F238E27FC236}">
+              <a16:creationId xmlns:a16="http://schemas.microsoft.com/office/drawing/2014/main" id="{FDFD87CB-AF24-AAD7-ACE5-920A71A6E00D}"/>
+            </a:ext>
+          </a:extLst>
+        </p:cNvPr>
         <p:cNvGrpSpPr/>
         <p:nvPr/>
       </p:nvGrpSpPr>
@@ -3669,7 +3877,13 @@
       </p:grpSpPr>
       <p:sp>
         <p:nvSpPr>
-          <p:cNvPr id="2" name="幻灯片图像占位符 1"/>
+          <p:cNvPr id="2" name="幻灯片图像占位符 1">
+            <a:extLst>
+              <a:ext uri="{FF2B5EF4-FFF2-40B4-BE49-F238E27FC236}">
+                <a16:creationId xmlns:a16="http://schemas.microsoft.com/office/drawing/2014/main" id="{73785655-DDD4-E07C-BD30-76E99F6694E9}"/>
+              </a:ext>
+            </a:extLst>
+          </p:cNvPr>
           <p:cNvSpPr>
             <a:spLocks noGrp="1" noRot="1" noChangeAspect="1"/>
           </p:cNvSpPr>
@@ -3681,7 +3895,13 @@
       </p:sp>
       <p:sp>
         <p:nvSpPr>
-          <p:cNvPr id="3" name="备注占位符 2"/>
+          <p:cNvPr id="3" name="备注占位符 2">
+            <a:extLst>
+              <a:ext uri="{FF2B5EF4-FFF2-40B4-BE49-F238E27FC236}">
+                <a16:creationId xmlns:a16="http://schemas.microsoft.com/office/drawing/2014/main" id="{27BFE514-2E67-AC4E-C994-691F5404B376}"/>
+              </a:ext>
+            </a:extLst>
+          </p:cNvPr>
           <p:cNvSpPr>
             <a:spLocks noGrp="1"/>
           </p:cNvSpPr>
@@ -3700,7 +3920,13 @@
       </p:sp>
       <p:sp>
         <p:nvSpPr>
-          <p:cNvPr id="4" name="灯片编号占位符 3"/>
+          <p:cNvPr id="4" name="灯片编号占位符 3">
+            <a:extLst>
+              <a:ext uri="{FF2B5EF4-FFF2-40B4-BE49-F238E27FC236}">
+                <a16:creationId xmlns:a16="http://schemas.microsoft.com/office/drawing/2014/main" id="{56B36A81-9D3B-4D5E-ACF9-FEE34C49CCFC}"/>
+              </a:ext>
+            </a:extLst>
+          </p:cNvPr>
           <p:cNvSpPr>
             <a:spLocks noGrp="1"/>
           </p:cNvSpPr>
@@ -3724,7 +3950,7 @@
     </p:spTree>
     <p:extLst>
       <p:ext uri="{BB962C8B-B14F-4D97-AF65-F5344CB8AC3E}">
-        <p14:creationId xmlns:p14="http://schemas.microsoft.com/office/powerpoint/2010/main" val="2149435284"/>
+        <p14:creationId xmlns:p14="http://schemas.microsoft.com/office/powerpoint/2010/main" val="1883226735"/>
       </p:ext>
     </p:extLst>
   </p:cSld>
@@ -3739,7 +3965,13 @@
   <p:cSld>
     <p:spTree>
       <p:nvGrpSpPr>
-        <p:cNvPr id="1" name=""/>
+        <p:cNvPr id="1" name="">
+          <a:extLst>
+            <a:ext uri="{FF2B5EF4-FFF2-40B4-BE49-F238E27FC236}">
+              <a16:creationId xmlns:a16="http://schemas.microsoft.com/office/drawing/2014/main" id="{FC95F351-A709-7002-4DF6-D87EFC3726D7}"/>
+            </a:ext>
+          </a:extLst>
+        </p:cNvPr>
         <p:cNvGrpSpPr/>
         <p:nvPr/>
       </p:nvGrpSpPr>
@@ -3753,7 +3985,13 @@
       </p:grpSpPr>
       <p:sp>
         <p:nvSpPr>
-          <p:cNvPr id="2" name="幻灯片图像占位符 1"/>
+          <p:cNvPr id="2" name="幻灯片图像占位符 1">
+            <a:extLst>
+              <a:ext uri="{FF2B5EF4-FFF2-40B4-BE49-F238E27FC236}">
+                <a16:creationId xmlns:a16="http://schemas.microsoft.com/office/drawing/2014/main" id="{CC791911-1C3D-2BA4-B01D-01D083E2569E}"/>
+              </a:ext>
+            </a:extLst>
+          </p:cNvPr>
           <p:cNvSpPr>
             <a:spLocks noGrp="1" noRot="1" noChangeAspect="1"/>
           </p:cNvSpPr>
@@ -3765,7 +4003,13 @@
       </p:sp>
       <p:sp>
         <p:nvSpPr>
-          <p:cNvPr id="3" name="备注占位符 2"/>
+          <p:cNvPr id="3" name="备注占位符 2">
+            <a:extLst>
+              <a:ext uri="{FF2B5EF4-FFF2-40B4-BE49-F238E27FC236}">
+                <a16:creationId xmlns:a16="http://schemas.microsoft.com/office/drawing/2014/main" id="{4E6CBF73-0840-2E25-64B6-81F640E4726A}"/>
+              </a:ext>
+            </a:extLst>
+          </p:cNvPr>
           <p:cNvSpPr>
             <a:spLocks noGrp="1"/>
           </p:cNvSpPr>
@@ -3778,13 +4022,133 @@
           <a:bodyPr/>
           <a:lstStyle/>
           <a:p>
-            <a:endParaRPr lang="en-US" altLang="zh-CN" dirty="0"/>
-          </a:p>
-        </p:txBody>
-      </p:sp>
-      <p:sp>
-        <p:nvSpPr>
-          <p:cNvPr id="4" name="灯片编号占位符 3"/>
+            <a:r>
+              <a:rPr lang="zh-CN" altLang="en-US" dirty="0"/>
+              <a:t>类似的，根据原书，我们可以创建一个添加新条目的页面。</a:t>
+            </a:r>
+          </a:p>
+        </p:txBody>
+      </p:sp>
+      <p:sp>
+        <p:nvSpPr>
+          <p:cNvPr id="4" name="灯片编号占位符 3">
+            <a:extLst>
+              <a:ext uri="{FF2B5EF4-FFF2-40B4-BE49-F238E27FC236}">
+                <a16:creationId xmlns:a16="http://schemas.microsoft.com/office/drawing/2014/main" id="{F6C1A05D-142D-EC67-4214-5ADB19D6A635}"/>
+              </a:ext>
+            </a:extLst>
+          </p:cNvPr>
+          <p:cNvSpPr>
+            <a:spLocks noGrp="1"/>
+          </p:cNvSpPr>
+          <p:nvPr>
+            <p:ph type="sldNum" sz="quarter" idx="5"/>
+          </p:nvPr>
+        </p:nvSpPr>
+        <p:spPr/>
+        <p:txBody>
+          <a:bodyPr/>
+          <a:lstStyle/>
+          <a:p>
+            <a:fld id="{9901CBA2-7C9E-4AD6-B258-A0DB055BB3AF}" type="slidenum">
+              <a:rPr lang="zh-CN" altLang="en-US" smtClean="0"/>
+              <a:t>7</a:t>
+            </a:fld>
+            <a:endParaRPr lang="zh-CN" altLang="en-US"/>
+          </a:p>
+        </p:txBody>
+      </p:sp>
+    </p:spTree>
+    <p:extLst>
+      <p:ext uri="{BB962C8B-B14F-4D97-AF65-F5344CB8AC3E}">
+        <p14:creationId xmlns:p14="http://schemas.microsoft.com/office/powerpoint/2010/main" val="4147218947"/>
+      </p:ext>
+    </p:extLst>
+  </p:cSld>
+  <p:clrMapOvr>
+    <a:masterClrMapping/>
+  </p:clrMapOvr>
+</p:notes>
+</file>
+
+<file path=ppt/notesSlides/notesSlide6.xml><?xml version="1.0" encoding="utf-8"?>
+<p:notes xmlns:a="http://schemas.openxmlformats.org/drawingml/2006/main" xmlns:r="http://schemas.openxmlformats.org/officeDocument/2006/relationships" xmlns:p="http://schemas.openxmlformats.org/presentationml/2006/main">
+  <p:cSld>
+    <p:spTree>
+      <p:nvGrpSpPr>
+        <p:cNvPr id="1" name="">
+          <a:extLst>
+            <a:ext uri="{FF2B5EF4-FFF2-40B4-BE49-F238E27FC236}">
+              <a16:creationId xmlns:a16="http://schemas.microsoft.com/office/drawing/2014/main" id="{BC6153A3-D179-F0A1-0385-03C0971D5BB2}"/>
+            </a:ext>
+          </a:extLst>
+        </p:cNvPr>
+        <p:cNvGrpSpPr/>
+        <p:nvPr/>
+      </p:nvGrpSpPr>
+      <p:grpSpPr>
+        <a:xfrm>
+          <a:off x="0" y="0"/>
+          <a:ext cx="0" cy="0"/>
+          <a:chOff x="0" y="0"/>
+          <a:chExt cx="0" cy="0"/>
+        </a:xfrm>
+      </p:grpSpPr>
+      <p:sp>
+        <p:nvSpPr>
+          <p:cNvPr id="2" name="幻灯片图像占位符 1">
+            <a:extLst>
+              <a:ext uri="{FF2B5EF4-FFF2-40B4-BE49-F238E27FC236}">
+                <a16:creationId xmlns:a16="http://schemas.microsoft.com/office/drawing/2014/main" id="{D206057C-C98D-C55E-9F3B-58DAC95ABC62}"/>
+              </a:ext>
+            </a:extLst>
+          </p:cNvPr>
+          <p:cNvSpPr>
+            <a:spLocks noGrp="1" noRot="1" noChangeAspect="1"/>
+          </p:cNvSpPr>
+          <p:nvPr>
+            <p:ph type="sldImg"/>
+          </p:nvPr>
+        </p:nvSpPr>
+        <p:spPr/>
+      </p:sp>
+      <p:sp>
+        <p:nvSpPr>
+          <p:cNvPr id="3" name="备注占位符 2">
+            <a:extLst>
+              <a:ext uri="{FF2B5EF4-FFF2-40B4-BE49-F238E27FC236}">
+                <a16:creationId xmlns:a16="http://schemas.microsoft.com/office/drawing/2014/main" id="{3482A477-DA41-6E9F-412C-9E97BDAF424C}"/>
+              </a:ext>
+            </a:extLst>
+          </p:cNvPr>
+          <p:cNvSpPr>
+            <a:spLocks noGrp="1"/>
+          </p:cNvSpPr>
+          <p:nvPr>
+            <p:ph type="body" idx="1"/>
+          </p:nvPr>
+        </p:nvSpPr>
+        <p:spPr/>
+        <p:txBody>
+          <a:bodyPr/>
+          <a:lstStyle/>
+          <a:p>
+            <a:r>
+              <a:rPr lang="zh-CN" altLang="en-US" dirty="0"/>
+              <a:t>接着我们再创建一个添加新条目的页面。</a:t>
+            </a:r>
+          </a:p>
+        </p:txBody>
+      </p:sp>
+      <p:sp>
+        <p:nvSpPr>
+          <p:cNvPr id="4" name="灯片编号占位符 3">
+            <a:extLst>
+              <a:ext uri="{FF2B5EF4-FFF2-40B4-BE49-F238E27FC236}">
+                <a16:creationId xmlns:a16="http://schemas.microsoft.com/office/drawing/2014/main" id="{58A63AE0-99BD-C171-3AB2-9194CFAB5B95}"/>
+              </a:ext>
+            </a:extLst>
+          </p:cNvPr>
           <p:cNvSpPr>
             <a:spLocks noGrp="1"/>
           </p:cNvSpPr>
@@ -3808,7 +4172,342 @@
     </p:spTree>
     <p:extLst>
       <p:ext uri="{BB962C8B-B14F-4D97-AF65-F5344CB8AC3E}">
-        <p14:creationId xmlns:p14="http://schemas.microsoft.com/office/powerpoint/2010/main" val="1632987213"/>
+        <p14:creationId xmlns:p14="http://schemas.microsoft.com/office/powerpoint/2010/main" val="4223038233"/>
+      </p:ext>
+    </p:extLst>
+  </p:cSld>
+  <p:clrMapOvr>
+    <a:masterClrMapping/>
+  </p:clrMapOvr>
+</p:notes>
+</file>
+
+<file path=ppt/notesSlides/notesSlide7.xml><?xml version="1.0" encoding="utf-8"?>
+<p:notes xmlns:a="http://schemas.openxmlformats.org/drawingml/2006/main" xmlns:r="http://schemas.openxmlformats.org/officeDocument/2006/relationships" xmlns:p="http://schemas.openxmlformats.org/presentationml/2006/main">
+  <p:cSld>
+    <p:spTree>
+      <p:nvGrpSpPr>
+        <p:cNvPr id="1" name="">
+          <a:extLst>
+            <a:ext uri="{FF2B5EF4-FFF2-40B4-BE49-F238E27FC236}">
+              <a16:creationId xmlns:a16="http://schemas.microsoft.com/office/drawing/2014/main" id="{E0384861-8249-417F-99C5-EE62936E4118}"/>
+            </a:ext>
+          </a:extLst>
+        </p:cNvPr>
+        <p:cNvGrpSpPr/>
+        <p:nvPr/>
+      </p:nvGrpSpPr>
+      <p:grpSpPr>
+        <a:xfrm>
+          <a:off x="0" y="0"/>
+          <a:ext cx="0" cy="0"/>
+          <a:chOff x="0" y="0"/>
+          <a:chExt cx="0" cy="0"/>
+        </a:xfrm>
+      </p:grpSpPr>
+      <p:sp>
+        <p:nvSpPr>
+          <p:cNvPr id="2" name="幻灯片图像占位符 1">
+            <a:extLst>
+              <a:ext uri="{FF2B5EF4-FFF2-40B4-BE49-F238E27FC236}">
+                <a16:creationId xmlns:a16="http://schemas.microsoft.com/office/drawing/2014/main" id="{FE013F69-EED7-DCFD-CAAE-26B61AECA1B5}"/>
+              </a:ext>
+            </a:extLst>
+          </p:cNvPr>
+          <p:cNvSpPr>
+            <a:spLocks noGrp="1" noRot="1" noChangeAspect="1"/>
+          </p:cNvSpPr>
+          <p:nvPr>
+            <p:ph type="sldImg"/>
+          </p:nvPr>
+        </p:nvSpPr>
+        <p:spPr/>
+      </p:sp>
+      <p:sp>
+        <p:nvSpPr>
+          <p:cNvPr id="3" name="备注占位符 2">
+            <a:extLst>
+              <a:ext uri="{FF2B5EF4-FFF2-40B4-BE49-F238E27FC236}">
+                <a16:creationId xmlns:a16="http://schemas.microsoft.com/office/drawing/2014/main" id="{CA34DFDC-8AD4-26F4-297B-990CD550607D}"/>
+              </a:ext>
+            </a:extLst>
+          </p:cNvPr>
+          <p:cNvSpPr>
+            <a:spLocks noGrp="1"/>
+          </p:cNvSpPr>
+          <p:nvPr>
+            <p:ph type="body" idx="1"/>
+          </p:nvPr>
+        </p:nvSpPr>
+        <p:spPr/>
+        <p:txBody>
+          <a:bodyPr/>
+          <a:lstStyle/>
+          <a:p>
+            <a:endParaRPr lang="zh-CN" altLang="en-US" dirty="0"/>
+          </a:p>
+        </p:txBody>
+      </p:sp>
+      <p:sp>
+        <p:nvSpPr>
+          <p:cNvPr id="4" name="灯片编号占位符 3">
+            <a:extLst>
+              <a:ext uri="{FF2B5EF4-FFF2-40B4-BE49-F238E27FC236}">
+                <a16:creationId xmlns:a16="http://schemas.microsoft.com/office/drawing/2014/main" id="{CE5617BE-288B-8A06-D436-575FE2E5E2FC}"/>
+              </a:ext>
+            </a:extLst>
+          </p:cNvPr>
+          <p:cNvSpPr>
+            <a:spLocks noGrp="1"/>
+          </p:cNvSpPr>
+          <p:nvPr>
+            <p:ph type="sldNum" sz="quarter" idx="5"/>
+          </p:nvPr>
+        </p:nvSpPr>
+        <p:spPr/>
+        <p:txBody>
+          <a:bodyPr/>
+          <a:lstStyle/>
+          <a:p>
+            <a:fld id="{9901CBA2-7C9E-4AD6-B258-A0DB055BB3AF}" type="slidenum">
+              <a:rPr lang="zh-CN" altLang="en-US" smtClean="0"/>
+              <a:t>9</a:t>
+            </a:fld>
+            <a:endParaRPr lang="zh-CN" altLang="en-US"/>
+          </a:p>
+        </p:txBody>
+      </p:sp>
+    </p:spTree>
+    <p:extLst>
+      <p:ext uri="{BB962C8B-B14F-4D97-AF65-F5344CB8AC3E}">
+        <p14:creationId xmlns:p14="http://schemas.microsoft.com/office/powerpoint/2010/main" val="2469550375"/>
+      </p:ext>
+    </p:extLst>
+  </p:cSld>
+  <p:clrMapOvr>
+    <a:masterClrMapping/>
+  </p:clrMapOvr>
+</p:notes>
+</file>
+
+<file path=ppt/notesSlides/notesSlide8.xml><?xml version="1.0" encoding="utf-8"?>
+<p:notes xmlns:a="http://schemas.openxmlformats.org/drawingml/2006/main" xmlns:r="http://schemas.openxmlformats.org/officeDocument/2006/relationships" xmlns:p="http://schemas.openxmlformats.org/presentationml/2006/main">
+  <p:cSld>
+    <p:spTree>
+      <p:nvGrpSpPr>
+        <p:cNvPr id="1" name="">
+          <a:extLst>
+            <a:ext uri="{FF2B5EF4-FFF2-40B4-BE49-F238E27FC236}">
+              <a16:creationId xmlns:a16="http://schemas.microsoft.com/office/drawing/2014/main" id="{963CBBDB-00F1-0D1D-C8CB-BEE304EC21CC}"/>
+            </a:ext>
+          </a:extLst>
+        </p:cNvPr>
+        <p:cNvGrpSpPr/>
+        <p:nvPr/>
+      </p:nvGrpSpPr>
+      <p:grpSpPr>
+        <a:xfrm>
+          <a:off x="0" y="0"/>
+          <a:ext cx="0" cy="0"/>
+          <a:chOff x="0" y="0"/>
+          <a:chExt cx="0" cy="0"/>
+        </a:xfrm>
+      </p:grpSpPr>
+      <p:sp>
+        <p:nvSpPr>
+          <p:cNvPr id="2" name="幻灯片图像占位符 1">
+            <a:extLst>
+              <a:ext uri="{FF2B5EF4-FFF2-40B4-BE49-F238E27FC236}">
+                <a16:creationId xmlns:a16="http://schemas.microsoft.com/office/drawing/2014/main" id="{1D9A0550-C61D-0608-5773-6EFD67309A2D}"/>
+              </a:ext>
+            </a:extLst>
+          </p:cNvPr>
+          <p:cNvSpPr>
+            <a:spLocks noGrp="1" noRot="1" noChangeAspect="1"/>
+          </p:cNvSpPr>
+          <p:nvPr>
+            <p:ph type="sldImg"/>
+          </p:nvPr>
+        </p:nvSpPr>
+        <p:spPr/>
+      </p:sp>
+      <p:sp>
+        <p:nvSpPr>
+          <p:cNvPr id="3" name="备注占位符 2">
+            <a:extLst>
+              <a:ext uri="{FF2B5EF4-FFF2-40B4-BE49-F238E27FC236}">
+                <a16:creationId xmlns:a16="http://schemas.microsoft.com/office/drawing/2014/main" id="{B89CCAEC-9A87-0725-D29C-44975649C8F5}"/>
+              </a:ext>
+            </a:extLst>
+          </p:cNvPr>
+          <p:cNvSpPr>
+            <a:spLocks noGrp="1"/>
+          </p:cNvSpPr>
+          <p:nvPr>
+            <p:ph type="body" idx="1"/>
+          </p:nvPr>
+        </p:nvSpPr>
+        <p:spPr/>
+        <p:txBody>
+          <a:bodyPr/>
+          <a:lstStyle/>
+          <a:p>
+            <a:endParaRPr lang="zh-CN" altLang="en-US" dirty="0"/>
+          </a:p>
+        </p:txBody>
+      </p:sp>
+      <p:sp>
+        <p:nvSpPr>
+          <p:cNvPr id="4" name="灯片编号占位符 3">
+            <a:extLst>
+              <a:ext uri="{FF2B5EF4-FFF2-40B4-BE49-F238E27FC236}">
+                <a16:creationId xmlns:a16="http://schemas.microsoft.com/office/drawing/2014/main" id="{E849302A-BA98-AC73-A3E8-EE31E5BCE7BD}"/>
+              </a:ext>
+            </a:extLst>
+          </p:cNvPr>
+          <p:cNvSpPr>
+            <a:spLocks noGrp="1"/>
+          </p:cNvSpPr>
+          <p:nvPr>
+            <p:ph type="sldNum" sz="quarter" idx="5"/>
+          </p:nvPr>
+        </p:nvSpPr>
+        <p:spPr/>
+        <p:txBody>
+          <a:bodyPr/>
+          <a:lstStyle/>
+          <a:p>
+            <a:fld id="{9901CBA2-7C9E-4AD6-B258-A0DB055BB3AF}" type="slidenum">
+              <a:rPr lang="zh-CN" altLang="en-US" smtClean="0"/>
+              <a:t>10</a:t>
+            </a:fld>
+            <a:endParaRPr lang="zh-CN" altLang="en-US"/>
+          </a:p>
+        </p:txBody>
+      </p:sp>
+    </p:spTree>
+    <p:extLst>
+      <p:ext uri="{BB962C8B-B14F-4D97-AF65-F5344CB8AC3E}">
+        <p14:creationId xmlns:p14="http://schemas.microsoft.com/office/powerpoint/2010/main" val="1423289758"/>
+      </p:ext>
+    </p:extLst>
+  </p:cSld>
+  <p:clrMapOvr>
+    <a:masterClrMapping/>
+  </p:clrMapOvr>
+</p:notes>
+</file>
+
+<file path=ppt/notesSlides/notesSlide9.xml><?xml version="1.0" encoding="utf-8"?>
+<p:notes xmlns:a="http://schemas.openxmlformats.org/drawingml/2006/main" xmlns:r="http://schemas.openxmlformats.org/officeDocument/2006/relationships" xmlns:p="http://schemas.openxmlformats.org/presentationml/2006/main">
+  <p:cSld>
+    <p:spTree>
+      <p:nvGrpSpPr>
+        <p:cNvPr id="1" name="">
+          <a:extLst>
+            <a:ext uri="{FF2B5EF4-FFF2-40B4-BE49-F238E27FC236}">
+              <a16:creationId xmlns:a16="http://schemas.microsoft.com/office/drawing/2014/main" id="{46D3CF66-4C7B-8CEA-D24B-8B7F43D03031}"/>
+            </a:ext>
+          </a:extLst>
+        </p:cNvPr>
+        <p:cNvGrpSpPr/>
+        <p:nvPr/>
+      </p:nvGrpSpPr>
+      <p:grpSpPr>
+        <a:xfrm>
+          <a:off x="0" y="0"/>
+          <a:ext cx="0" cy="0"/>
+          <a:chOff x="0" y="0"/>
+          <a:chExt cx="0" cy="0"/>
+        </a:xfrm>
+      </p:grpSpPr>
+      <p:sp>
+        <p:nvSpPr>
+          <p:cNvPr id="2" name="幻灯片图像占位符 1">
+            <a:extLst>
+              <a:ext uri="{FF2B5EF4-FFF2-40B4-BE49-F238E27FC236}">
+                <a16:creationId xmlns:a16="http://schemas.microsoft.com/office/drawing/2014/main" id="{BD50FB9E-1B22-5CFB-DDC1-73300EDFAA60}"/>
+              </a:ext>
+            </a:extLst>
+          </p:cNvPr>
+          <p:cNvSpPr>
+            <a:spLocks noGrp="1" noRot="1" noChangeAspect="1"/>
+          </p:cNvSpPr>
+          <p:nvPr>
+            <p:ph type="sldImg"/>
+          </p:nvPr>
+        </p:nvSpPr>
+        <p:spPr/>
+      </p:sp>
+      <p:sp>
+        <p:nvSpPr>
+          <p:cNvPr id="3" name="备注占位符 2">
+            <a:extLst>
+              <a:ext uri="{FF2B5EF4-FFF2-40B4-BE49-F238E27FC236}">
+                <a16:creationId xmlns:a16="http://schemas.microsoft.com/office/drawing/2014/main" id="{F18FCC0A-BCFC-AE22-3F69-3EF83271DA47}"/>
+              </a:ext>
+            </a:extLst>
+          </p:cNvPr>
+          <p:cNvSpPr>
+            <a:spLocks noGrp="1"/>
+          </p:cNvSpPr>
+          <p:nvPr>
+            <p:ph type="body" idx="1"/>
+          </p:nvPr>
+        </p:nvSpPr>
+        <p:spPr/>
+        <p:txBody>
+          <a:bodyPr/>
+          <a:lstStyle/>
+          <a:p>
+            <a:r>
+              <a:rPr lang="zh-CN" altLang="en-US" dirty="0"/>
+              <a:t>接着则参考原书的 </a:t>
+            </a:r>
+            <a:r>
+              <a:rPr lang="en-US" altLang="zh-CN" dirty="0"/>
+              <a:t>19.2.5~19.2.6</a:t>
+            </a:r>
+            <a:r>
+              <a:rPr lang="zh-CN" altLang="en-US" dirty="0"/>
+              <a:t>，实现注册和注销两个功能。</a:t>
+            </a:r>
+          </a:p>
+        </p:txBody>
+      </p:sp>
+      <p:sp>
+        <p:nvSpPr>
+          <p:cNvPr id="4" name="灯片编号占位符 3">
+            <a:extLst>
+              <a:ext uri="{FF2B5EF4-FFF2-40B4-BE49-F238E27FC236}">
+                <a16:creationId xmlns:a16="http://schemas.microsoft.com/office/drawing/2014/main" id="{7D1EEED9-E905-B396-AF4C-535BC3321F9C}"/>
+              </a:ext>
+            </a:extLst>
+          </p:cNvPr>
+          <p:cNvSpPr>
+            <a:spLocks noGrp="1"/>
+          </p:cNvSpPr>
+          <p:nvPr>
+            <p:ph type="sldNum" sz="quarter" idx="5"/>
+          </p:nvPr>
+        </p:nvSpPr>
+        <p:spPr/>
+        <p:txBody>
+          <a:bodyPr/>
+          <a:lstStyle/>
+          <a:p>
+            <a:fld id="{9901CBA2-7C9E-4AD6-B258-A0DB055BB3AF}" type="slidenum">
+              <a:rPr lang="zh-CN" altLang="en-US" smtClean="0"/>
+              <a:t>11</a:t>
+            </a:fld>
+            <a:endParaRPr lang="zh-CN" altLang="en-US"/>
+          </a:p>
+        </p:txBody>
+      </p:sp>
+    </p:spTree>
+    <p:extLst>
+      <p:ext uri="{BB962C8B-B14F-4D97-AF65-F5344CB8AC3E}">
+        <p14:creationId xmlns:p14="http://schemas.microsoft.com/office/powerpoint/2010/main" val="3413338085"/>
       </p:ext>
     </p:extLst>
   </p:cSld>
@@ -3965,7 +4664,7 @@
           <a:p>
             <a:fld id="{F721228B-0167-4061-A906-8575043315EE}" type="datetimeFigureOut">
               <a:rPr lang="zh-CN" altLang="en-US" smtClean="0"/>
-              <a:t>2023/6/2</a:t>
+              <a:t>2025/6/6 Fri</a:t>
             </a:fld>
             <a:endParaRPr lang="zh-CN" altLang="en-US"/>
           </a:p>
@@ -4163,7 +4862,7 @@
           <a:p>
             <a:fld id="{F721228B-0167-4061-A906-8575043315EE}" type="datetimeFigureOut">
               <a:rPr lang="zh-CN" altLang="en-US" smtClean="0"/>
-              <a:t>2023/6/2</a:t>
+              <a:t>2025/6/6 Fri</a:t>
             </a:fld>
             <a:endParaRPr lang="zh-CN" altLang="en-US"/>
           </a:p>
@@ -4371,7 +5070,7 @@
           <a:p>
             <a:fld id="{F721228B-0167-4061-A906-8575043315EE}" type="datetimeFigureOut">
               <a:rPr lang="zh-CN" altLang="en-US" smtClean="0"/>
-              <a:t>2023/6/2</a:t>
+              <a:t>2025/6/6 Fri</a:t>
             </a:fld>
             <a:endParaRPr lang="zh-CN" altLang="en-US"/>
           </a:p>
@@ -4845,7 +5544,7 @@
           <a:p>
             <a:fld id="{F721228B-0167-4061-A906-8575043315EE}" type="datetimeFigureOut">
               <a:rPr lang="zh-CN" altLang="en-US" smtClean="0"/>
-              <a:t>2023/6/2</a:t>
+              <a:t>2025/6/6 Fri</a:t>
             </a:fld>
             <a:endParaRPr lang="zh-CN" altLang="en-US"/>
           </a:p>
@@ -5169,7 +5868,7 @@
           <a:p>
             <a:fld id="{F721228B-0167-4061-A906-8575043315EE}" type="datetimeFigureOut">
               <a:rPr lang="zh-CN" altLang="en-US" smtClean="0"/>
-              <a:t>2023/6/2</a:t>
+              <a:t>2025/6/6 Fri</a:t>
             </a:fld>
             <a:endParaRPr lang="zh-CN" altLang="en-US"/>
           </a:p>
@@ -5515,7 +6214,7 @@
           <a:p>
             <a:fld id="{F721228B-0167-4061-A906-8575043315EE}" type="datetimeFigureOut">
               <a:rPr lang="zh-CN" altLang="en-US" smtClean="0"/>
-              <a:t>2023/6/2</a:t>
+              <a:t>2025/6/6 Fri</a:t>
             </a:fld>
             <a:endParaRPr lang="zh-CN" altLang="en-US"/>
           </a:p>
@@ -5976,7 +6675,7 @@
           <a:p>
             <a:fld id="{F721228B-0167-4061-A906-8575043315EE}" type="datetimeFigureOut">
               <a:rPr lang="zh-CN" altLang="en-US" smtClean="0"/>
-              <a:t>2023/6/2</a:t>
+              <a:t>2025/6/6 Fri</a:t>
             </a:fld>
             <a:endParaRPr lang="zh-CN" altLang="en-US"/>
           </a:p>
@@ -6117,7 +6816,7 @@
           <a:p>
             <a:fld id="{F721228B-0167-4061-A906-8575043315EE}" type="datetimeFigureOut">
               <a:rPr lang="zh-CN" altLang="en-US" smtClean="0"/>
-              <a:t>2023/6/2</a:t>
+              <a:t>2025/6/6 Fri</a:t>
             </a:fld>
             <a:endParaRPr lang="zh-CN" altLang="en-US"/>
           </a:p>
@@ -6230,7 +6929,7 @@
           <a:p>
             <a:fld id="{F721228B-0167-4061-A906-8575043315EE}" type="datetimeFigureOut">
               <a:rPr lang="zh-CN" altLang="en-US" smtClean="0"/>
-              <a:t>2023/6/2</a:t>
+              <a:t>2025/6/6 Fri</a:t>
             </a:fld>
             <a:endParaRPr lang="zh-CN" altLang="en-US"/>
           </a:p>
@@ -6541,7 +7240,7 @@
           <a:p>
             <a:fld id="{F721228B-0167-4061-A906-8575043315EE}" type="datetimeFigureOut">
               <a:rPr lang="zh-CN" altLang="en-US" smtClean="0"/>
-              <a:t>2023/6/2</a:t>
+              <a:t>2025/6/6 Fri</a:t>
             </a:fld>
             <a:endParaRPr lang="zh-CN" altLang="en-US"/>
           </a:p>
@@ -6829,7 +7528,7 @@
           <a:p>
             <a:fld id="{F721228B-0167-4061-A906-8575043315EE}" type="datetimeFigureOut">
               <a:rPr lang="zh-CN" altLang="en-US" smtClean="0"/>
-              <a:t>2023/6/2</a:t>
+              <a:t>2025/6/6 Fri</a:t>
             </a:fld>
             <a:endParaRPr lang="zh-CN" altLang="en-US"/>
           </a:p>
@@ -7070,7 +7769,7 @@
           <a:p>
             <a:fld id="{F721228B-0167-4061-A906-8575043315EE}" type="datetimeFigureOut">
               <a:rPr lang="zh-CN" altLang="en-US" smtClean="0"/>
-              <a:t>2023/6/2</a:t>
+              <a:t>2025/6/6 Fri</a:t>
             </a:fld>
             <a:endParaRPr lang="zh-CN" altLang="en-US"/>
           </a:p>
@@ -7842,6 +8541,833 @@
 </p:sld>
 </file>
 
+<file path=ppt/slides/slide10.xml><?xml version="1.0" encoding="utf-8"?>
+<p:sld xmlns:a="http://schemas.openxmlformats.org/drawingml/2006/main" xmlns:r="http://schemas.openxmlformats.org/officeDocument/2006/relationships" xmlns:p="http://schemas.openxmlformats.org/presentationml/2006/main">
+  <p:cSld>
+    <p:spTree>
+      <p:nvGrpSpPr>
+        <p:cNvPr id="1" name="">
+          <a:extLst>
+            <a:ext uri="{FF2B5EF4-FFF2-40B4-BE49-F238E27FC236}">
+              <a16:creationId xmlns:a16="http://schemas.microsoft.com/office/drawing/2014/main" id="{B72B6D78-8B2A-01DC-FD5A-CF4F34FA024D}"/>
+            </a:ext>
+          </a:extLst>
+        </p:cNvPr>
+        <p:cNvGrpSpPr/>
+        <p:nvPr/>
+      </p:nvGrpSpPr>
+      <p:grpSpPr>
+        <a:xfrm>
+          <a:off x="0" y="0"/>
+          <a:ext cx="0" cy="0"/>
+          <a:chOff x="0" y="0"/>
+          <a:chExt cx="0" cy="0"/>
+        </a:xfrm>
+      </p:grpSpPr>
+      <p:sp>
+        <p:nvSpPr>
+          <p:cNvPr id="3" name="内容占位符 2">
+            <a:extLst>
+              <a:ext uri="{FF2B5EF4-FFF2-40B4-BE49-F238E27FC236}">
+                <a16:creationId xmlns:a16="http://schemas.microsoft.com/office/drawing/2014/main" id="{CA08F402-D92C-82C8-D237-83C699799B46}"/>
+              </a:ext>
+            </a:extLst>
+          </p:cNvPr>
+          <p:cNvSpPr>
+            <a:spLocks noGrp="1"/>
+          </p:cNvSpPr>
+          <p:nvPr>
+            <p:ph idx="1"/>
+          </p:nvPr>
+        </p:nvSpPr>
+        <p:spPr/>
+        <p:txBody>
+          <a:bodyPr>
+            <a:normAutofit/>
+          </a:bodyPr>
+          <a:lstStyle/>
+          <a:p>
+            <a:pPr marL="0" indent="0">
+              <a:buNone/>
+            </a:pPr>
+            <a:r>
+              <a:rPr lang="zh-CN" altLang="en-US" dirty="0"/>
+              <a:t>首先使用命令 </a:t>
+            </a:r>
+            <a:r>
+              <a:rPr lang="en-US" altLang="zh-CN" dirty="0" err="1"/>
+              <a:t>startapp</a:t>
+            </a:r>
+            <a:r>
+              <a:rPr lang="en-US" altLang="zh-CN" dirty="0"/>
+              <a:t> </a:t>
+            </a:r>
+            <a:r>
+              <a:rPr lang="zh-CN" altLang="en-US" dirty="0"/>
+              <a:t>创建一个名为 </a:t>
+            </a:r>
+            <a:r>
+              <a:rPr lang="en-US" altLang="zh-CN" dirty="0"/>
+              <a:t>accounts </a:t>
+            </a:r>
+            <a:r>
+              <a:rPr lang="zh-CN" altLang="en-US" dirty="0"/>
+              <a:t>的应用程序：</a:t>
+            </a:r>
+            <a:endParaRPr lang="en-US" altLang="zh-CN" dirty="0"/>
+          </a:p>
+          <a:p>
+            <a:pPr marL="0" indent="0">
+              <a:buNone/>
+            </a:pPr>
+            <a:r>
+              <a:rPr lang="en-US" altLang="zh-CN" dirty="0">
+                <a:highlight>
+                  <a:srgbClr val="C0C0C0"/>
+                </a:highlight>
+              </a:rPr>
+              <a:t>$ python manage.py </a:t>
+            </a:r>
+            <a:r>
+              <a:rPr lang="en-US" altLang="zh-CN" dirty="0" err="1">
+                <a:highlight>
+                  <a:srgbClr val="C0C0C0"/>
+                </a:highlight>
+              </a:rPr>
+              <a:t>startapp</a:t>
+            </a:r>
+            <a:r>
+              <a:rPr lang="en-US" altLang="zh-CN" dirty="0">
+                <a:highlight>
+                  <a:srgbClr val="C0C0C0"/>
+                </a:highlight>
+              </a:rPr>
+              <a:t> accounts</a:t>
+            </a:r>
+          </a:p>
+          <a:p>
+            <a:pPr marL="0" indent="0">
+              <a:buNone/>
+            </a:pPr>
+            <a:endParaRPr lang="en-US" altLang="zh-CN" dirty="0"/>
+          </a:p>
+          <a:p>
+            <a:pPr marL="0" indent="0">
+              <a:buNone/>
+            </a:pPr>
+            <a:r>
+              <a:rPr lang="zh-CN" altLang="en-US" dirty="0"/>
+              <a:t>因为默认的身份验证系统是围绕着用户账户</a:t>
+            </a:r>
+            <a:r>
+              <a:rPr lang="en-US" altLang="zh-CN" dirty="0"/>
+              <a:t>(user account)</a:t>
+            </a:r>
+            <a:r>
+              <a:rPr lang="zh-CN" altLang="en-US" dirty="0"/>
+              <a:t>的概念建立的，所以使用名称 </a:t>
+            </a:r>
+            <a:r>
+              <a:rPr lang="en-US" altLang="zh-CN" dirty="0"/>
+              <a:t>accounts </a:t>
+            </a:r>
+            <a:r>
+              <a:rPr lang="zh-CN" altLang="en-US" dirty="0"/>
+              <a:t>可简化我们与这个默认系统集成的工作。</a:t>
+            </a:r>
+            <a:endParaRPr lang="en-US" altLang="zh-CN" dirty="0"/>
+          </a:p>
+          <a:p>
+            <a:pPr marL="0" indent="0">
+              <a:buNone/>
+            </a:pPr>
+            <a:r>
+              <a:rPr lang="zh-CN" altLang="en-US" dirty="0"/>
+              <a:t>这里的 </a:t>
+            </a:r>
+            <a:r>
+              <a:rPr lang="en-US" altLang="zh-CN" dirty="0" err="1"/>
+              <a:t>startapp</a:t>
+            </a:r>
+            <a:r>
+              <a:rPr lang="en-US" altLang="zh-CN" dirty="0"/>
+              <a:t> </a:t>
+            </a:r>
+            <a:r>
+              <a:rPr lang="zh-CN" altLang="en-US" dirty="0"/>
+              <a:t>命令新建目录 </a:t>
+            </a:r>
+            <a:r>
+              <a:rPr lang="en-US" altLang="zh-CN" dirty="0"/>
+              <a:t>account</a:t>
+            </a:r>
+            <a:r>
+              <a:rPr lang="zh-CN" altLang="en-US" dirty="0"/>
+              <a:t>，该目录的结构与应用程序 </a:t>
+            </a:r>
+            <a:r>
+              <a:rPr lang="en-US" altLang="zh-CN" dirty="0" err="1"/>
+              <a:t>learning_logs</a:t>
+            </a:r>
+            <a:r>
+              <a:rPr lang="en-US" altLang="zh-CN" dirty="0"/>
+              <a:t> </a:t>
+            </a:r>
+            <a:r>
+              <a:rPr lang="zh-CN" altLang="en-US" dirty="0"/>
+              <a:t>相同。</a:t>
+            </a:r>
+            <a:endParaRPr lang="en-US" altLang="zh-CN" dirty="0"/>
+          </a:p>
+          <a:p>
+            <a:pPr marL="0" indent="0">
+              <a:buNone/>
+            </a:pPr>
+            <a:r>
+              <a:rPr lang="zh-CN" altLang="en-US" dirty="0"/>
+              <a:t>参考原书</a:t>
+            </a:r>
+            <a:r>
+              <a:rPr lang="en-US" altLang="zh-CN" dirty="0"/>
+              <a:t> 19.2.2~19.2.4 </a:t>
+            </a:r>
+            <a:r>
+              <a:rPr lang="zh-CN" altLang="en-US" dirty="0"/>
+              <a:t>小节后，我们可以写出一个登陆页面。</a:t>
+            </a:r>
+            <a:r>
+              <a:rPr lang="en-US" altLang="zh-CN" dirty="0"/>
+              <a:t> </a:t>
+            </a:r>
+            <a:endParaRPr lang="en-US" altLang="zh-CN" dirty="0">
+              <a:highlight>
+                <a:srgbClr val="C0C0C0"/>
+              </a:highlight>
+            </a:endParaRPr>
+          </a:p>
+        </p:txBody>
+      </p:sp>
+      <p:sp>
+        <p:nvSpPr>
+          <p:cNvPr id="5" name="标题 4">
+            <a:extLst>
+              <a:ext uri="{FF2B5EF4-FFF2-40B4-BE49-F238E27FC236}">
+                <a16:creationId xmlns:a16="http://schemas.microsoft.com/office/drawing/2014/main" id="{D31FDAC6-40D3-9613-CD9B-2F5EFFB62194}"/>
+              </a:ext>
+            </a:extLst>
+          </p:cNvPr>
+          <p:cNvSpPr>
+            <a:spLocks noGrp="1"/>
+          </p:cNvSpPr>
+          <p:nvPr>
+            <p:ph type="title"/>
+          </p:nvPr>
+        </p:nvSpPr>
+        <p:spPr/>
+        <p:txBody>
+          <a:bodyPr/>
+          <a:lstStyle/>
+          <a:p>
+            <a:r>
+              <a:rPr lang="en-US" altLang="zh-CN" dirty="0"/>
+              <a:t>19.2 </a:t>
+            </a:r>
+            <a:r>
+              <a:rPr lang="zh-CN" altLang="en-US" dirty="0"/>
+              <a:t>创建用户账户</a:t>
+            </a:r>
+          </a:p>
+        </p:txBody>
+      </p:sp>
+    </p:spTree>
+    <p:extLst>
+      <p:ext uri="{BB962C8B-B14F-4D97-AF65-F5344CB8AC3E}">
+        <p14:creationId xmlns:p14="http://schemas.microsoft.com/office/powerpoint/2010/main" val="3534278287"/>
+      </p:ext>
+    </p:extLst>
+  </p:cSld>
+  <p:clrMapOvr>
+    <a:masterClrMapping/>
+  </p:clrMapOvr>
+</p:sld>
+</file>
+
+<file path=ppt/slides/slide11.xml><?xml version="1.0" encoding="utf-8"?>
+<p:sld xmlns:a="http://schemas.openxmlformats.org/drawingml/2006/main" xmlns:r="http://schemas.openxmlformats.org/officeDocument/2006/relationships" xmlns:p="http://schemas.openxmlformats.org/presentationml/2006/main">
+  <p:cSld>
+    <p:spTree>
+      <p:nvGrpSpPr>
+        <p:cNvPr id="1" name="">
+          <a:extLst>
+            <a:ext uri="{FF2B5EF4-FFF2-40B4-BE49-F238E27FC236}">
+              <a16:creationId xmlns:a16="http://schemas.microsoft.com/office/drawing/2014/main" id="{5543FBD9-9CD1-4F8B-5AE2-71A6A59A3B52}"/>
+            </a:ext>
+          </a:extLst>
+        </p:cNvPr>
+        <p:cNvGrpSpPr/>
+        <p:nvPr/>
+      </p:nvGrpSpPr>
+      <p:grpSpPr>
+        <a:xfrm>
+          <a:off x="0" y="0"/>
+          <a:ext cx="0" cy="0"/>
+          <a:chOff x="0" y="0"/>
+          <a:chExt cx="0" cy="0"/>
+        </a:xfrm>
+      </p:grpSpPr>
+      <p:pic>
+        <p:nvPicPr>
+          <p:cNvPr id="4" name="内容占位符 3">
+            <a:extLst>
+              <a:ext uri="{FF2B5EF4-FFF2-40B4-BE49-F238E27FC236}">
+                <a16:creationId xmlns:a16="http://schemas.microsoft.com/office/drawing/2014/main" id="{7486E830-A649-4918-9914-6CF27B8447B1}"/>
+              </a:ext>
+            </a:extLst>
+          </p:cNvPr>
+          <p:cNvPicPr>
+            <a:picLocks noGrp="1" noChangeAspect="1"/>
+          </p:cNvPicPr>
+          <p:nvPr>
+            <p:ph idx="1"/>
+          </p:nvPr>
+        </p:nvPicPr>
+        <p:blipFill>
+          <a:blip r:embed="rId3"/>
+          <a:stretch>
+            <a:fillRect/>
+          </a:stretch>
+        </p:blipFill>
+        <p:spPr>
+          <a:xfrm>
+            <a:off x="2788759" y="1890713"/>
+            <a:ext cx="6614482" cy="4351337"/>
+          </a:xfrm>
+        </p:spPr>
+      </p:pic>
+      <p:sp>
+        <p:nvSpPr>
+          <p:cNvPr id="5" name="标题 4">
+            <a:extLst>
+              <a:ext uri="{FF2B5EF4-FFF2-40B4-BE49-F238E27FC236}">
+                <a16:creationId xmlns:a16="http://schemas.microsoft.com/office/drawing/2014/main" id="{63F66E00-1B33-22E4-B0E6-7E1CFB5A8852}"/>
+              </a:ext>
+            </a:extLst>
+          </p:cNvPr>
+          <p:cNvSpPr>
+            <a:spLocks noGrp="1"/>
+          </p:cNvSpPr>
+          <p:nvPr>
+            <p:ph type="title"/>
+          </p:nvPr>
+        </p:nvSpPr>
+        <p:spPr/>
+        <p:txBody>
+          <a:bodyPr/>
+          <a:lstStyle/>
+          <a:p>
+            <a:r>
+              <a:rPr lang="en-US" altLang="zh-CN" dirty="0"/>
+              <a:t>19.2 </a:t>
+            </a:r>
+            <a:r>
+              <a:rPr lang="zh-CN" altLang="en-US" dirty="0"/>
+              <a:t>创建用户账户</a:t>
+            </a:r>
+          </a:p>
+        </p:txBody>
+      </p:sp>
+    </p:spTree>
+    <p:extLst>
+      <p:ext uri="{BB962C8B-B14F-4D97-AF65-F5344CB8AC3E}">
+        <p14:creationId xmlns:p14="http://schemas.microsoft.com/office/powerpoint/2010/main" val="2938699360"/>
+      </p:ext>
+    </p:extLst>
+  </p:cSld>
+  <p:clrMapOvr>
+    <a:masterClrMapping/>
+  </p:clrMapOvr>
+</p:sld>
+</file>
+
+<file path=ppt/slides/slide12.xml><?xml version="1.0" encoding="utf-8"?>
+<p:sld xmlns:a="http://schemas.openxmlformats.org/drawingml/2006/main" xmlns:r="http://schemas.openxmlformats.org/officeDocument/2006/relationships" xmlns:p="http://schemas.openxmlformats.org/presentationml/2006/main">
+  <p:cSld>
+    <p:spTree>
+      <p:nvGrpSpPr>
+        <p:cNvPr id="1" name="">
+          <a:extLst>
+            <a:ext uri="{FF2B5EF4-FFF2-40B4-BE49-F238E27FC236}">
+              <a16:creationId xmlns:a16="http://schemas.microsoft.com/office/drawing/2014/main" id="{08692C6D-537D-EAC3-556F-CCEAC2774419}"/>
+            </a:ext>
+          </a:extLst>
+        </p:cNvPr>
+        <p:cNvGrpSpPr/>
+        <p:nvPr/>
+      </p:nvGrpSpPr>
+      <p:grpSpPr>
+        <a:xfrm>
+          <a:off x="0" y="0"/>
+          <a:ext cx="0" cy="0"/>
+          <a:chOff x="0" y="0"/>
+          <a:chExt cx="0" cy="0"/>
+        </a:xfrm>
+      </p:grpSpPr>
+      <p:sp>
+        <p:nvSpPr>
+          <p:cNvPr id="3" name="内容占位符 2">
+            <a:extLst>
+              <a:ext uri="{FF2B5EF4-FFF2-40B4-BE49-F238E27FC236}">
+                <a16:creationId xmlns:a16="http://schemas.microsoft.com/office/drawing/2014/main" id="{3E1520CD-F75D-9AC5-A839-D1151243A0CE}"/>
+              </a:ext>
+            </a:extLst>
+          </p:cNvPr>
+          <p:cNvSpPr>
+            <a:spLocks noGrp="1"/>
+          </p:cNvSpPr>
+          <p:nvPr>
+            <p:ph idx="1"/>
+          </p:nvPr>
+        </p:nvSpPr>
+        <p:spPr/>
+        <p:txBody>
+          <a:bodyPr>
+            <a:normAutofit/>
+          </a:bodyPr>
+          <a:lstStyle/>
+          <a:p>
+            <a:pPr marL="0" indent="0">
+              <a:buNone/>
+            </a:pPr>
+            <a:r>
+              <a:rPr lang="zh-CN" altLang="en-US" dirty="0"/>
+              <a:t>用户应该能够在学习笔记中输入私有数据，因此我们将创建一个系统，先确定各项数据所属的用户。</a:t>
+            </a:r>
+            <a:endParaRPr lang="en-US" altLang="zh-CN" dirty="0"/>
+          </a:p>
+          <a:p>
+            <a:pPr marL="0" indent="0">
+              <a:buNone/>
+            </a:pPr>
+            <a:r>
+              <a:rPr lang="zh-CN" altLang="en-US" dirty="0"/>
+              <a:t>再限制用户对页面的访问，让他们只能使用自己的数据。</a:t>
+            </a:r>
+            <a:endParaRPr lang="en-US" altLang="zh-CN" dirty="0"/>
+          </a:p>
+          <a:p>
+            <a:pPr marL="0" indent="0">
+              <a:buNone/>
+            </a:pPr>
+            <a:r>
+              <a:rPr lang="zh-CN" altLang="en-US" dirty="0"/>
+              <a:t>本节将修改模型 </a:t>
+            </a:r>
+            <a:r>
+              <a:rPr lang="en-US" altLang="zh-CN" dirty="0"/>
+              <a:t>Topic</a:t>
+            </a:r>
+            <a:r>
+              <a:rPr lang="zh-CN" altLang="en-US" dirty="0"/>
+              <a:t>，让每个主题都归属于特定的用户。</a:t>
+            </a:r>
+            <a:endParaRPr lang="en-US" altLang="zh-CN" dirty="0"/>
+          </a:p>
+          <a:p>
+            <a:pPr marL="0" indent="0">
+              <a:buNone/>
+            </a:pPr>
+            <a:r>
+              <a:rPr lang="zh-CN" altLang="en-US" dirty="0"/>
+              <a:t>这也将影响条目，因为每个条目都属于特定的主题。</a:t>
+            </a:r>
+            <a:endParaRPr lang="en-US" altLang="zh-CN" dirty="0"/>
+          </a:p>
+          <a:p>
+            <a:pPr marL="0" indent="0">
+              <a:buNone/>
+            </a:pPr>
+            <a:r>
+              <a:rPr lang="en-US" altLang="zh-CN" dirty="0"/>
+              <a:t>Django </a:t>
+            </a:r>
+            <a:r>
+              <a:rPr lang="zh-CN" altLang="en-US" dirty="0"/>
+              <a:t>提供了装饰器 </a:t>
+            </a:r>
+            <a:r>
+              <a:rPr lang="en-US" altLang="zh-CN" dirty="0">
+                <a:highlight>
+                  <a:srgbClr val="C0C0C0"/>
+                </a:highlight>
+              </a:rPr>
+              <a:t>@login_required</a:t>
+            </a:r>
+            <a:r>
+              <a:rPr lang="zh-CN" altLang="en-US" dirty="0"/>
+              <a:t>，有助于轻松地限制对某些页面的访问。</a:t>
+            </a:r>
+            <a:endParaRPr lang="en-US" altLang="zh-CN" dirty="0"/>
+          </a:p>
+          <a:p>
+            <a:pPr marL="0" indent="0">
+              <a:buNone/>
+            </a:pPr>
+            <a:r>
+              <a:rPr lang="zh-CN" altLang="en-US" dirty="0"/>
+              <a:t>通过这一章我们将了解到 </a:t>
+            </a:r>
+            <a:r>
+              <a:rPr lang="en-US" altLang="zh-CN" dirty="0"/>
+              <a:t>Django </a:t>
+            </a:r>
+            <a:r>
+              <a:rPr lang="zh-CN" altLang="en-US" dirty="0"/>
+              <a:t>内置功能的便捷和强大，也实现了相关的功能，内容请参考原书。</a:t>
+            </a:r>
+            <a:endParaRPr lang="en-US" altLang="zh-CN" dirty="0"/>
+          </a:p>
+        </p:txBody>
+      </p:sp>
+      <p:sp>
+        <p:nvSpPr>
+          <p:cNvPr id="5" name="标题 4">
+            <a:extLst>
+              <a:ext uri="{FF2B5EF4-FFF2-40B4-BE49-F238E27FC236}">
+                <a16:creationId xmlns:a16="http://schemas.microsoft.com/office/drawing/2014/main" id="{7B56FCB5-4141-610A-D6CC-2C7EFC842A89}"/>
+              </a:ext>
+            </a:extLst>
+          </p:cNvPr>
+          <p:cNvSpPr>
+            <a:spLocks noGrp="1"/>
+          </p:cNvSpPr>
+          <p:nvPr>
+            <p:ph type="title"/>
+          </p:nvPr>
+        </p:nvSpPr>
+        <p:spPr/>
+        <p:txBody>
+          <a:bodyPr/>
+          <a:lstStyle/>
+          <a:p>
+            <a:r>
+              <a:rPr lang="en-US" altLang="zh-CN" dirty="0"/>
+              <a:t>19.3 </a:t>
+            </a:r>
+            <a:r>
+              <a:rPr lang="zh-CN" altLang="en-US" dirty="0"/>
+              <a:t>让用户拥有自己的数据</a:t>
+            </a:r>
+          </a:p>
+        </p:txBody>
+      </p:sp>
+    </p:spTree>
+    <p:extLst>
+      <p:ext uri="{BB962C8B-B14F-4D97-AF65-F5344CB8AC3E}">
+        <p14:creationId xmlns:p14="http://schemas.microsoft.com/office/powerpoint/2010/main" val="3793925578"/>
+      </p:ext>
+    </p:extLst>
+  </p:cSld>
+  <p:clrMapOvr>
+    <a:masterClrMapping/>
+  </p:clrMapOvr>
+</p:sld>
+</file>
+
+<file path=ppt/slides/slide13.xml><?xml version="1.0" encoding="utf-8"?>
+<p:sld xmlns:a="http://schemas.openxmlformats.org/drawingml/2006/main" xmlns:r="http://schemas.openxmlformats.org/officeDocument/2006/relationships" xmlns:p="http://schemas.openxmlformats.org/presentationml/2006/main">
+  <p:cSld>
+    <p:spTree>
+      <p:nvGrpSpPr>
+        <p:cNvPr id="1" name=""/>
+        <p:cNvGrpSpPr/>
+        <p:nvPr/>
+      </p:nvGrpSpPr>
+      <p:grpSpPr>
+        <a:xfrm>
+          <a:off x="0" y="0"/>
+          <a:ext cx="0" cy="0"/>
+          <a:chOff x="0" y="0"/>
+          <a:chExt cx="0" cy="0"/>
+        </a:xfrm>
+      </p:grpSpPr>
+      <p:sp>
+        <p:nvSpPr>
+          <p:cNvPr id="2" name="标题 1">
+            <a:extLst>
+              <a:ext uri="{FF2B5EF4-FFF2-40B4-BE49-F238E27FC236}">
+                <a16:creationId xmlns:a16="http://schemas.microsoft.com/office/drawing/2014/main" id="{1CBF67D3-549D-0623-7687-618F66C7933B}"/>
+              </a:ext>
+            </a:extLst>
+          </p:cNvPr>
+          <p:cNvSpPr>
+            <a:spLocks noGrp="1"/>
+          </p:cNvSpPr>
+          <p:nvPr>
+            <p:ph type="title"/>
+          </p:nvPr>
+        </p:nvSpPr>
+        <p:spPr/>
+        <p:txBody>
+          <a:bodyPr>
+            <a:normAutofit/>
+          </a:bodyPr>
+          <a:lstStyle/>
+          <a:p>
+            <a:r>
+              <a:rPr lang="en-US" altLang="zh-CN" dirty="0"/>
+              <a:t>19.4 </a:t>
+            </a:r>
+            <a:r>
+              <a:rPr lang="zh-CN" altLang="en-US" dirty="0"/>
+              <a:t>小结</a:t>
+            </a:r>
+            <a:endParaRPr lang="en-US" altLang="zh-CN" dirty="0"/>
+          </a:p>
+        </p:txBody>
+      </p:sp>
+      <p:sp>
+        <p:nvSpPr>
+          <p:cNvPr id="5" name="内容占位符 4">
+            <a:extLst>
+              <a:ext uri="{FF2B5EF4-FFF2-40B4-BE49-F238E27FC236}">
+                <a16:creationId xmlns:a16="http://schemas.microsoft.com/office/drawing/2014/main" id="{27E734E7-DC50-2043-E0F4-ADDF97100AAB}"/>
+              </a:ext>
+            </a:extLst>
+          </p:cNvPr>
+          <p:cNvSpPr>
+            <a:spLocks noGrp="1"/>
+          </p:cNvSpPr>
+          <p:nvPr>
+            <p:ph idx="1"/>
+          </p:nvPr>
+        </p:nvSpPr>
+        <p:spPr/>
+        <p:txBody>
+          <a:bodyPr>
+            <a:normAutofit/>
+          </a:bodyPr>
+          <a:lstStyle/>
+          <a:p>
+            <a:pPr>
+              <a:lnSpc>
+                <a:spcPct val="100000"/>
+              </a:lnSpc>
+            </a:pPr>
+            <a:r>
+              <a:rPr lang="zh-CN" altLang="en-US" dirty="0"/>
+              <a:t>在本章中，你学习了如何使用表单来让用户添加新主题，添加新条目，以及编辑既有条目。</a:t>
+            </a:r>
+            <a:endParaRPr lang="en-US" altLang="zh-CN" dirty="0"/>
+          </a:p>
+          <a:p>
+            <a:pPr>
+              <a:lnSpc>
+                <a:spcPct val="100000"/>
+              </a:lnSpc>
+            </a:pPr>
+            <a:r>
+              <a:rPr lang="zh-CN" altLang="en-US" dirty="0"/>
+              <a:t>接着学习了如何实现用户账户，既让老用户能够登录和注销，也能使用 </a:t>
+            </a:r>
+            <a:r>
+              <a:rPr lang="en-US" altLang="zh-CN" dirty="0"/>
+              <a:t>Django </a:t>
+            </a:r>
+            <a:r>
+              <a:rPr lang="zh-CN" altLang="en-US" dirty="0"/>
+              <a:t>提供的表单 </a:t>
+            </a:r>
+            <a:r>
+              <a:rPr lang="en-US" altLang="zh-CN" dirty="0" err="1"/>
+              <a:t>UserCreationForm</a:t>
+            </a:r>
+            <a:r>
+              <a:rPr lang="en-US" altLang="zh-CN" dirty="0"/>
+              <a:t> </a:t>
+            </a:r>
+            <a:r>
+              <a:rPr lang="zh-CN" altLang="en-US" dirty="0"/>
+              <a:t>让用户创建新账户。</a:t>
+            </a:r>
+            <a:endParaRPr lang="en-US" altLang="zh-CN" dirty="0"/>
+          </a:p>
+          <a:p>
+            <a:pPr>
+              <a:lnSpc>
+                <a:spcPct val="100000"/>
+              </a:lnSpc>
+            </a:pPr>
+            <a:r>
+              <a:rPr lang="zh-CN" altLang="en-US" dirty="0"/>
+              <a:t>建立简单的用户身份验证和注册系统后，你通过装饰器</a:t>
+            </a:r>
+            <a:r>
+              <a:rPr lang="en-US" altLang="zh-CN" dirty="0">
+                <a:highlight>
+                  <a:srgbClr val="C0C0C0"/>
+                </a:highlight>
+              </a:rPr>
+              <a:t>@login_required</a:t>
+            </a:r>
+            <a:r>
+              <a:rPr lang="en-US" altLang="zh-CN" dirty="0">
+                <a:highlight>
+                  <a:srgbClr val="FFFFFF"/>
+                </a:highlight>
+              </a:rPr>
+              <a:t> </a:t>
+            </a:r>
+            <a:r>
+              <a:rPr lang="zh-CN" altLang="en-US" dirty="0"/>
+              <a:t>禁止了未登录的用户访问特定的页面。然后使用外键将数据关联到特定的用户，还迁移了要求指定默认数据的数据库。</a:t>
+            </a:r>
+          </a:p>
+        </p:txBody>
+      </p:sp>
+    </p:spTree>
+    <p:extLst>
+      <p:ext uri="{BB962C8B-B14F-4D97-AF65-F5344CB8AC3E}">
+        <p14:creationId xmlns:p14="http://schemas.microsoft.com/office/powerpoint/2010/main" val="364430658"/>
+      </p:ext>
+    </p:extLst>
+  </p:cSld>
+  <p:clrMapOvr>
+    <a:masterClrMapping/>
+  </p:clrMapOvr>
+</p:sld>
+</file>
+
+<file path=ppt/slides/slide14.xml><?xml version="1.0" encoding="utf-8"?>
+<p:sld xmlns:a="http://schemas.openxmlformats.org/drawingml/2006/main" xmlns:r="http://schemas.openxmlformats.org/officeDocument/2006/relationships" xmlns:p="http://schemas.openxmlformats.org/presentationml/2006/main">
+  <p:cSld>
+    <p:spTree>
+      <p:nvGrpSpPr>
+        <p:cNvPr id="1" name="">
+          <a:extLst>
+            <a:ext uri="{FF2B5EF4-FFF2-40B4-BE49-F238E27FC236}">
+              <a16:creationId xmlns:a16="http://schemas.microsoft.com/office/drawing/2014/main" id="{5F4D5CFD-1C31-6331-5CB1-54A4F1E2193B}"/>
+            </a:ext>
+          </a:extLst>
+        </p:cNvPr>
+        <p:cNvGrpSpPr/>
+        <p:nvPr/>
+      </p:nvGrpSpPr>
+      <p:grpSpPr>
+        <a:xfrm>
+          <a:off x="0" y="0"/>
+          <a:ext cx="0" cy="0"/>
+          <a:chOff x="0" y="0"/>
+          <a:chExt cx="0" cy="0"/>
+        </a:xfrm>
+      </p:grpSpPr>
+      <p:sp>
+        <p:nvSpPr>
+          <p:cNvPr id="2" name="标题 1">
+            <a:extLst>
+              <a:ext uri="{FF2B5EF4-FFF2-40B4-BE49-F238E27FC236}">
+                <a16:creationId xmlns:a16="http://schemas.microsoft.com/office/drawing/2014/main" id="{73A06E95-9566-405F-0CA1-2B3E2BFE1E5F}"/>
+              </a:ext>
+            </a:extLst>
+          </p:cNvPr>
+          <p:cNvSpPr>
+            <a:spLocks noGrp="1"/>
+          </p:cNvSpPr>
+          <p:nvPr>
+            <p:ph type="title"/>
+          </p:nvPr>
+        </p:nvSpPr>
+        <p:spPr/>
+        <p:txBody>
+          <a:bodyPr>
+            <a:normAutofit/>
+          </a:bodyPr>
+          <a:lstStyle/>
+          <a:p>
+            <a:r>
+              <a:rPr lang="en-US" altLang="zh-CN" dirty="0"/>
+              <a:t>19.4 </a:t>
+            </a:r>
+            <a:r>
+              <a:rPr lang="zh-CN" altLang="en-US" dirty="0"/>
+              <a:t>小结</a:t>
+            </a:r>
+            <a:endParaRPr lang="en-US" altLang="zh-CN" dirty="0"/>
+          </a:p>
+        </p:txBody>
+      </p:sp>
+      <p:sp>
+        <p:nvSpPr>
+          <p:cNvPr id="5" name="内容占位符 4">
+            <a:extLst>
+              <a:ext uri="{FF2B5EF4-FFF2-40B4-BE49-F238E27FC236}">
+                <a16:creationId xmlns:a16="http://schemas.microsoft.com/office/drawing/2014/main" id="{20C7B6D2-E624-CE64-785A-8926A086CDAC}"/>
+              </a:ext>
+            </a:extLst>
+          </p:cNvPr>
+          <p:cNvSpPr>
+            <a:spLocks noGrp="1"/>
+          </p:cNvSpPr>
+          <p:nvPr>
+            <p:ph idx="1"/>
+          </p:nvPr>
+        </p:nvSpPr>
+        <p:spPr/>
+        <p:txBody>
+          <a:bodyPr>
+            <a:normAutofit/>
+          </a:bodyPr>
+          <a:lstStyle/>
+          <a:p>
+            <a:pPr>
+              <a:lnSpc>
+                <a:spcPct val="100000"/>
+              </a:lnSpc>
+            </a:pPr>
+            <a:r>
+              <a:rPr lang="zh-CN" altLang="en-US" dirty="0"/>
+              <a:t>最后，你学习了如何修改视图函数，让用户只能看到属于自己的数据。你使用方法 </a:t>
+            </a:r>
+            <a:r>
+              <a:rPr lang="en-US" altLang="zh-CN" dirty="0"/>
+              <a:t>filter() </a:t>
+            </a:r>
+            <a:r>
+              <a:rPr lang="zh-CN" altLang="en-US" dirty="0"/>
+              <a:t>来获取合适的数据，并且将请求的数据的所有者与当前登录的用户进行了比较。</a:t>
+            </a:r>
+            <a:endParaRPr lang="en-US" altLang="zh-CN" dirty="0"/>
+          </a:p>
+          <a:p>
+            <a:pPr>
+              <a:lnSpc>
+                <a:spcPct val="100000"/>
+              </a:lnSpc>
+            </a:pPr>
+            <a:r>
+              <a:rPr lang="zh-CN" altLang="en-US" dirty="0"/>
+              <a:t>该让哪些数据可随便访问，又该对哪些数据进行保护呢？这可能并非总是那么显而易见的，但是通过不断地练习就能掌握这种</a:t>
+            </a:r>
+            <a:r>
+              <a:rPr lang="zh-CN" altLang="en-US"/>
+              <a:t>技能。</a:t>
+            </a:r>
+            <a:endParaRPr lang="zh-CN" altLang="en-US" dirty="0"/>
+          </a:p>
+        </p:txBody>
+      </p:sp>
+    </p:spTree>
+    <p:extLst>
+      <p:ext uri="{BB962C8B-B14F-4D97-AF65-F5344CB8AC3E}">
+        <p14:creationId xmlns:p14="http://schemas.microsoft.com/office/powerpoint/2010/main" val="1564339015"/>
+      </p:ext>
+    </p:extLst>
+  </p:cSld>
+  <p:clrMapOvr>
+    <a:masterClrMapping/>
+  </p:clrMapOvr>
+</p:sld>
+</file>
+
 <file path=ppt/slides/slide2.xml><?xml version="1.0" encoding="utf-8"?>
 <p:sld xmlns:a="http://schemas.openxmlformats.org/drawingml/2006/main" xmlns:r="http://schemas.openxmlformats.org/officeDocument/2006/relationships" xmlns:p="http://schemas.openxmlformats.org/presentationml/2006/main">
   <p:cSld>
@@ -8190,46 +9716,6 @@
           </a:p>
         </p:txBody>
       </p:sp>
-      <p:sp>
-        <p:nvSpPr>
-          <p:cNvPr id="4" name="文本框 3">
-            <a:extLst>
-              <a:ext uri="{FF2B5EF4-FFF2-40B4-BE49-F238E27FC236}">
-                <a16:creationId xmlns:a16="http://schemas.microsoft.com/office/drawing/2014/main" id="{6AD46250-9B6B-223F-E667-F7185C441368}"/>
-              </a:ext>
-            </a:extLst>
-          </p:cNvPr>
-          <p:cNvSpPr txBox="1"/>
-          <p:nvPr/>
-        </p:nvSpPr>
-        <p:spPr>
-          <a:xfrm>
-            <a:off x="3886200" y="5796895"/>
-            <a:ext cx="4419600" cy="707886"/>
-          </a:xfrm>
-          <a:prstGeom prst="rect">
-            <a:avLst/>
-          </a:prstGeom>
-          <a:noFill/>
-        </p:spPr>
-        <p:txBody>
-          <a:bodyPr wrap="square" rtlCol="0">
-            <a:spAutoFit/>
-          </a:bodyPr>
-          <a:lstStyle/>
-          <a:p>
-            <a:r>
-              <a:rPr lang="zh-CN" altLang="en-US" sz="4000" b="1" i="1" dirty="0"/>
-              <a:t>努力更新中 </a:t>
-            </a:r>
-            <a:r>
-              <a:rPr lang="en-US" altLang="zh-CN" sz="4000" b="1" i="1" dirty="0"/>
-              <a:t>QAQ</a:t>
-            </a:r>
-            <a:endParaRPr lang="zh-CN" altLang="en-US" sz="4000" b="1" i="1" dirty="0"/>
-          </a:p>
-        </p:txBody>
-      </p:sp>
     </p:spTree>
     <p:extLst>
       <p:ext uri="{BB962C8B-B14F-4D97-AF65-F5344CB8AC3E}">
@@ -8248,7 +9734,13 @@
   <p:cSld>
     <p:spTree>
       <p:nvGrpSpPr>
-        <p:cNvPr id="1" name=""/>
+        <p:cNvPr id="1" name="">
+          <a:extLst>
+            <a:ext uri="{FF2B5EF4-FFF2-40B4-BE49-F238E27FC236}">
+              <a16:creationId xmlns:a16="http://schemas.microsoft.com/office/drawing/2014/main" id="{D327440E-9FE8-A1CB-71C1-97BFEDEE2E75}"/>
+            </a:ext>
+          </a:extLst>
+        </p:cNvPr>
         <p:cNvGrpSpPr/>
         <p:nvPr/>
       </p:nvGrpSpPr>
@@ -8262,10 +9754,10 @@
       </p:grpSpPr>
       <p:sp>
         <p:nvSpPr>
-          <p:cNvPr id="2" name="标题 1">
-            <a:extLst>
-              <a:ext uri="{FF2B5EF4-FFF2-40B4-BE49-F238E27FC236}">
-                <a16:creationId xmlns:a16="http://schemas.microsoft.com/office/drawing/2014/main" id="{BAD162F0-2175-84E9-2387-55F669162449}"/>
+          <p:cNvPr id="3" name="内容占位符 2">
+            <a:extLst>
+              <a:ext uri="{FF2B5EF4-FFF2-40B4-BE49-F238E27FC236}">
+                <a16:creationId xmlns:a16="http://schemas.microsoft.com/office/drawing/2014/main" id="{D9146D30-7D45-F120-11E8-AC0D25CE1E9A}"/>
               </a:ext>
             </a:extLst>
           </p:cNvPr>
@@ -8273,7 +9765,7 @@
             <a:spLocks noGrp="1"/>
           </p:cNvSpPr>
           <p:nvPr>
-            <p:ph type="title"/>
+            <p:ph idx="1"/>
           </p:nvPr>
         </p:nvSpPr>
         <p:spPr/>
@@ -8283,823 +9775,109 @@
           </a:bodyPr>
           <a:lstStyle/>
           <a:p>
+            <a:pPr marL="0" indent="0">
+              <a:buNone/>
+            </a:pPr>
+            <a:r>
+              <a:rPr lang="en-US" altLang="zh-CN" dirty="0"/>
+              <a:t>Web </a:t>
+            </a:r>
+            <a:r>
+              <a:rPr lang="zh-CN" altLang="en-US" dirty="0"/>
+              <a:t>应用程序的核心是让任何地方的任何用户都能够注册账户并使用它。</a:t>
+            </a:r>
+            <a:endParaRPr lang="en-US" altLang="zh-CN" dirty="0"/>
+          </a:p>
+          <a:p>
+            <a:pPr marL="0" indent="0">
+              <a:buNone/>
+            </a:pPr>
+            <a:r>
+              <a:rPr lang="zh-CN" altLang="en-US" dirty="0"/>
+              <a:t>本章将创建一些表单，让用户能够添加主题和条目并编辑既有的条目。</a:t>
+            </a:r>
+            <a:endParaRPr lang="en-US" altLang="zh-CN" dirty="0"/>
+          </a:p>
+          <a:p>
+            <a:pPr marL="0" indent="0">
+              <a:buNone/>
+            </a:pPr>
+            <a:r>
+              <a:rPr lang="zh-CN" altLang="en-US" dirty="0"/>
+              <a:t>你将了解到，</a:t>
+            </a:r>
+            <a:r>
+              <a:rPr lang="en-US" altLang="zh-CN" dirty="0"/>
+              <a:t>Django </a:t>
+            </a:r>
+            <a:r>
+              <a:rPr lang="zh-CN" altLang="en-US" dirty="0"/>
+              <a:t>能够防范对基于表单的网页发起的常见攻击</a:t>
+            </a:r>
+            <a:r>
+              <a:rPr lang="en-US" altLang="zh-CN" dirty="0"/>
+              <a:t>,</a:t>
+            </a:r>
+            <a:r>
+              <a:rPr lang="zh-CN" altLang="en-US" dirty="0"/>
+              <a:t>让你无须花大量时间考虑应用程序的安全问题。</a:t>
+            </a:r>
+            <a:endParaRPr lang="en-US" altLang="zh-CN" dirty="0"/>
+          </a:p>
+          <a:p>
+            <a:pPr marL="0" indent="0">
+              <a:buNone/>
+            </a:pPr>
+            <a:r>
+              <a:rPr lang="zh-CN" altLang="en-US" dirty="0"/>
+              <a:t>本章还将实现用户身份验证系统。我们将创建一个注册页面，供用 户创建自己的账户，并让一些页面仅供已登录的用户访问。然后修改一些视图函数，使用户只能看到自己的数据。我们还将学习如何确保用户数据的安全。</a:t>
+            </a:r>
+            <a:endParaRPr lang="en-US" altLang="zh-CN" dirty="0"/>
+          </a:p>
+        </p:txBody>
+      </p:sp>
+      <p:sp>
+        <p:nvSpPr>
+          <p:cNvPr id="5" name="标题 4">
+            <a:extLst>
+              <a:ext uri="{FF2B5EF4-FFF2-40B4-BE49-F238E27FC236}">
+                <a16:creationId xmlns:a16="http://schemas.microsoft.com/office/drawing/2014/main" id="{A00A4FEA-9421-97E2-9CFE-47E08F40F4C9}"/>
+              </a:ext>
+            </a:extLst>
+          </p:cNvPr>
+          <p:cNvSpPr>
+            <a:spLocks noGrp="1"/>
+          </p:cNvSpPr>
+          <p:nvPr>
+            <p:ph type="title"/>
+          </p:nvPr>
+        </p:nvSpPr>
+        <p:spPr/>
+        <p:txBody>
+          <a:bodyPr/>
+          <a:lstStyle/>
+          <a:p>
             <a:r>
               <a:rPr lang="en-US" altLang="zh-CN" dirty="0"/>
               <a:t>19.1 </a:t>
             </a:r>
             <a:r>
-              <a:rPr lang="zh-CN" altLang="en-US"/>
+              <a:rPr lang="zh-CN" altLang="en-US" dirty="0"/>
               <a:t>让用户能够输入数据</a:t>
             </a:r>
-            <a:endParaRPr lang="en-US" altLang="zh-CN" dirty="0"/>
-          </a:p>
-        </p:txBody>
-      </p:sp>
-      <p:sp>
-        <p:nvSpPr>
-          <p:cNvPr id="3" name="内容占位符 2">
-            <a:extLst>
-              <a:ext uri="{FF2B5EF4-FFF2-40B4-BE49-F238E27FC236}">
-                <a16:creationId xmlns:a16="http://schemas.microsoft.com/office/drawing/2014/main" id="{0E2FC508-1AFD-A957-52F2-FA1DEF2A9D27}"/>
-              </a:ext>
-            </a:extLst>
-          </p:cNvPr>
-          <p:cNvSpPr>
-            <a:spLocks noGrp="1"/>
-          </p:cNvSpPr>
-          <p:nvPr>
-            <p:ph sz="half" idx="1"/>
-          </p:nvPr>
-        </p:nvSpPr>
-        <p:spPr/>
-        <p:txBody>
-          <a:bodyPr>
-            <a:normAutofit/>
-          </a:bodyPr>
-          <a:lstStyle/>
-          <a:p>
-            <a:endParaRPr lang="zh-CN" altLang="en-US" dirty="0"/>
-          </a:p>
-        </p:txBody>
-      </p:sp>
-      <p:sp>
-        <p:nvSpPr>
-          <p:cNvPr id="7" name="文本框 6">
-            <a:extLst>
-              <a:ext uri="{FF2B5EF4-FFF2-40B4-BE49-F238E27FC236}">
-                <a16:creationId xmlns:a16="http://schemas.microsoft.com/office/drawing/2014/main" id="{12C899D8-51C5-D9B7-A323-E6EFE4AB5C33}"/>
-              </a:ext>
-            </a:extLst>
-          </p:cNvPr>
-          <p:cNvSpPr txBox="1"/>
-          <p:nvPr/>
-        </p:nvSpPr>
-        <p:spPr>
-          <a:xfrm>
-            <a:off x="5994400" y="1904003"/>
-            <a:ext cx="6115050" cy="2308324"/>
-          </a:xfrm>
-          <a:prstGeom prst="rect">
-            <a:avLst/>
-          </a:prstGeom>
-          <a:noFill/>
-          <a:ln>
-            <a:solidFill>
-              <a:schemeClr val="bg2"/>
-            </a:solidFill>
-          </a:ln>
-        </p:spPr>
-        <p:txBody>
-          <a:bodyPr wrap="square">
-            <a:spAutoFit/>
-          </a:bodyPr>
-          <a:lstStyle/>
-          <a:p>
-            <a:r>
-              <a:rPr lang="en-US" altLang="zh-CN" sz="2400" b="1" dirty="0">
-                <a:solidFill>
-                  <a:srgbClr val="0200BD"/>
-                </a:solidFill>
-                <a:effectLst/>
-                <a:latin typeface="Consolas" panose="020B0609020204030204" pitchFamily="49" charset="0"/>
-              </a:rPr>
-              <a:t>print</a:t>
-            </a:r>
-            <a:r>
-              <a:rPr lang="en-US" altLang="zh-CN" sz="2400" b="1" dirty="0">
-                <a:solidFill>
-                  <a:srgbClr val="3F9101"/>
-                </a:solidFill>
-                <a:effectLst/>
-                <a:latin typeface="Consolas" panose="020B0609020204030204" pitchFamily="49" charset="0"/>
-              </a:rPr>
-              <a:t>(</a:t>
-            </a:r>
-            <a:r>
-              <a:rPr lang="en-US" altLang="zh-CN" sz="2400" b="1" dirty="0">
-                <a:solidFill>
-                  <a:srgbClr val="2E6446"/>
-                </a:solidFill>
-                <a:effectLst/>
-                <a:latin typeface="Consolas" panose="020B0609020204030204" pitchFamily="49" charset="0"/>
-              </a:rPr>
-              <a:t>1</a:t>
-            </a:r>
-            <a:r>
-              <a:rPr lang="en-US" altLang="zh-CN" sz="2400" b="1" dirty="0">
-                <a:solidFill>
-                  <a:srgbClr val="63A35C"/>
-                </a:solidFill>
-                <a:effectLst/>
-                <a:latin typeface="Consolas" panose="020B0609020204030204" pitchFamily="49" charset="0"/>
-              </a:rPr>
-              <a:t>, </a:t>
-            </a:r>
-            <a:r>
-              <a:rPr lang="en-US" altLang="zh-CN" sz="2400" b="1" dirty="0">
-                <a:solidFill>
-                  <a:srgbClr val="2E6446"/>
-                </a:solidFill>
-                <a:effectLst/>
-                <a:latin typeface="Consolas" panose="020B0609020204030204" pitchFamily="49" charset="0"/>
-              </a:rPr>
-              <a:t>1_000_000</a:t>
-            </a:r>
-            <a:r>
-              <a:rPr lang="en-US" altLang="zh-CN" sz="2400" b="1" dirty="0">
-                <a:solidFill>
-                  <a:srgbClr val="63A35C"/>
-                </a:solidFill>
-                <a:effectLst/>
-                <a:latin typeface="Consolas" panose="020B0609020204030204" pitchFamily="49" charset="0"/>
-              </a:rPr>
-              <a:t>, </a:t>
-            </a:r>
-            <a:r>
-              <a:rPr lang="en-US" altLang="zh-CN" sz="2400" b="1" dirty="0">
-                <a:solidFill>
-                  <a:srgbClr val="2E6446"/>
-                </a:solidFill>
-                <a:effectLst/>
-                <a:latin typeface="Consolas" panose="020B0609020204030204" pitchFamily="49" charset="0"/>
-              </a:rPr>
-              <a:t>1.5</a:t>
-            </a:r>
-            <a:r>
-              <a:rPr lang="en-US" altLang="zh-CN" sz="2400" b="1" dirty="0">
-                <a:solidFill>
-                  <a:srgbClr val="3F9101"/>
-                </a:solidFill>
-                <a:effectLst/>
-                <a:latin typeface="Consolas" panose="020B0609020204030204" pitchFamily="49" charset="0"/>
-              </a:rPr>
-              <a:t>)</a:t>
-            </a:r>
-          </a:p>
-          <a:p>
-            <a:r>
-              <a:rPr lang="en-US" altLang="zh-CN" sz="2400" b="1" dirty="0">
-                <a:solidFill>
-                  <a:srgbClr val="0200BD"/>
-                </a:solidFill>
-                <a:effectLst/>
-                <a:latin typeface="Consolas" panose="020B0609020204030204" pitchFamily="49" charset="0"/>
-              </a:rPr>
-              <a:t>print</a:t>
-            </a:r>
-            <a:r>
-              <a:rPr lang="en-US" altLang="zh-CN" sz="2400" b="1" dirty="0">
-                <a:solidFill>
-                  <a:srgbClr val="3F9101"/>
-                </a:solidFill>
-                <a:effectLst/>
-                <a:latin typeface="Consolas" panose="020B0609020204030204" pitchFamily="49" charset="0"/>
-              </a:rPr>
-              <a:t>(</a:t>
-            </a:r>
-            <a:r>
-              <a:rPr lang="en-US" altLang="zh-CN" sz="2400" b="1" dirty="0">
-                <a:solidFill>
-                  <a:srgbClr val="9E58A3"/>
-                </a:solidFill>
-                <a:effectLst/>
-                <a:latin typeface="Consolas" panose="020B0609020204030204" pitchFamily="49" charset="0"/>
-              </a:rPr>
-              <a:t>True</a:t>
-            </a:r>
-            <a:r>
-              <a:rPr lang="en-US" altLang="zh-CN" sz="2400" b="1" dirty="0">
-                <a:solidFill>
-                  <a:srgbClr val="63A35C"/>
-                </a:solidFill>
-                <a:effectLst/>
-                <a:latin typeface="Consolas" panose="020B0609020204030204" pitchFamily="49" charset="0"/>
-              </a:rPr>
-              <a:t>, </a:t>
-            </a:r>
-            <a:r>
-              <a:rPr lang="en-US" altLang="zh-CN" sz="2400" b="1" dirty="0">
-                <a:solidFill>
-                  <a:srgbClr val="9E58A3"/>
-                </a:solidFill>
-                <a:effectLst/>
-                <a:latin typeface="Consolas" panose="020B0609020204030204" pitchFamily="49" charset="0"/>
-              </a:rPr>
-              <a:t>False</a:t>
-            </a:r>
-            <a:r>
-              <a:rPr lang="en-US" altLang="zh-CN" sz="2400" b="1" dirty="0">
-                <a:solidFill>
-                  <a:srgbClr val="3F9101"/>
-                </a:solidFill>
-                <a:effectLst/>
-                <a:latin typeface="Consolas" panose="020B0609020204030204" pitchFamily="49" charset="0"/>
-              </a:rPr>
-              <a:t>)  </a:t>
-            </a:r>
-            <a:r>
-              <a:rPr lang="en-US" altLang="zh-CN" sz="2400" b="1" dirty="0">
-                <a:solidFill>
-                  <a:srgbClr val="A05830"/>
-                </a:solidFill>
-                <a:effectLst/>
-                <a:latin typeface="Consolas" panose="020B0609020204030204" pitchFamily="49" charset="0"/>
-              </a:rPr>
-              <a:t># </a:t>
-            </a:r>
-            <a:r>
-              <a:rPr lang="zh-CN" altLang="en-US" sz="2400" b="1" dirty="0">
-                <a:solidFill>
-                  <a:srgbClr val="A05830"/>
-                </a:solidFill>
-                <a:effectLst/>
-                <a:latin typeface="宋体" panose="02010600030101010101" pitchFamily="2" charset="-122"/>
-                <a:ea typeface="宋体" panose="02010600030101010101" pitchFamily="2" charset="-122"/>
-              </a:rPr>
-              <a:t>布尔值</a:t>
-            </a:r>
-            <a:endParaRPr lang="en-US" altLang="zh-CN" sz="2400" b="1" dirty="0">
-              <a:solidFill>
-                <a:srgbClr val="A05830"/>
-              </a:solidFill>
-              <a:effectLst/>
-              <a:latin typeface="宋体" panose="02010600030101010101" pitchFamily="2" charset="-122"/>
-              <a:ea typeface="宋体" panose="02010600030101010101" pitchFamily="2" charset="-122"/>
-            </a:endParaRPr>
-          </a:p>
-          <a:p>
-            <a:r>
-              <a:rPr lang="en-US" altLang="zh-CN" sz="2400" b="1" dirty="0">
-                <a:solidFill>
-                  <a:srgbClr val="0200BD"/>
-                </a:solidFill>
-                <a:effectLst/>
-                <a:latin typeface="Consolas" panose="020B0609020204030204" pitchFamily="49" charset="0"/>
-              </a:rPr>
-              <a:t>print</a:t>
-            </a:r>
-            <a:r>
-              <a:rPr lang="en-US" altLang="zh-CN" sz="2400" b="1" dirty="0">
-                <a:solidFill>
-                  <a:srgbClr val="3F9101"/>
-                </a:solidFill>
-                <a:effectLst/>
-                <a:latin typeface="Consolas" panose="020B0609020204030204" pitchFamily="49" charset="0"/>
-              </a:rPr>
-              <a:t>(</a:t>
-            </a:r>
-            <a:r>
-              <a:rPr lang="en-US" altLang="zh-CN" sz="2400" b="1" dirty="0">
-                <a:solidFill>
-                  <a:srgbClr val="2E6446"/>
-                </a:solidFill>
-                <a:effectLst/>
-                <a:latin typeface="Consolas" panose="020B0609020204030204" pitchFamily="49" charset="0"/>
-              </a:rPr>
-              <a:t>1 </a:t>
-            </a:r>
-            <a:r>
-              <a:rPr lang="en-US" altLang="zh-CN" sz="2400" b="1" dirty="0">
-                <a:solidFill>
-                  <a:srgbClr val="A71D5D"/>
-                </a:solidFill>
-                <a:effectLst/>
-                <a:latin typeface="Consolas" panose="020B0609020204030204" pitchFamily="49" charset="0"/>
-              </a:rPr>
-              <a:t>+ </a:t>
-            </a:r>
-            <a:r>
-              <a:rPr lang="en-US" altLang="zh-CN" sz="2400" b="1" dirty="0">
-                <a:solidFill>
-                  <a:srgbClr val="2E6446"/>
-                </a:solidFill>
-                <a:effectLst/>
-                <a:latin typeface="Consolas" panose="020B0609020204030204" pitchFamily="49" charset="0"/>
-              </a:rPr>
-              <a:t>1</a:t>
-            </a:r>
-            <a:r>
-              <a:rPr lang="en-US" altLang="zh-CN" sz="2400" b="1" dirty="0">
-                <a:solidFill>
-                  <a:srgbClr val="63A35C"/>
-                </a:solidFill>
-                <a:effectLst/>
-                <a:latin typeface="Consolas" panose="020B0609020204030204" pitchFamily="49" charset="0"/>
-              </a:rPr>
-              <a:t>, </a:t>
-            </a:r>
-            <a:r>
-              <a:rPr lang="en-US" altLang="zh-CN" sz="2400" b="1" dirty="0">
-                <a:solidFill>
-                  <a:srgbClr val="2E6446"/>
-                </a:solidFill>
-                <a:effectLst/>
-                <a:latin typeface="Consolas" panose="020B0609020204030204" pitchFamily="49" charset="0"/>
-              </a:rPr>
-              <a:t>1.0 </a:t>
-            </a:r>
-            <a:r>
-              <a:rPr lang="en-US" altLang="zh-CN" sz="2400" b="1" dirty="0">
-                <a:solidFill>
-                  <a:srgbClr val="A71D5D"/>
-                </a:solidFill>
-                <a:effectLst/>
-                <a:latin typeface="Consolas" panose="020B0609020204030204" pitchFamily="49" charset="0"/>
-              </a:rPr>
-              <a:t>+ </a:t>
-            </a:r>
-            <a:r>
-              <a:rPr lang="en-US" altLang="zh-CN" sz="2400" b="1" dirty="0">
-                <a:solidFill>
-                  <a:srgbClr val="2E6446"/>
-                </a:solidFill>
-                <a:effectLst/>
-                <a:latin typeface="Consolas" panose="020B0609020204030204" pitchFamily="49" charset="0"/>
-              </a:rPr>
-              <a:t>1.0</a:t>
-            </a:r>
-            <a:r>
-              <a:rPr lang="en-US" altLang="zh-CN" sz="2400" b="1" dirty="0">
-                <a:solidFill>
-                  <a:srgbClr val="63A35C"/>
-                </a:solidFill>
-                <a:effectLst/>
-                <a:latin typeface="Consolas" panose="020B0609020204030204" pitchFamily="49" charset="0"/>
-              </a:rPr>
-              <a:t>, </a:t>
-            </a:r>
-            <a:r>
-              <a:rPr lang="en-US" altLang="zh-CN" sz="2400" b="1" dirty="0">
-                <a:solidFill>
-                  <a:srgbClr val="2E6446"/>
-                </a:solidFill>
-                <a:effectLst/>
-                <a:latin typeface="Consolas" panose="020B0609020204030204" pitchFamily="49" charset="0"/>
-              </a:rPr>
-              <a:t>1 </a:t>
-            </a:r>
-            <a:r>
-              <a:rPr lang="en-US" altLang="zh-CN" sz="2400" b="1" dirty="0">
-                <a:solidFill>
-                  <a:srgbClr val="A71D5D"/>
-                </a:solidFill>
-                <a:effectLst/>
-                <a:latin typeface="Consolas" panose="020B0609020204030204" pitchFamily="49" charset="0"/>
-              </a:rPr>
-              <a:t>+ </a:t>
-            </a:r>
-            <a:r>
-              <a:rPr lang="en-US" altLang="zh-CN" sz="2400" b="1" dirty="0">
-                <a:solidFill>
-                  <a:srgbClr val="2E6446"/>
-                </a:solidFill>
-                <a:effectLst/>
-                <a:latin typeface="Consolas" panose="020B0609020204030204" pitchFamily="49" charset="0"/>
-              </a:rPr>
-              <a:t>1.0</a:t>
-            </a:r>
-            <a:r>
-              <a:rPr lang="en-US" altLang="zh-CN" sz="2400" b="1" dirty="0">
-                <a:solidFill>
-                  <a:srgbClr val="3F9101"/>
-                </a:solidFill>
-                <a:effectLst/>
-                <a:latin typeface="Consolas" panose="020B0609020204030204" pitchFamily="49" charset="0"/>
-              </a:rPr>
-              <a:t>)</a:t>
-            </a:r>
-          </a:p>
-          <a:p>
-            <a:r>
-              <a:rPr lang="en-US" altLang="zh-CN" sz="2400" b="1" dirty="0">
-                <a:solidFill>
-                  <a:srgbClr val="A05830"/>
-                </a:solidFill>
-                <a:effectLst/>
-                <a:latin typeface="Consolas" panose="020B0609020204030204" pitchFamily="49" charset="0"/>
-              </a:rPr>
-              <a:t># </a:t>
-            </a:r>
-            <a:r>
-              <a:rPr lang="zh-CN" altLang="en-US" sz="2400" b="1" dirty="0">
-                <a:solidFill>
-                  <a:srgbClr val="A05830"/>
-                </a:solidFill>
-                <a:effectLst/>
-                <a:latin typeface="宋体" panose="02010600030101010101" pitchFamily="2" charset="-122"/>
-                <a:ea typeface="宋体" panose="02010600030101010101" pitchFamily="2" charset="-122"/>
-              </a:rPr>
-              <a:t>乘方、除法、整除法（向下取整）和求模</a:t>
-            </a:r>
-            <a:br>
-              <a:rPr lang="zh-CN" altLang="en-US" sz="2400" b="1" dirty="0">
-                <a:solidFill>
-                  <a:srgbClr val="A05830"/>
-                </a:solidFill>
-                <a:effectLst/>
-                <a:latin typeface="宋体" panose="02010600030101010101" pitchFamily="2" charset="-122"/>
-                <a:ea typeface="宋体" panose="02010600030101010101" pitchFamily="2" charset="-122"/>
-              </a:rPr>
-            </a:br>
-            <a:r>
-              <a:rPr lang="en-US" altLang="zh-CN" sz="2400" b="1" dirty="0">
-                <a:solidFill>
-                  <a:srgbClr val="0200BD"/>
-                </a:solidFill>
-                <a:effectLst/>
-                <a:latin typeface="Consolas" panose="020B0609020204030204" pitchFamily="49" charset="0"/>
-              </a:rPr>
-              <a:t>print</a:t>
-            </a:r>
-            <a:r>
-              <a:rPr lang="en-US" altLang="zh-CN" sz="2400" b="1" dirty="0">
-                <a:solidFill>
-                  <a:srgbClr val="3F9101"/>
-                </a:solidFill>
-                <a:effectLst/>
-                <a:latin typeface="Consolas" panose="020B0609020204030204" pitchFamily="49" charset="0"/>
-              </a:rPr>
-              <a:t>(</a:t>
-            </a:r>
-            <a:r>
-              <a:rPr lang="en-US" altLang="zh-CN" sz="2400" b="1" dirty="0">
-                <a:solidFill>
-                  <a:srgbClr val="2E6446"/>
-                </a:solidFill>
-                <a:effectLst/>
-                <a:latin typeface="Consolas" panose="020B0609020204030204" pitchFamily="49" charset="0"/>
-              </a:rPr>
-              <a:t>3 </a:t>
-            </a:r>
-            <a:r>
-              <a:rPr lang="en-US" altLang="zh-CN" sz="2400" b="1" dirty="0">
-                <a:solidFill>
-                  <a:srgbClr val="A71D5D"/>
-                </a:solidFill>
-                <a:effectLst/>
-                <a:latin typeface="Consolas" panose="020B0609020204030204" pitchFamily="49" charset="0"/>
-              </a:rPr>
-              <a:t>** </a:t>
-            </a:r>
-            <a:r>
-              <a:rPr lang="en-US" altLang="zh-CN" sz="2400" b="1" dirty="0">
-                <a:solidFill>
-                  <a:srgbClr val="2E6446"/>
-                </a:solidFill>
-                <a:effectLst/>
-                <a:latin typeface="Consolas" panose="020B0609020204030204" pitchFamily="49" charset="0"/>
-              </a:rPr>
-              <a:t>2</a:t>
-            </a:r>
-            <a:r>
-              <a:rPr lang="en-US" altLang="zh-CN" sz="2400" b="1" dirty="0">
-                <a:solidFill>
-                  <a:srgbClr val="63A35C"/>
-                </a:solidFill>
-                <a:effectLst/>
-                <a:latin typeface="Consolas" panose="020B0609020204030204" pitchFamily="49" charset="0"/>
-              </a:rPr>
-              <a:t>, </a:t>
-            </a:r>
-            <a:r>
-              <a:rPr lang="en-US" altLang="zh-CN" sz="2400" b="1" dirty="0">
-                <a:solidFill>
-                  <a:srgbClr val="2E6446"/>
-                </a:solidFill>
-                <a:effectLst/>
-                <a:latin typeface="Consolas" panose="020B0609020204030204" pitchFamily="49" charset="0"/>
-              </a:rPr>
-              <a:t>3 </a:t>
-            </a:r>
-            <a:r>
-              <a:rPr lang="en-US" altLang="zh-CN" sz="2400" b="1" dirty="0">
-                <a:solidFill>
-                  <a:srgbClr val="A71D5D"/>
-                </a:solidFill>
-                <a:effectLst/>
-                <a:latin typeface="Consolas" panose="020B0609020204030204" pitchFamily="49" charset="0"/>
-              </a:rPr>
-              <a:t>/ </a:t>
-            </a:r>
-            <a:r>
-              <a:rPr lang="en-US" altLang="zh-CN" sz="2400" b="1" dirty="0">
-                <a:solidFill>
-                  <a:srgbClr val="2E6446"/>
-                </a:solidFill>
-                <a:effectLst/>
-                <a:latin typeface="Consolas" panose="020B0609020204030204" pitchFamily="49" charset="0"/>
-              </a:rPr>
-              <a:t>2</a:t>
-            </a:r>
-            <a:r>
-              <a:rPr lang="en-US" altLang="zh-CN" sz="2400" b="1" dirty="0">
-                <a:solidFill>
-                  <a:srgbClr val="63A35C"/>
-                </a:solidFill>
-                <a:effectLst/>
-                <a:latin typeface="Consolas" panose="020B0609020204030204" pitchFamily="49" charset="0"/>
-              </a:rPr>
-              <a:t>, </a:t>
-            </a:r>
-            <a:r>
-              <a:rPr lang="en-US" altLang="zh-CN" sz="2400" b="1" dirty="0">
-                <a:solidFill>
-                  <a:srgbClr val="2E6446"/>
-                </a:solidFill>
-                <a:effectLst/>
-                <a:latin typeface="Consolas" panose="020B0609020204030204" pitchFamily="49" charset="0"/>
-              </a:rPr>
-              <a:t>3 </a:t>
-            </a:r>
-            <a:r>
-              <a:rPr lang="en-US" altLang="zh-CN" sz="2400" b="1" dirty="0">
-                <a:solidFill>
-                  <a:srgbClr val="A71D5D"/>
-                </a:solidFill>
-                <a:effectLst/>
-                <a:latin typeface="Consolas" panose="020B0609020204030204" pitchFamily="49" charset="0"/>
-              </a:rPr>
-              <a:t>// </a:t>
-            </a:r>
-            <a:r>
-              <a:rPr lang="en-US" altLang="zh-CN" sz="2400" b="1" dirty="0">
-                <a:solidFill>
-                  <a:srgbClr val="2E6446"/>
-                </a:solidFill>
-                <a:effectLst/>
-                <a:latin typeface="Consolas" panose="020B0609020204030204" pitchFamily="49" charset="0"/>
-              </a:rPr>
-              <a:t>2</a:t>
-            </a:r>
-            <a:r>
-              <a:rPr lang="en-US" altLang="zh-CN" sz="2400" b="1" dirty="0">
-                <a:solidFill>
-                  <a:srgbClr val="63A35C"/>
-                </a:solidFill>
-                <a:effectLst/>
-                <a:latin typeface="Consolas" panose="020B0609020204030204" pitchFamily="49" charset="0"/>
-              </a:rPr>
-              <a:t>, </a:t>
-            </a:r>
-            <a:r>
-              <a:rPr lang="en-US" altLang="zh-CN" sz="2400" b="1" dirty="0">
-                <a:solidFill>
-                  <a:srgbClr val="2E6446"/>
-                </a:solidFill>
-                <a:effectLst/>
-                <a:latin typeface="Consolas" panose="020B0609020204030204" pitchFamily="49" charset="0"/>
-              </a:rPr>
-              <a:t>5 </a:t>
-            </a:r>
-            <a:r>
-              <a:rPr lang="en-US" altLang="zh-CN" sz="2400" b="1" dirty="0">
-                <a:solidFill>
-                  <a:srgbClr val="A71D5D"/>
-                </a:solidFill>
-                <a:effectLst/>
-                <a:latin typeface="Consolas" panose="020B0609020204030204" pitchFamily="49" charset="0"/>
-              </a:rPr>
-              <a:t>% </a:t>
-            </a:r>
-            <a:r>
-              <a:rPr lang="en-US" altLang="zh-CN" sz="2400" b="1" dirty="0">
-                <a:solidFill>
-                  <a:srgbClr val="2E6446"/>
-                </a:solidFill>
-                <a:effectLst/>
-                <a:latin typeface="Consolas" panose="020B0609020204030204" pitchFamily="49" charset="0"/>
-              </a:rPr>
-              <a:t>2</a:t>
-            </a:r>
-            <a:r>
-              <a:rPr lang="en-US" altLang="zh-CN" sz="2400" b="1" dirty="0">
-                <a:solidFill>
-                  <a:srgbClr val="3F9101"/>
-                </a:solidFill>
-                <a:effectLst/>
-                <a:latin typeface="Consolas" panose="020B0609020204030204" pitchFamily="49" charset="0"/>
-              </a:rPr>
-              <a:t>)</a:t>
-            </a:r>
-            <a:br>
-              <a:rPr lang="en-US" altLang="zh-CN" sz="2400" b="1" dirty="0">
-                <a:solidFill>
-                  <a:srgbClr val="3F9101"/>
-                </a:solidFill>
-                <a:effectLst/>
-                <a:latin typeface="Consolas" panose="020B0609020204030204" pitchFamily="49" charset="0"/>
-              </a:rPr>
-            </a:br>
-            <a:endParaRPr lang="en-US" altLang="zh-CN" sz="2400" b="1" dirty="0">
-              <a:solidFill>
-                <a:srgbClr val="333333"/>
-              </a:solidFill>
-              <a:effectLst/>
-              <a:latin typeface="Consolas" panose="020B0609020204030204" pitchFamily="49" charset="0"/>
-            </a:endParaRPr>
-          </a:p>
-        </p:txBody>
-      </p:sp>
-      <p:sp>
-        <p:nvSpPr>
-          <p:cNvPr id="5" name="文本框 4">
-            <a:extLst>
-              <a:ext uri="{FF2B5EF4-FFF2-40B4-BE49-F238E27FC236}">
-                <a16:creationId xmlns:a16="http://schemas.microsoft.com/office/drawing/2014/main" id="{B7A8CE03-6A77-60EC-056E-D7A0019640A3}"/>
-              </a:ext>
-            </a:extLst>
-          </p:cNvPr>
-          <p:cNvSpPr txBox="1"/>
-          <p:nvPr/>
-        </p:nvSpPr>
-        <p:spPr>
-          <a:xfrm>
-            <a:off x="7356476" y="4412579"/>
-            <a:ext cx="3390898" cy="1938992"/>
-          </a:xfrm>
-          <a:prstGeom prst="rect">
-            <a:avLst/>
-          </a:prstGeom>
-          <a:noFill/>
-          <a:ln>
-            <a:solidFill>
-              <a:schemeClr val="bg2"/>
-            </a:solidFill>
-          </a:ln>
-        </p:spPr>
-        <p:txBody>
-          <a:bodyPr wrap="square">
-            <a:spAutoFit/>
-          </a:bodyPr>
-          <a:lstStyle/>
-          <a:p>
-            <a:r>
-              <a:rPr lang="zh-CN" altLang="en-US" sz="2400" b="1" dirty="0">
-                <a:solidFill>
-                  <a:srgbClr val="333333"/>
-                </a:solidFill>
-                <a:highlight>
-                  <a:srgbClr val="C0C0C0"/>
-                </a:highlight>
-                <a:latin typeface="Consolas" panose="020B0609020204030204" pitchFamily="49" charset="0"/>
-              </a:rPr>
-              <a:t>运行结果</a:t>
-            </a:r>
-            <a:endParaRPr lang="en-US" altLang="zh-CN" sz="2400" b="1" dirty="0">
-              <a:solidFill>
-                <a:srgbClr val="333333"/>
-              </a:solidFill>
-              <a:highlight>
-                <a:srgbClr val="C0C0C0"/>
-              </a:highlight>
-              <a:latin typeface="Consolas" panose="020B0609020204030204" pitchFamily="49" charset="0"/>
-            </a:endParaRPr>
-          </a:p>
-          <a:p>
-            <a:r>
-              <a:rPr lang="da-DK" altLang="zh-CN" sz="2400" dirty="0">
-                <a:solidFill>
-                  <a:srgbClr val="333333"/>
-                </a:solidFill>
-                <a:effectLst/>
-                <a:latin typeface="Consolas" panose="020B0609020204030204" pitchFamily="49" charset="0"/>
-              </a:rPr>
-              <a:t>1 1000000 1.5</a:t>
-            </a:r>
-          </a:p>
-          <a:p>
-            <a:r>
-              <a:rPr lang="da-DK" altLang="zh-CN" sz="2400" dirty="0">
-                <a:solidFill>
-                  <a:srgbClr val="333333"/>
-                </a:solidFill>
-                <a:effectLst/>
-                <a:latin typeface="Consolas" panose="020B0609020204030204" pitchFamily="49" charset="0"/>
-              </a:rPr>
-              <a:t>True False</a:t>
-            </a:r>
-          </a:p>
-          <a:p>
-            <a:r>
-              <a:rPr lang="da-DK" altLang="zh-CN" sz="2400" dirty="0">
-                <a:solidFill>
-                  <a:srgbClr val="333333"/>
-                </a:solidFill>
-                <a:effectLst/>
-                <a:latin typeface="Consolas" panose="020B0609020204030204" pitchFamily="49" charset="0"/>
-              </a:rPr>
-              <a:t>2 2.0 2.0</a:t>
-            </a:r>
-          </a:p>
-          <a:p>
-            <a:r>
-              <a:rPr lang="da-DK" altLang="zh-CN" sz="2400" dirty="0">
-                <a:solidFill>
-                  <a:srgbClr val="333333"/>
-                </a:solidFill>
-                <a:effectLst/>
-                <a:latin typeface="Consolas" panose="020B0609020204030204" pitchFamily="49" charset="0"/>
-              </a:rPr>
-              <a:t>9 1.5 1 1</a:t>
-            </a:r>
-            <a:endParaRPr lang="pl-PL" altLang="zh-CN" sz="2400" dirty="0">
-              <a:solidFill>
-                <a:srgbClr val="333333"/>
-              </a:solidFill>
-              <a:effectLst/>
-              <a:latin typeface="Consolas" panose="020B0609020204030204" pitchFamily="49" charset="0"/>
-            </a:endParaRPr>
           </a:p>
         </p:txBody>
       </p:sp>
     </p:spTree>
     <p:extLst>
       <p:ext uri="{BB962C8B-B14F-4D97-AF65-F5344CB8AC3E}">
-        <p14:creationId xmlns:p14="http://schemas.microsoft.com/office/powerpoint/2010/main" val="3519437269"/>
+        <p14:creationId xmlns:p14="http://schemas.microsoft.com/office/powerpoint/2010/main" val="1760109837"/>
       </p:ext>
     </p:extLst>
   </p:cSld>
   <p:clrMapOvr>
     <a:masterClrMapping/>
   </p:clrMapOvr>
-  <p:timing>
-    <p:tnLst>
-      <p:par>
-        <p:cTn id="1" dur="indefinite" restart="never" nodeType="tmRoot">
-          <p:childTnLst>
-            <p:seq concurrent="1" nextAc="seek">
-              <p:cTn id="2" dur="indefinite" nodeType="mainSeq">
-                <p:childTnLst>
-                  <p:par>
-                    <p:cTn id="3" fill="hold">
-                      <p:stCondLst>
-                        <p:cond delay="indefinite"/>
-                      </p:stCondLst>
-                      <p:childTnLst>
-                        <p:par>
-                          <p:cTn id="4" fill="hold">
-                            <p:stCondLst>
-                              <p:cond delay="0"/>
-                            </p:stCondLst>
-                            <p:childTnLst>
-                              <p:par>
-                                <p:cTn id="5" presetID="1" presetClass="entr" presetSubtype="0" fill="hold" grpId="0" nodeType="clickEffect">
-                                  <p:stCondLst>
-                                    <p:cond delay="0"/>
-                                  </p:stCondLst>
-                                  <p:childTnLst>
-                                    <p:set>
-                                      <p:cBhvr>
-                                        <p:cTn id="6" dur="1" fill="hold">
-                                          <p:stCondLst>
-                                            <p:cond delay="0"/>
-                                          </p:stCondLst>
-                                        </p:cTn>
-                                        <p:tgtEl>
-                                          <p:spTgt spid="5"/>
-                                        </p:tgtEl>
-                                        <p:attrNameLst>
-                                          <p:attrName>style.visibility</p:attrName>
-                                        </p:attrNameLst>
-                                      </p:cBhvr>
-                                      <p:to>
-                                        <p:strVal val="visible"/>
-                                      </p:to>
-                                    </p:set>
-                                  </p:childTnLst>
-                                </p:cTn>
-                              </p:par>
-                            </p:childTnLst>
-                          </p:cTn>
-                        </p:par>
-                      </p:childTnLst>
-                    </p:cTn>
-                  </p:par>
-                </p:childTnLst>
-              </p:cTn>
-              <p:prevCondLst>
-                <p:cond evt="onPrev" delay="0">
-                  <p:tgtEl>
-                    <p:sldTgt/>
-                  </p:tgtEl>
-                </p:cond>
-              </p:prevCondLst>
-              <p:nextCondLst>
-                <p:cond evt="onNext" delay="0">
-                  <p:tgtEl>
-                    <p:sldTgt/>
-                  </p:tgtEl>
-                </p:cond>
-              </p:nextCondLst>
-            </p:seq>
-          </p:childTnLst>
-        </p:cTn>
-      </p:par>
-    </p:tnLst>
-    <p:bldLst>
-      <p:bldP spid="5" grpId="0" animBg="1"/>
-    </p:bldLst>
-  </p:timing>
 </p:sld>
 </file>
 
@@ -9108,7 +9886,13 @@
   <p:cSld>
     <p:spTree>
       <p:nvGrpSpPr>
-        <p:cNvPr id="1" name=""/>
+        <p:cNvPr id="1" name="">
+          <a:extLst>
+            <a:ext uri="{FF2B5EF4-FFF2-40B4-BE49-F238E27FC236}">
+              <a16:creationId xmlns:a16="http://schemas.microsoft.com/office/drawing/2014/main" id="{E9BCF408-F0BF-3046-F020-76B8EEC081E8}"/>
+            </a:ext>
+          </a:extLst>
+        </p:cNvPr>
         <p:cNvGrpSpPr/>
         <p:nvPr/>
       </p:nvGrpSpPr>
@@ -9122,10 +9906,10 @@
       </p:grpSpPr>
       <p:sp>
         <p:nvSpPr>
-          <p:cNvPr id="2" name="标题 1">
-            <a:extLst>
-              <a:ext uri="{FF2B5EF4-FFF2-40B4-BE49-F238E27FC236}">
-                <a16:creationId xmlns:a16="http://schemas.microsoft.com/office/drawing/2014/main" id="{BAD162F0-2175-84E9-2387-55F669162449}"/>
+          <p:cNvPr id="3" name="内容占位符 2">
+            <a:extLst>
+              <a:ext uri="{FF2B5EF4-FFF2-40B4-BE49-F238E27FC236}">
+                <a16:creationId xmlns:a16="http://schemas.microsoft.com/office/drawing/2014/main" id="{9FB397DB-D1FD-74B2-B323-6E76750EB6B6}"/>
               </a:ext>
             </a:extLst>
           </p:cNvPr>
@@ -9133,7 +9917,7 @@
             <a:spLocks noGrp="1"/>
           </p:cNvSpPr>
           <p:nvPr>
-            <p:ph type="title"/>
+            <p:ph idx="1"/>
           </p:nvPr>
         </p:nvSpPr>
         <p:spPr/>
@@ -9143,24 +9927,67 @@
           </a:bodyPr>
           <a:lstStyle/>
           <a:p>
+            <a:pPr marL="0" indent="0">
+              <a:buNone/>
+            </a:pPr>
+            <a:r>
+              <a:rPr lang="zh-CN" altLang="en-US" dirty="0"/>
+              <a:t>我们将编写一个表单模型类，然后创建一个 </a:t>
+            </a:r>
+            <a:r>
+              <a:rPr lang="en-US" altLang="zh-CN" dirty="0" err="1"/>
+              <a:t>new_topic</a:t>
+            </a:r>
             <a:r>
               <a:rPr lang="en-US" altLang="zh-CN" dirty="0"/>
-              <a:t>19.2 </a:t>
+              <a:t> </a:t>
             </a:r>
             <a:r>
               <a:rPr lang="zh-CN" altLang="en-US" dirty="0"/>
-              <a:t>创建用户账户</a:t>
+              <a:t>页面并定义 </a:t>
+            </a:r>
+            <a:r>
+              <a:rPr lang="en-US" altLang="zh-CN" dirty="0"/>
+              <a:t>URL </a:t>
+            </a:r>
+            <a:r>
+              <a:rPr lang="zh-CN" altLang="en-US" dirty="0"/>
+              <a:t>模式，然后定义其对应的视图函数，编写处理网页请求的代码，最后创建模板以显示。</a:t>
             </a:r>
             <a:endParaRPr lang="en-US" altLang="zh-CN" dirty="0"/>
           </a:p>
-        </p:txBody>
-      </p:sp>
-      <p:sp>
-        <p:nvSpPr>
-          <p:cNvPr id="3" name="内容占位符 2">
-            <a:extLst>
-              <a:ext uri="{FF2B5EF4-FFF2-40B4-BE49-F238E27FC236}">
-                <a16:creationId xmlns:a16="http://schemas.microsoft.com/office/drawing/2014/main" id="{0E2FC508-1AFD-A957-52F2-FA1DEF2A9D27}"/>
+          <a:p>
+            <a:pPr marL="0" indent="0">
+              <a:buNone/>
+            </a:pPr>
+            <a:endParaRPr lang="en-US" altLang="zh-CN" dirty="0"/>
+          </a:p>
+          <a:p>
+            <a:pPr marL="0" indent="0">
+              <a:buNone/>
+            </a:pPr>
+            <a:r>
+              <a:rPr lang="zh-CN" altLang="en-US" dirty="0"/>
+              <a:t>具体实现方式可参考原书 </a:t>
+            </a:r>
+            <a:r>
+              <a:rPr lang="en-US" altLang="zh-CN" dirty="0"/>
+              <a:t>19.1.1</a:t>
+            </a:r>
+            <a:r>
+              <a:rPr lang="zh-CN" altLang="en-US" dirty="0"/>
+              <a:t>。</a:t>
+            </a:r>
+            <a:endParaRPr lang="en-US" altLang="zh-CN" dirty="0"/>
+          </a:p>
+        </p:txBody>
+      </p:sp>
+      <p:sp>
+        <p:nvSpPr>
+          <p:cNvPr id="5" name="标题 4">
+            <a:extLst>
+              <a:ext uri="{FF2B5EF4-FFF2-40B4-BE49-F238E27FC236}">
+                <a16:creationId xmlns:a16="http://schemas.microsoft.com/office/drawing/2014/main" id="{F70D8797-27CD-684B-FBD1-C89BE50F2E62}"/>
               </a:ext>
             </a:extLst>
           </p:cNvPr>
@@ -9168,798 +9995,35 @@
             <a:spLocks noGrp="1"/>
           </p:cNvSpPr>
           <p:nvPr>
-            <p:ph sz="half" idx="1"/>
+            <p:ph type="title"/>
           </p:nvPr>
         </p:nvSpPr>
         <p:spPr/>
         <p:txBody>
-          <a:bodyPr>
-            <a:normAutofit/>
-          </a:bodyPr>
+          <a:bodyPr/>
           <a:lstStyle/>
           <a:p>
-            <a:endParaRPr lang="zh-CN" altLang="en-US" dirty="0"/>
-          </a:p>
-        </p:txBody>
-      </p:sp>
-      <p:sp>
-        <p:nvSpPr>
-          <p:cNvPr id="7" name="文本框 6">
-            <a:extLst>
-              <a:ext uri="{FF2B5EF4-FFF2-40B4-BE49-F238E27FC236}">
-                <a16:creationId xmlns:a16="http://schemas.microsoft.com/office/drawing/2014/main" id="{12C899D8-51C5-D9B7-A323-E6EFE4AB5C33}"/>
-              </a:ext>
-            </a:extLst>
-          </p:cNvPr>
-          <p:cNvSpPr txBox="1"/>
-          <p:nvPr/>
-        </p:nvSpPr>
-        <p:spPr>
-          <a:xfrm>
-            <a:off x="5994400" y="1904003"/>
-            <a:ext cx="6115050" cy="2308324"/>
-          </a:xfrm>
-          <a:prstGeom prst="rect">
-            <a:avLst/>
-          </a:prstGeom>
-          <a:noFill/>
-          <a:ln>
-            <a:solidFill>
-              <a:schemeClr val="bg2"/>
-            </a:solidFill>
-          </a:ln>
-        </p:spPr>
-        <p:txBody>
-          <a:bodyPr wrap="square">
-            <a:spAutoFit/>
-          </a:bodyPr>
-          <a:lstStyle/>
-          <a:p>
-            <a:r>
-              <a:rPr lang="en-US" altLang="zh-CN" sz="2400" b="1" dirty="0">
-                <a:solidFill>
-                  <a:srgbClr val="0200BD"/>
-                </a:solidFill>
-                <a:effectLst/>
-                <a:latin typeface="Consolas" panose="020B0609020204030204" pitchFamily="49" charset="0"/>
-              </a:rPr>
-              <a:t>print</a:t>
-            </a:r>
-            <a:r>
-              <a:rPr lang="en-US" altLang="zh-CN" sz="2400" b="1" dirty="0">
-                <a:solidFill>
-                  <a:srgbClr val="3F9101"/>
-                </a:solidFill>
-                <a:effectLst/>
-                <a:latin typeface="Consolas" panose="020B0609020204030204" pitchFamily="49" charset="0"/>
-              </a:rPr>
-              <a:t>(</a:t>
-            </a:r>
-            <a:r>
-              <a:rPr lang="en-US" altLang="zh-CN" sz="2400" b="1" dirty="0">
-                <a:solidFill>
-                  <a:srgbClr val="2E6446"/>
-                </a:solidFill>
-                <a:effectLst/>
-                <a:latin typeface="Consolas" panose="020B0609020204030204" pitchFamily="49" charset="0"/>
-              </a:rPr>
-              <a:t>1</a:t>
-            </a:r>
-            <a:r>
-              <a:rPr lang="en-US" altLang="zh-CN" sz="2400" b="1" dirty="0">
-                <a:solidFill>
-                  <a:srgbClr val="63A35C"/>
-                </a:solidFill>
-                <a:effectLst/>
-                <a:latin typeface="Consolas" panose="020B0609020204030204" pitchFamily="49" charset="0"/>
-              </a:rPr>
-              <a:t>, </a:t>
-            </a:r>
-            <a:r>
-              <a:rPr lang="en-US" altLang="zh-CN" sz="2400" b="1" dirty="0">
-                <a:solidFill>
-                  <a:srgbClr val="2E6446"/>
-                </a:solidFill>
-                <a:effectLst/>
-                <a:latin typeface="Consolas" panose="020B0609020204030204" pitchFamily="49" charset="0"/>
-              </a:rPr>
-              <a:t>1_000_000</a:t>
-            </a:r>
-            <a:r>
-              <a:rPr lang="en-US" altLang="zh-CN" sz="2400" b="1" dirty="0">
-                <a:solidFill>
-                  <a:srgbClr val="63A35C"/>
-                </a:solidFill>
-                <a:effectLst/>
-                <a:latin typeface="Consolas" panose="020B0609020204030204" pitchFamily="49" charset="0"/>
-              </a:rPr>
-              <a:t>, </a:t>
-            </a:r>
-            <a:r>
-              <a:rPr lang="en-US" altLang="zh-CN" sz="2400" b="1" dirty="0">
-                <a:solidFill>
-                  <a:srgbClr val="2E6446"/>
-                </a:solidFill>
-                <a:effectLst/>
-                <a:latin typeface="Consolas" panose="020B0609020204030204" pitchFamily="49" charset="0"/>
-              </a:rPr>
-              <a:t>1.5</a:t>
-            </a:r>
-            <a:r>
-              <a:rPr lang="en-US" altLang="zh-CN" sz="2400" b="1" dirty="0">
-                <a:solidFill>
-                  <a:srgbClr val="3F9101"/>
-                </a:solidFill>
-                <a:effectLst/>
-                <a:latin typeface="Consolas" panose="020B0609020204030204" pitchFamily="49" charset="0"/>
-              </a:rPr>
-              <a:t>)</a:t>
-            </a:r>
-          </a:p>
-          <a:p>
-            <a:r>
-              <a:rPr lang="en-US" altLang="zh-CN" sz="2400" b="1" dirty="0">
-                <a:solidFill>
-                  <a:srgbClr val="0200BD"/>
-                </a:solidFill>
-                <a:effectLst/>
-                <a:latin typeface="Consolas" panose="020B0609020204030204" pitchFamily="49" charset="0"/>
-              </a:rPr>
-              <a:t>print</a:t>
-            </a:r>
-            <a:r>
-              <a:rPr lang="en-US" altLang="zh-CN" sz="2400" b="1" dirty="0">
-                <a:solidFill>
-                  <a:srgbClr val="3F9101"/>
-                </a:solidFill>
-                <a:effectLst/>
-                <a:latin typeface="Consolas" panose="020B0609020204030204" pitchFamily="49" charset="0"/>
-              </a:rPr>
-              <a:t>(</a:t>
-            </a:r>
-            <a:r>
-              <a:rPr lang="en-US" altLang="zh-CN" sz="2400" b="1" dirty="0">
-                <a:solidFill>
-                  <a:srgbClr val="9E58A3"/>
-                </a:solidFill>
-                <a:effectLst/>
-                <a:latin typeface="Consolas" panose="020B0609020204030204" pitchFamily="49" charset="0"/>
-              </a:rPr>
-              <a:t>True</a:t>
-            </a:r>
-            <a:r>
-              <a:rPr lang="en-US" altLang="zh-CN" sz="2400" b="1" dirty="0">
-                <a:solidFill>
-                  <a:srgbClr val="63A35C"/>
-                </a:solidFill>
-                <a:effectLst/>
-                <a:latin typeface="Consolas" panose="020B0609020204030204" pitchFamily="49" charset="0"/>
-              </a:rPr>
-              <a:t>, </a:t>
-            </a:r>
-            <a:r>
-              <a:rPr lang="en-US" altLang="zh-CN" sz="2400" b="1" dirty="0">
-                <a:solidFill>
-                  <a:srgbClr val="9E58A3"/>
-                </a:solidFill>
-                <a:effectLst/>
-                <a:latin typeface="Consolas" panose="020B0609020204030204" pitchFamily="49" charset="0"/>
-              </a:rPr>
-              <a:t>False</a:t>
-            </a:r>
-            <a:r>
-              <a:rPr lang="en-US" altLang="zh-CN" sz="2400" b="1" dirty="0">
-                <a:solidFill>
-                  <a:srgbClr val="3F9101"/>
-                </a:solidFill>
-                <a:effectLst/>
-                <a:latin typeface="Consolas" panose="020B0609020204030204" pitchFamily="49" charset="0"/>
-              </a:rPr>
-              <a:t>)  </a:t>
-            </a:r>
-            <a:r>
-              <a:rPr lang="en-US" altLang="zh-CN" sz="2400" b="1" dirty="0">
-                <a:solidFill>
-                  <a:srgbClr val="A05830"/>
-                </a:solidFill>
-                <a:effectLst/>
-                <a:latin typeface="Consolas" panose="020B0609020204030204" pitchFamily="49" charset="0"/>
-              </a:rPr>
-              <a:t># </a:t>
-            </a:r>
-            <a:r>
-              <a:rPr lang="zh-CN" altLang="en-US" sz="2400" b="1" dirty="0">
-                <a:solidFill>
-                  <a:srgbClr val="A05830"/>
-                </a:solidFill>
-                <a:effectLst/>
-                <a:latin typeface="宋体" panose="02010600030101010101" pitchFamily="2" charset="-122"/>
-                <a:ea typeface="宋体" panose="02010600030101010101" pitchFamily="2" charset="-122"/>
-              </a:rPr>
-              <a:t>布尔值</a:t>
-            </a:r>
-            <a:endParaRPr lang="en-US" altLang="zh-CN" sz="2400" b="1" dirty="0">
-              <a:solidFill>
-                <a:srgbClr val="A05830"/>
-              </a:solidFill>
-              <a:effectLst/>
-              <a:latin typeface="宋体" panose="02010600030101010101" pitchFamily="2" charset="-122"/>
-              <a:ea typeface="宋体" panose="02010600030101010101" pitchFamily="2" charset="-122"/>
-            </a:endParaRPr>
-          </a:p>
-          <a:p>
-            <a:r>
-              <a:rPr lang="en-US" altLang="zh-CN" sz="2400" b="1" dirty="0">
-                <a:solidFill>
-                  <a:srgbClr val="0200BD"/>
-                </a:solidFill>
-                <a:effectLst/>
-                <a:latin typeface="Consolas" panose="020B0609020204030204" pitchFamily="49" charset="0"/>
-              </a:rPr>
-              <a:t>print</a:t>
-            </a:r>
-            <a:r>
-              <a:rPr lang="en-US" altLang="zh-CN" sz="2400" b="1" dirty="0">
-                <a:solidFill>
-                  <a:srgbClr val="3F9101"/>
-                </a:solidFill>
-                <a:effectLst/>
-                <a:latin typeface="Consolas" panose="020B0609020204030204" pitchFamily="49" charset="0"/>
-              </a:rPr>
-              <a:t>(</a:t>
-            </a:r>
-            <a:r>
-              <a:rPr lang="en-US" altLang="zh-CN" sz="2400" b="1" dirty="0">
-                <a:solidFill>
-                  <a:srgbClr val="2E6446"/>
-                </a:solidFill>
-                <a:effectLst/>
-                <a:latin typeface="Consolas" panose="020B0609020204030204" pitchFamily="49" charset="0"/>
-              </a:rPr>
-              <a:t>1 </a:t>
-            </a:r>
-            <a:r>
-              <a:rPr lang="en-US" altLang="zh-CN" sz="2400" b="1" dirty="0">
-                <a:solidFill>
-                  <a:srgbClr val="A71D5D"/>
-                </a:solidFill>
-                <a:effectLst/>
-                <a:latin typeface="Consolas" panose="020B0609020204030204" pitchFamily="49" charset="0"/>
-              </a:rPr>
-              <a:t>+ </a:t>
-            </a:r>
-            <a:r>
-              <a:rPr lang="en-US" altLang="zh-CN" sz="2400" b="1" dirty="0">
-                <a:solidFill>
-                  <a:srgbClr val="2E6446"/>
-                </a:solidFill>
-                <a:effectLst/>
-                <a:latin typeface="Consolas" panose="020B0609020204030204" pitchFamily="49" charset="0"/>
-              </a:rPr>
-              <a:t>1</a:t>
-            </a:r>
-            <a:r>
-              <a:rPr lang="en-US" altLang="zh-CN" sz="2400" b="1" dirty="0">
-                <a:solidFill>
-                  <a:srgbClr val="63A35C"/>
-                </a:solidFill>
-                <a:effectLst/>
-                <a:latin typeface="Consolas" panose="020B0609020204030204" pitchFamily="49" charset="0"/>
-              </a:rPr>
-              <a:t>, </a:t>
-            </a:r>
-            <a:r>
-              <a:rPr lang="en-US" altLang="zh-CN" sz="2400" b="1" dirty="0">
-                <a:solidFill>
-                  <a:srgbClr val="2E6446"/>
-                </a:solidFill>
-                <a:effectLst/>
-                <a:latin typeface="Consolas" panose="020B0609020204030204" pitchFamily="49" charset="0"/>
-              </a:rPr>
-              <a:t>1.0 </a:t>
-            </a:r>
-            <a:r>
-              <a:rPr lang="en-US" altLang="zh-CN" sz="2400" b="1" dirty="0">
-                <a:solidFill>
-                  <a:srgbClr val="A71D5D"/>
-                </a:solidFill>
-                <a:effectLst/>
-                <a:latin typeface="Consolas" panose="020B0609020204030204" pitchFamily="49" charset="0"/>
-              </a:rPr>
-              <a:t>+ </a:t>
-            </a:r>
-            <a:r>
-              <a:rPr lang="en-US" altLang="zh-CN" sz="2400" b="1" dirty="0">
-                <a:solidFill>
-                  <a:srgbClr val="2E6446"/>
-                </a:solidFill>
-                <a:effectLst/>
-                <a:latin typeface="Consolas" panose="020B0609020204030204" pitchFamily="49" charset="0"/>
-              </a:rPr>
-              <a:t>1.0</a:t>
-            </a:r>
-            <a:r>
-              <a:rPr lang="en-US" altLang="zh-CN" sz="2400" b="1" dirty="0">
-                <a:solidFill>
-                  <a:srgbClr val="63A35C"/>
-                </a:solidFill>
-                <a:effectLst/>
-                <a:latin typeface="Consolas" panose="020B0609020204030204" pitchFamily="49" charset="0"/>
-              </a:rPr>
-              <a:t>, </a:t>
-            </a:r>
-            <a:r>
-              <a:rPr lang="en-US" altLang="zh-CN" sz="2400" b="1" dirty="0">
-                <a:solidFill>
-                  <a:srgbClr val="2E6446"/>
-                </a:solidFill>
-                <a:effectLst/>
-                <a:latin typeface="Consolas" panose="020B0609020204030204" pitchFamily="49" charset="0"/>
-              </a:rPr>
-              <a:t>1 </a:t>
-            </a:r>
-            <a:r>
-              <a:rPr lang="en-US" altLang="zh-CN" sz="2400" b="1" dirty="0">
-                <a:solidFill>
-                  <a:srgbClr val="A71D5D"/>
-                </a:solidFill>
-                <a:effectLst/>
-                <a:latin typeface="Consolas" panose="020B0609020204030204" pitchFamily="49" charset="0"/>
-              </a:rPr>
-              <a:t>+ </a:t>
-            </a:r>
-            <a:r>
-              <a:rPr lang="en-US" altLang="zh-CN" sz="2400" b="1" dirty="0">
-                <a:solidFill>
-                  <a:srgbClr val="2E6446"/>
-                </a:solidFill>
-                <a:effectLst/>
-                <a:latin typeface="Consolas" panose="020B0609020204030204" pitchFamily="49" charset="0"/>
-              </a:rPr>
-              <a:t>1.0</a:t>
-            </a:r>
-            <a:r>
-              <a:rPr lang="en-US" altLang="zh-CN" sz="2400" b="1" dirty="0">
-                <a:solidFill>
-                  <a:srgbClr val="3F9101"/>
-                </a:solidFill>
-                <a:effectLst/>
-                <a:latin typeface="Consolas" panose="020B0609020204030204" pitchFamily="49" charset="0"/>
-              </a:rPr>
-              <a:t>)</a:t>
-            </a:r>
-          </a:p>
-          <a:p>
-            <a:r>
-              <a:rPr lang="en-US" altLang="zh-CN" sz="2400" b="1" dirty="0">
-                <a:solidFill>
-                  <a:srgbClr val="A05830"/>
-                </a:solidFill>
-                <a:effectLst/>
-                <a:latin typeface="Consolas" panose="020B0609020204030204" pitchFamily="49" charset="0"/>
-              </a:rPr>
-              <a:t># </a:t>
-            </a:r>
-            <a:r>
-              <a:rPr lang="zh-CN" altLang="en-US" sz="2400" b="1" dirty="0">
-                <a:solidFill>
-                  <a:srgbClr val="A05830"/>
-                </a:solidFill>
-                <a:effectLst/>
-                <a:latin typeface="宋体" panose="02010600030101010101" pitchFamily="2" charset="-122"/>
-                <a:ea typeface="宋体" panose="02010600030101010101" pitchFamily="2" charset="-122"/>
-              </a:rPr>
-              <a:t>乘方、除法、整除法（向下取整）和求模</a:t>
-            </a:r>
-            <a:br>
-              <a:rPr lang="zh-CN" altLang="en-US" sz="2400" b="1" dirty="0">
-                <a:solidFill>
-                  <a:srgbClr val="A05830"/>
-                </a:solidFill>
-                <a:effectLst/>
-                <a:latin typeface="宋体" panose="02010600030101010101" pitchFamily="2" charset="-122"/>
-                <a:ea typeface="宋体" panose="02010600030101010101" pitchFamily="2" charset="-122"/>
-              </a:rPr>
-            </a:br>
-            <a:r>
-              <a:rPr lang="en-US" altLang="zh-CN" sz="2400" b="1" dirty="0">
-                <a:solidFill>
-                  <a:srgbClr val="0200BD"/>
-                </a:solidFill>
-                <a:effectLst/>
-                <a:latin typeface="Consolas" panose="020B0609020204030204" pitchFamily="49" charset="0"/>
-              </a:rPr>
-              <a:t>print</a:t>
-            </a:r>
-            <a:r>
-              <a:rPr lang="en-US" altLang="zh-CN" sz="2400" b="1" dirty="0">
-                <a:solidFill>
-                  <a:srgbClr val="3F9101"/>
-                </a:solidFill>
-                <a:effectLst/>
-                <a:latin typeface="Consolas" panose="020B0609020204030204" pitchFamily="49" charset="0"/>
-              </a:rPr>
-              <a:t>(</a:t>
-            </a:r>
-            <a:r>
-              <a:rPr lang="en-US" altLang="zh-CN" sz="2400" b="1" dirty="0">
-                <a:solidFill>
-                  <a:srgbClr val="2E6446"/>
-                </a:solidFill>
-                <a:effectLst/>
-                <a:latin typeface="Consolas" panose="020B0609020204030204" pitchFamily="49" charset="0"/>
-              </a:rPr>
-              <a:t>3 </a:t>
-            </a:r>
-            <a:r>
-              <a:rPr lang="en-US" altLang="zh-CN" sz="2400" b="1" dirty="0">
-                <a:solidFill>
-                  <a:srgbClr val="A71D5D"/>
-                </a:solidFill>
-                <a:effectLst/>
-                <a:latin typeface="Consolas" panose="020B0609020204030204" pitchFamily="49" charset="0"/>
-              </a:rPr>
-              <a:t>** </a:t>
-            </a:r>
-            <a:r>
-              <a:rPr lang="en-US" altLang="zh-CN" sz="2400" b="1" dirty="0">
-                <a:solidFill>
-                  <a:srgbClr val="2E6446"/>
-                </a:solidFill>
-                <a:effectLst/>
-                <a:latin typeface="Consolas" panose="020B0609020204030204" pitchFamily="49" charset="0"/>
-              </a:rPr>
-              <a:t>2</a:t>
-            </a:r>
-            <a:r>
-              <a:rPr lang="en-US" altLang="zh-CN" sz="2400" b="1" dirty="0">
-                <a:solidFill>
-                  <a:srgbClr val="63A35C"/>
-                </a:solidFill>
-                <a:effectLst/>
-                <a:latin typeface="Consolas" panose="020B0609020204030204" pitchFamily="49" charset="0"/>
-              </a:rPr>
-              <a:t>, </a:t>
-            </a:r>
-            <a:r>
-              <a:rPr lang="en-US" altLang="zh-CN" sz="2400" b="1" dirty="0">
-                <a:solidFill>
-                  <a:srgbClr val="2E6446"/>
-                </a:solidFill>
-                <a:effectLst/>
-                <a:latin typeface="Consolas" panose="020B0609020204030204" pitchFamily="49" charset="0"/>
-              </a:rPr>
-              <a:t>3 </a:t>
-            </a:r>
-            <a:r>
-              <a:rPr lang="en-US" altLang="zh-CN" sz="2400" b="1" dirty="0">
-                <a:solidFill>
-                  <a:srgbClr val="A71D5D"/>
-                </a:solidFill>
-                <a:effectLst/>
-                <a:latin typeface="Consolas" panose="020B0609020204030204" pitchFamily="49" charset="0"/>
-              </a:rPr>
-              <a:t>/ </a:t>
-            </a:r>
-            <a:r>
-              <a:rPr lang="en-US" altLang="zh-CN" sz="2400" b="1" dirty="0">
-                <a:solidFill>
-                  <a:srgbClr val="2E6446"/>
-                </a:solidFill>
-                <a:effectLst/>
-                <a:latin typeface="Consolas" panose="020B0609020204030204" pitchFamily="49" charset="0"/>
-              </a:rPr>
-              <a:t>2</a:t>
-            </a:r>
-            <a:r>
-              <a:rPr lang="en-US" altLang="zh-CN" sz="2400" b="1" dirty="0">
-                <a:solidFill>
-                  <a:srgbClr val="63A35C"/>
-                </a:solidFill>
-                <a:effectLst/>
-                <a:latin typeface="Consolas" panose="020B0609020204030204" pitchFamily="49" charset="0"/>
-              </a:rPr>
-              <a:t>, </a:t>
-            </a:r>
-            <a:r>
-              <a:rPr lang="en-US" altLang="zh-CN" sz="2400" b="1" dirty="0">
-                <a:solidFill>
-                  <a:srgbClr val="2E6446"/>
-                </a:solidFill>
-                <a:effectLst/>
-                <a:latin typeface="Consolas" panose="020B0609020204030204" pitchFamily="49" charset="0"/>
-              </a:rPr>
-              <a:t>3 </a:t>
-            </a:r>
-            <a:r>
-              <a:rPr lang="en-US" altLang="zh-CN" sz="2400" b="1" dirty="0">
-                <a:solidFill>
-                  <a:srgbClr val="A71D5D"/>
-                </a:solidFill>
-                <a:effectLst/>
-                <a:latin typeface="Consolas" panose="020B0609020204030204" pitchFamily="49" charset="0"/>
-              </a:rPr>
-              <a:t>// </a:t>
-            </a:r>
-            <a:r>
-              <a:rPr lang="en-US" altLang="zh-CN" sz="2400" b="1" dirty="0">
-                <a:solidFill>
-                  <a:srgbClr val="2E6446"/>
-                </a:solidFill>
-                <a:effectLst/>
-                <a:latin typeface="Consolas" panose="020B0609020204030204" pitchFamily="49" charset="0"/>
-              </a:rPr>
-              <a:t>2</a:t>
-            </a:r>
-            <a:r>
-              <a:rPr lang="en-US" altLang="zh-CN" sz="2400" b="1" dirty="0">
-                <a:solidFill>
-                  <a:srgbClr val="63A35C"/>
-                </a:solidFill>
-                <a:effectLst/>
-                <a:latin typeface="Consolas" panose="020B0609020204030204" pitchFamily="49" charset="0"/>
-              </a:rPr>
-              <a:t>, </a:t>
-            </a:r>
-            <a:r>
-              <a:rPr lang="en-US" altLang="zh-CN" sz="2400" b="1" dirty="0">
-                <a:solidFill>
-                  <a:srgbClr val="2E6446"/>
-                </a:solidFill>
-                <a:effectLst/>
-                <a:latin typeface="Consolas" panose="020B0609020204030204" pitchFamily="49" charset="0"/>
-              </a:rPr>
-              <a:t>5 </a:t>
-            </a:r>
-            <a:r>
-              <a:rPr lang="en-US" altLang="zh-CN" sz="2400" b="1" dirty="0">
-                <a:solidFill>
-                  <a:srgbClr val="A71D5D"/>
-                </a:solidFill>
-                <a:effectLst/>
-                <a:latin typeface="Consolas" panose="020B0609020204030204" pitchFamily="49" charset="0"/>
-              </a:rPr>
-              <a:t>% </a:t>
-            </a:r>
-            <a:r>
-              <a:rPr lang="en-US" altLang="zh-CN" sz="2400" b="1" dirty="0">
-                <a:solidFill>
-                  <a:srgbClr val="2E6446"/>
-                </a:solidFill>
-                <a:effectLst/>
-                <a:latin typeface="Consolas" panose="020B0609020204030204" pitchFamily="49" charset="0"/>
-              </a:rPr>
-              <a:t>2</a:t>
-            </a:r>
-            <a:r>
-              <a:rPr lang="en-US" altLang="zh-CN" sz="2400" b="1" dirty="0">
-                <a:solidFill>
-                  <a:srgbClr val="3F9101"/>
-                </a:solidFill>
-                <a:effectLst/>
-                <a:latin typeface="Consolas" panose="020B0609020204030204" pitchFamily="49" charset="0"/>
-              </a:rPr>
-              <a:t>)</a:t>
-            </a:r>
-            <a:br>
-              <a:rPr lang="en-US" altLang="zh-CN" sz="2400" b="1" dirty="0">
-                <a:solidFill>
-                  <a:srgbClr val="3F9101"/>
-                </a:solidFill>
-                <a:effectLst/>
-                <a:latin typeface="Consolas" panose="020B0609020204030204" pitchFamily="49" charset="0"/>
-              </a:rPr>
-            </a:br>
-            <a:endParaRPr lang="en-US" altLang="zh-CN" sz="2400" b="1" dirty="0">
-              <a:solidFill>
-                <a:srgbClr val="333333"/>
-              </a:solidFill>
-              <a:effectLst/>
-              <a:latin typeface="Consolas" panose="020B0609020204030204" pitchFamily="49" charset="0"/>
-            </a:endParaRPr>
-          </a:p>
-        </p:txBody>
-      </p:sp>
-      <p:sp>
-        <p:nvSpPr>
-          <p:cNvPr id="5" name="文本框 4">
-            <a:extLst>
-              <a:ext uri="{FF2B5EF4-FFF2-40B4-BE49-F238E27FC236}">
-                <a16:creationId xmlns:a16="http://schemas.microsoft.com/office/drawing/2014/main" id="{B7A8CE03-6A77-60EC-056E-D7A0019640A3}"/>
-              </a:ext>
-            </a:extLst>
-          </p:cNvPr>
-          <p:cNvSpPr txBox="1"/>
-          <p:nvPr/>
-        </p:nvSpPr>
-        <p:spPr>
-          <a:xfrm>
-            <a:off x="7356476" y="4412579"/>
-            <a:ext cx="3390898" cy="1938992"/>
-          </a:xfrm>
-          <a:prstGeom prst="rect">
-            <a:avLst/>
-          </a:prstGeom>
-          <a:noFill/>
-          <a:ln>
-            <a:solidFill>
-              <a:schemeClr val="bg2"/>
-            </a:solidFill>
-          </a:ln>
-        </p:spPr>
-        <p:txBody>
-          <a:bodyPr wrap="square">
-            <a:spAutoFit/>
-          </a:bodyPr>
-          <a:lstStyle/>
-          <a:p>
-            <a:r>
-              <a:rPr lang="zh-CN" altLang="en-US" sz="2400" b="1" dirty="0">
-                <a:solidFill>
-                  <a:srgbClr val="333333"/>
-                </a:solidFill>
-                <a:highlight>
-                  <a:srgbClr val="C0C0C0"/>
-                </a:highlight>
-                <a:latin typeface="Consolas" panose="020B0609020204030204" pitchFamily="49" charset="0"/>
-              </a:rPr>
-              <a:t>运行结果</a:t>
-            </a:r>
-            <a:endParaRPr lang="en-US" altLang="zh-CN" sz="2400" b="1" dirty="0">
-              <a:solidFill>
-                <a:srgbClr val="333333"/>
-              </a:solidFill>
-              <a:highlight>
-                <a:srgbClr val="C0C0C0"/>
-              </a:highlight>
-              <a:latin typeface="Consolas" panose="020B0609020204030204" pitchFamily="49" charset="0"/>
-            </a:endParaRPr>
-          </a:p>
-          <a:p>
-            <a:r>
-              <a:rPr lang="da-DK" altLang="zh-CN" sz="2400" dirty="0">
-                <a:solidFill>
-                  <a:srgbClr val="333333"/>
-                </a:solidFill>
-                <a:effectLst/>
-                <a:latin typeface="Consolas" panose="020B0609020204030204" pitchFamily="49" charset="0"/>
-              </a:rPr>
-              <a:t>1 1000000 1.5</a:t>
-            </a:r>
-          </a:p>
-          <a:p>
-            <a:r>
-              <a:rPr lang="da-DK" altLang="zh-CN" sz="2400" dirty="0">
-                <a:solidFill>
-                  <a:srgbClr val="333333"/>
-                </a:solidFill>
-                <a:effectLst/>
-                <a:latin typeface="Consolas" panose="020B0609020204030204" pitchFamily="49" charset="0"/>
-              </a:rPr>
-              <a:t>True False</a:t>
-            </a:r>
-          </a:p>
-          <a:p>
-            <a:r>
-              <a:rPr lang="da-DK" altLang="zh-CN" sz="2400" dirty="0">
-                <a:solidFill>
-                  <a:srgbClr val="333333"/>
-                </a:solidFill>
-                <a:effectLst/>
-                <a:latin typeface="Consolas" panose="020B0609020204030204" pitchFamily="49" charset="0"/>
-              </a:rPr>
-              <a:t>2 2.0 2.0</a:t>
-            </a:r>
-          </a:p>
-          <a:p>
-            <a:r>
-              <a:rPr lang="da-DK" altLang="zh-CN" sz="2400" dirty="0">
-                <a:solidFill>
-                  <a:srgbClr val="333333"/>
-                </a:solidFill>
-                <a:effectLst/>
-                <a:latin typeface="Consolas" panose="020B0609020204030204" pitchFamily="49" charset="0"/>
-              </a:rPr>
-              <a:t>9 1.5 1 1</a:t>
-            </a:r>
-            <a:endParaRPr lang="pl-PL" altLang="zh-CN" sz="2400" dirty="0">
-              <a:solidFill>
-                <a:srgbClr val="333333"/>
-              </a:solidFill>
-              <a:effectLst/>
-              <a:latin typeface="Consolas" panose="020B0609020204030204" pitchFamily="49" charset="0"/>
-            </a:endParaRPr>
+            <a:r>
+              <a:rPr lang="en-US" altLang="zh-CN" dirty="0"/>
+              <a:t>19.1.1 </a:t>
+            </a:r>
+            <a:r>
+              <a:rPr lang="zh-CN" altLang="en-US" dirty="0"/>
+              <a:t>添加新主题</a:t>
+            </a:r>
           </a:p>
         </p:txBody>
       </p:sp>
     </p:spTree>
     <p:extLst>
       <p:ext uri="{BB962C8B-B14F-4D97-AF65-F5344CB8AC3E}">
-        <p14:creationId xmlns:p14="http://schemas.microsoft.com/office/powerpoint/2010/main" val="3077687512"/>
+        <p14:creationId xmlns:p14="http://schemas.microsoft.com/office/powerpoint/2010/main" val="2085805183"/>
       </p:ext>
     </p:extLst>
   </p:cSld>
   <p:clrMapOvr>
     <a:masterClrMapping/>
   </p:clrMapOvr>
-  <p:timing>
-    <p:tnLst>
-      <p:par>
-        <p:cTn id="1" dur="indefinite" restart="never" nodeType="tmRoot">
-          <p:childTnLst>
-            <p:seq concurrent="1" nextAc="seek">
-              <p:cTn id="2" dur="indefinite" nodeType="mainSeq">
-                <p:childTnLst>
-                  <p:par>
-                    <p:cTn id="3" fill="hold">
-                      <p:stCondLst>
-                        <p:cond delay="indefinite"/>
-                      </p:stCondLst>
-                      <p:childTnLst>
-                        <p:par>
-                          <p:cTn id="4" fill="hold">
-                            <p:stCondLst>
-                              <p:cond delay="0"/>
-                            </p:stCondLst>
-                            <p:childTnLst>
-                              <p:par>
-                                <p:cTn id="5" presetID="1" presetClass="entr" presetSubtype="0" fill="hold" grpId="0" nodeType="clickEffect">
-                                  <p:stCondLst>
-                                    <p:cond delay="0"/>
-                                  </p:stCondLst>
-                                  <p:childTnLst>
-                                    <p:set>
-                                      <p:cBhvr>
-                                        <p:cTn id="6" dur="1" fill="hold">
-                                          <p:stCondLst>
-                                            <p:cond delay="0"/>
-                                          </p:stCondLst>
-                                        </p:cTn>
-                                        <p:tgtEl>
-                                          <p:spTgt spid="5"/>
-                                        </p:tgtEl>
-                                        <p:attrNameLst>
-                                          <p:attrName>style.visibility</p:attrName>
-                                        </p:attrNameLst>
-                                      </p:cBhvr>
-                                      <p:to>
-                                        <p:strVal val="visible"/>
-                                      </p:to>
-                                    </p:set>
-                                  </p:childTnLst>
-                                </p:cTn>
-                              </p:par>
-                            </p:childTnLst>
-                          </p:cTn>
-                        </p:par>
-                      </p:childTnLst>
-                    </p:cTn>
-                  </p:par>
-                </p:childTnLst>
-              </p:cTn>
-              <p:prevCondLst>
-                <p:cond evt="onPrev" delay="0">
-                  <p:tgtEl>
-                    <p:sldTgt/>
-                  </p:tgtEl>
-                </p:cond>
-              </p:prevCondLst>
-              <p:nextCondLst>
-                <p:cond evt="onNext" delay="0">
-                  <p:tgtEl>
-                    <p:sldTgt/>
-                  </p:tgtEl>
-                </p:cond>
-              </p:nextCondLst>
-            </p:seq>
-          </p:childTnLst>
-        </p:cTn>
-      </p:par>
-    </p:tnLst>
-    <p:bldLst>
-      <p:bldP spid="5" grpId="0" animBg="1"/>
-    </p:bldLst>
-  </p:timing>
 </p:sld>
 </file>
 
@@ -9968,7 +10032,13 @@
   <p:cSld>
     <p:spTree>
       <p:nvGrpSpPr>
-        <p:cNvPr id="1" name=""/>
+        <p:cNvPr id="1" name="">
+          <a:extLst>
+            <a:ext uri="{FF2B5EF4-FFF2-40B4-BE49-F238E27FC236}">
+              <a16:creationId xmlns:a16="http://schemas.microsoft.com/office/drawing/2014/main" id="{2B24E1C6-09F3-E2BD-DAD5-52F9D654D9D4}"/>
+            </a:ext>
+          </a:extLst>
+        </p:cNvPr>
         <p:cNvGrpSpPr/>
         <p:nvPr/>
       </p:nvGrpSpPr>
@@ -9980,846 +10050,77 @@
           <a:chExt cx="0" cy="0"/>
         </a:xfrm>
       </p:grpSpPr>
-      <p:sp>
-        <p:nvSpPr>
-          <p:cNvPr id="2" name="标题 1">
-            <a:extLst>
-              <a:ext uri="{FF2B5EF4-FFF2-40B4-BE49-F238E27FC236}">
-                <a16:creationId xmlns:a16="http://schemas.microsoft.com/office/drawing/2014/main" id="{BAD162F0-2175-84E9-2387-55F669162449}"/>
-              </a:ext>
-            </a:extLst>
-          </p:cNvPr>
-          <p:cNvSpPr>
-            <a:spLocks noGrp="1"/>
-          </p:cNvSpPr>
-          <p:nvPr>
-            <p:ph type="title"/>
-          </p:nvPr>
-        </p:nvSpPr>
-        <p:spPr/>
-        <p:txBody>
-          <a:bodyPr>
-            <a:normAutofit/>
-          </a:bodyPr>
-          <a:lstStyle/>
-          <a:p>
-            <a:r>
-              <a:rPr lang="en-US" altLang="zh-CN" dirty="0"/>
-              <a:t>19.3 </a:t>
-            </a:r>
-            <a:r>
-              <a:rPr lang="zh-CN" altLang="en-US" dirty="0"/>
-              <a:t>让用户拥有自己的数据</a:t>
-            </a:r>
-            <a:endParaRPr lang="en-US" altLang="zh-CN" dirty="0"/>
-          </a:p>
-        </p:txBody>
-      </p:sp>
-      <p:sp>
-        <p:nvSpPr>
-          <p:cNvPr id="3" name="内容占位符 2">
-            <a:extLst>
-              <a:ext uri="{FF2B5EF4-FFF2-40B4-BE49-F238E27FC236}">
-                <a16:creationId xmlns:a16="http://schemas.microsoft.com/office/drawing/2014/main" id="{0E2FC508-1AFD-A957-52F2-FA1DEF2A9D27}"/>
-              </a:ext>
-            </a:extLst>
-          </p:cNvPr>
-          <p:cNvSpPr>
-            <a:spLocks noGrp="1"/>
-          </p:cNvSpPr>
-          <p:nvPr>
-            <p:ph sz="half" idx="1"/>
-          </p:nvPr>
-        </p:nvSpPr>
-        <p:spPr/>
-        <p:txBody>
-          <a:bodyPr>
-            <a:normAutofit/>
-          </a:bodyPr>
-          <a:lstStyle/>
-          <a:p>
-            <a:endParaRPr lang="zh-CN" altLang="en-US" dirty="0"/>
-          </a:p>
-        </p:txBody>
-      </p:sp>
-      <p:sp>
-        <p:nvSpPr>
-          <p:cNvPr id="7" name="文本框 6">
-            <a:extLst>
-              <a:ext uri="{FF2B5EF4-FFF2-40B4-BE49-F238E27FC236}">
-                <a16:creationId xmlns:a16="http://schemas.microsoft.com/office/drawing/2014/main" id="{12C899D8-51C5-D9B7-A323-E6EFE4AB5C33}"/>
-              </a:ext>
-            </a:extLst>
-          </p:cNvPr>
-          <p:cNvSpPr txBox="1"/>
-          <p:nvPr/>
-        </p:nvSpPr>
+      <p:pic>
+        <p:nvPicPr>
+          <p:cNvPr id="4" name="内容占位符 3">
+            <a:extLst>
+              <a:ext uri="{FF2B5EF4-FFF2-40B4-BE49-F238E27FC236}">
+                <a16:creationId xmlns:a16="http://schemas.microsoft.com/office/drawing/2014/main" id="{28EFAD9C-0D07-658F-A3AF-84B9164D0346}"/>
+              </a:ext>
+            </a:extLst>
+          </p:cNvPr>
+          <p:cNvPicPr>
+            <a:picLocks noGrp="1" noChangeAspect="1"/>
+          </p:cNvPicPr>
+          <p:nvPr>
+            <p:ph idx="1"/>
+          </p:nvPr>
+        </p:nvPicPr>
+        <p:blipFill>
+          <a:blip r:embed="rId3"/>
+          <a:stretch>
+            <a:fillRect/>
+          </a:stretch>
+        </p:blipFill>
         <p:spPr>
           <a:xfrm>
-            <a:off x="5994400" y="1904003"/>
-            <a:ext cx="6115050" cy="2308324"/>
+            <a:off x="2762745" y="1890713"/>
+            <a:ext cx="6666510" cy="4351337"/>
           </a:xfrm>
-          <a:prstGeom prst="rect">
-            <a:avLst/>
-          </a:prstGeom>
-          <a:noFill/>
-          <a:ln>
-            <a:solidFill>
-              <a:schemeClr val="bg2"/>
-            </a:solidFill>
-          </a:ln>
         </p:spPr>
-        <p:txBody>
-          <a:bodyPr wrap="square">
-            <a:spAutoFit/>
-          </a:bodyPr>
+      </p:pic>
+      <p:sp>
+        <p:nvSpPr>
+          <p:cNvPr id="5" name="标题 4">
+            <a:extLst>
+              <a:ext uri="{FF2B5EF4-FFF2-40B4-BE49-F238E27FC236}">
+                <a16:creationId xmlns:a16="http://schemas.microsoft.com/office/drawing/2014/main" id="{AF504E4D-6156-D5CB-C55B-50AC8089EAE5}"/>
+              </a:ext>
+            </a:extLst>
+          </p:cNvPr>
+          <p:cNvSpPr>
+            <a:spLocks noGrp="1"/>
+          </p:cNvSpPr>
+          <p:nvPr>
+            <p:ph type="title"/>
+          </p:nvPr>
+        </p:nvSpPr>
+        <p:spPr/>
+        <p:txBody>
+          <a:bodyPr/>
           <a:lstStyle/>
           <a:p>
             <a:r>
-              <a:rPr lang="en-US" altLang="zh-CN" sz="2400" b="1" dirty="0">
-                <a:solidFill>
-                  <a:srgbClr val="0200BD"/>
-                </a:solidFill>
-                <a:effectLst/>
-                <a:latin typeface="Consolas" panose="020B0609020204030204" pitchFamily="49" charset="0"/>
-              </a:rPr>
-              <a:t>print</a:t>
-            </a:r>
-            <a:r>
-              <a:rPr lang="en-US" altLang="zh-CN" sz="2400" b="1" dirty="0">
-                <a:solidFill>
-                  <a:srgbClr val="3F9101"/>
-                </a:solidFill>
-                <a:effectLst/>
-                <a:latin typeface="Consolas" panose="020B0609020204030204" pitchFamily="49" charset="0"/>
-              </a:rPr>
-              <a:t>(</a:t>
-            </a:r>
-            <a:r>
-              <a:rPr lang="en-US" altLang="zh-CN" sz="2400" b="1" dirty="0">
-                <a:solidFill>
-                  <a:srgbClr val="2E6446"/>
-                </a:solidFill>
-                <a:effectLst/>
-                <a:latin typeface="Consolas" panose="020B0609020204030204" pitchFamily="49" charset="0"/>
-              </a:rPr>
-              <a:t>1</a:t>
-            </a:r>
-            <a:r>
-              <a:rPr lang="en-US" altLang="zh-CN" sz="2400" b="1" dirty="0">
-                <a:solidFill>
-                  <a:srgbClr val="63A35C"/>
-                </a:solidFill>
-                <a:effectLst/>
-                <a:latin typeface="Consolas" panose="020B0609020204030204" pitchFamily="49" charset="0"/>
-              </a:rPr>
-              <a:t>, </a:t>
-            </a:r>
-            <a:r>
-              <a:rPr lang="en-US" altLang="zh-CN" sz="2400" b="1" dirty="0">
-                <a:solidFill>
-                  <a:srgbClr val="2E6446"/>
-                </a:solidFill>
-                <a:effectLst/>
-                <a:latin typeface="Consolas" panose="020B0609020204030204" pitchFamily="49" charset="0"/>
-              </a:rPr>
-              <a:t>1_000_000</a:t>
-            </a:r>
-            <a:r>
-              <a:rPr lang="en-US" altLang="zh-CN" sz="2400" b="1" dirty="0">
-                <a:solidFill>
-                  <a:srgbClr val="63A35C"/>
-                </a:solidFill>
-                <a:effectLst/>
-                <a:latin typeface="Consolas" panose="020B0609020204030204" pitchFamily="49" charset="0"/>
-              </a:rPr>
-              <a:t>, </a:t>
-            </a:r>
-            <a:r>
-              <a:rPr lang="en-US" altLang="zh-CN" sz="2400" b="1" dirty="0">
-                <a:solidFill>
-                  <a:srgbClr val="2E6446"/>
-                </a:solidFill>
-                <a:effectLst/>
-                <a:latin typeface="Consolas" panose="020B0609020204030204" pitchFamily="49" charset="0"/>
-              </a:rPr>
-              <a:t>1.5</a:t>
-            </a:r>
-            <a:r>
-              <a:rPr lang="en-US" altLang="zh-CN" sz="2400" b="1" dirty="0">
-                <a:solidFill>
-                  <a:srgbClr val="3F9101"/>
-                </a:solidFill>
-                <a:effectLst/>
-                <a:latin typeface="Consolas" panose="020B0609020204030204" pitchFamily="49" charset="0"/>
-              </a:rPr>
-              <a:t>)</a:t>
-            </a:r>
-          </a:p>
-          <a:p>
-            <a:r>
-              <a:rPr lang="en-US" altLang="zh-CN" sz="2400" b="1" dirty="0">
-                <a:solidFill>
-                  <a:srgbClr val="0200BD"/>
-                </a:solidFill>
-                <a:effectLst/>
-                <a:latin typeface="Consolas" panose="020B0609020204030204" pitchFamily="49" charset="0"/>
-              </a:rPr>
-              <a:t>print</a:t>
-            </a:r>
-            <a:r>
-              <a:rPr lang="en-US" altLang="zh-CN" sz="2400" b="1" dirty="0">
-                <a:solidFill>
-                  <a:srgbClr val="3F9101"/>
-                </a:solidFill>
-                <a:effectLst/>
-                <a:latin typeface="Consolas" panose="020B0609020204030204" pitchFamily="49" charset="0"/>
-              </a:rPr>
-              <a:t>(</a:t>
-            </a:r>
-            <a:r>
-              <a:rPr lang="en-US" altLang="zh-CN" sz="2400" b="1" dirty="0">
-                <a:solidFill>
-                  <a:srgbClr val="9E58A3"/>
-                </a:solidFill>
-                <a:effectLst/>
-                <a:latin typeface="Consolas" panose="020B0609020204030204" pitchFamily="49" charset="0"/>
-              </a:rPr>
-              <a:t>True</a:t>
-            </a:r>
-            <a:r>
-              <a:rPr lang="en-US" altLang="zh-CN" sz="2400" b="1" dirty="0">
-                <a:solidFill>
-                  <a:srgbClr val="63A35C"/>
-                </a:solidFill>
-                <a:effectLst/>
-                <a:latin typeface="Consolas" panose="020B0609020204030204" pitchFamily="49" charset="0"/>
-              </a:rPr>
-              <a:t>, </a:t>
-            </a:r>
-            <a:r>
-              <a:rPr lang="en-US" altLang="zh-CN" sz="2400" b="1" dirty="0">
-                <a:solidFill>
-                  <a:srgbClr val="9E58A3"/>
-                </a:solidFill>
-                <a:effectLst/>
-                <a:latin typeface="Consolas" panose="020B0609020204030204" pitchFamily="49" charset="0"/>
-              </a:rPr>
-              <a:t>False</a:t>
-            </a:r>
-            <a:r>
-              <a:rPr lang="en-US" altLang="zh-CN" sz="2400" b="1" dirty="0">
-                <a:solidFill>
-                  <a:srgbClr val="3F9101"/>
-                </a:solidFill>
-                <a:effectLst/>
-                <a:latin typeface="Consolas" panose="020B0609020204030204" pitchFamily="49" charset="0"/>
-              </a:rPr>
-              <a:t>)  </a:t>
-            </a:r>
-            <a:r>
-              <a:rPr lang="en-US" altLang="zh-CN" sz="2400" b="1" dirty="0">
-                <a:solidFill>
-                  <a:srgbClr val="A05830"/>
-                </a:solidFill>
-                <a:effectLst/>
-                <a:latin typeface="Consolas" panose="020B0609020204030204" pitchFamily="49" charset="0"/>
-              </a:rPr>
-              <a:t># </a:t>
-            </a:r>
-            <a:r>
-              <a:rPr lang="zh-CN" altLang="en-US" sz="2400" b="1" dirty="0">
-                <a:solidFill>
-                  <a:srgbClr val="A05830"/>
-                </a:solidFill>
-                <a:effectLst/>
-                <a:latin typeface="宋体" panose="02010600030101010101" pitchFamily="2" charset="-122"/>
-                <a:ea typeface="宋体" panose="02010600030101010101" pitchFamily="2" charset="-122"/>
-              </a:rPr>
-              <a:t>布尔值</a:t>
-            </a:r>
-            <a:endParaRPr lang="en-US" altLang="zh-CN" sz="2400" b="1" dirty="0">
-              <a:solidFill>
-                <a:srgbClr val="A05830"/>
-              </a:solidFill>
-              <a:effectLst/>
-              <a:latin typeface="宋体" panose="02010600030101010101" pitchFamily="2" charset="-122"/>
-              <a:ea typeface="宋体" panose="02010600030101010101" pitchFamily="2" charset="-122"/>
-            </a:endParaRPr>
-          </a:p>
-          <a:p>
-            <a:r>
-              <a:rPr lang="en-US" altLang="zh-CN" sz="2400" b="1" dirty="0">
-                <a:solidFill>
-                  <a:srgbClr val="0200BD"/>
-                </a:solidFill>
-                <a:effectLst/>
-                <a:latin typeface="Consolas" panose="020B0609020204030204" pitchFamily="49" charset="0"/>
-              </a:rPr>
-              <a:t>print</a:t>
-            </a:r>
-            <a:r>
-              <a:rPr lang="en-US" altLang="zh-CN" sz="2400" b="1" dirty="0">
-                <a:solidFill>
-                  <a:srgbClr val="3F9101"/>
-                </a:solidFill>
-                <a:effectLst/>
-                <a:latin typeface="Consolas" panose="020B0609020204030204" pitchFamily="49" charset="0"/>
-              </a:rPr>
-              <a:t>(</a:t>
-            </a:r>
-            <a:r>
-              <a:rPr lang="en-US" altLang="zh-CN" sz="2400" b="1" dirty="0">
-                <a:solidFill>
-                  <a:srgbClr val="2E6446"/>
-                </a:solidFill>
-                <a:effectLst/>
-                <a:latin typeface="Consolas" panose="020B0609020204030204" pitchFamily="49" charset="0"/>
-              </a:rPr>
-              <a:t>1 </a:t>
-            </a:r>
-            <a:r>
-              <a:rPr lang="en-US" altLang="zh-CN" sz="2400" b="1" dirty="0">
-                <a:solidFill>
-                  <a:srgbClr val="A71D5D"/>
-                </a:solidFill>
-                <a:effectLst/>
-                <a:latin typeface="Consolas" panose="020B0609020204030204" pitchFamily="49" charset="0"/>
-              </a:rPr>
-              <a:t>+ </a:t>
-            </a:r>
-            <a:r>
-              <a:rPr lang="en-US" altLang="zh-CN" sz="2400" b="1" dirty="0">
-                <a:solidFill>
-                  <a:srgbClr val="2E6446"/>
-                </a:solidFill>
-                <a:effectLst/>
-                <a:latin typeface="Consolas" panose="020B0609020204030204" pitchFamily="49" charset="0"/>
-              </a:rPr>
-              <a:t>1</a:t>
-            </a:r>
-            <a:r>
-              <a:rPr lang="en-US" altLang="zh-CN" sz="2400" b="1" dirty="0">
-                <a:solidFill>
-                  <a:srgbClr val="63A35C"/>
-                </a:solidFill>
-                <a:effectLst/>
-                <a:latin typeface="Consolas" panose="020B0609020204030204" pitchFamily="49" charset="0"/>
-              </a:rPr>
-              <a:t>, </a:t>
-            </a:r>
-            <a:r>
-              <a:rPr lang="en-US" altLang="zh-CN" sz="2400" b="1" dirty="0">
-                <a:solidFill>
-                  <a:srgbClr val="2E6446"/>
-                </a:solidFill>
-                <a:effectLst/>
-                <a:latin typeface="Consolas" panose="020B0609020204030204" pitchFamily="49" charset="0"/>
-              </a:rPr>
-              <a:t>1.0 </a:t>
-            </a:r>
-            <a:r>
-              <a:rPr lang="en-US" altLang="zh-CN" sz="2400" b="1" dirty="0">
-                <a:solidFill>
-                  <a:srgbClr val="A71D5D"/>
-                </a:solidFill>
-                <a:effectLst/>
-                <a:latin typeface="Consolas" panose="020B0609020204030204" pitchFamily="49" charset="0"/>
-              </a:rPr>
-              <a:t>+ </a:t>
-            </a:r>
-            <a:r>
-              <a:rPr lang="en-US" altLang="zh-CN" sz="2400" b="1" dirty="0">
-                <a:solidFill>
-                  <a:srgbClr val="2E6446"/>
-                </a:solidFill>
-                <a:effectLst/>
-                <a:latin typeface="Consolas" panose="020B0609020204030204" pitchFamily="49" charset="0"/>
-              </a:rPr>
-              <a:t>1.0</a:t>
-            </a:r>
-            <a:r>
-              <a:rPr lang="en-US" altLang="zh-CN" sz="2400" b="1" dirty="0">
-                <a:solidFill>
-                  <a:srgbClr val="63A35C"/>
-                </a:solidFill>
-                <a:effectLst/>
-                <a:latin typeface="Consolas" panose="020B0609020204030204" pitchFamily="49" charset="0"/>
-              </a:rPr>
-              <a:t>, </a:t>
-            </a:r>
-            <a:r>
-              <a:rPr lang="en-US" altLang="zh-CN" sz="2400" b="1" dirty="0">
-                <a:solidFill>
-                  <a:srgbClr val="2E6446"/>
-                </a:solidFill>
-                <a:effectLst/>
-                <a:latin typeface="Consolas" panose="020B0609020204030204" pitchFamily="49" charset="0"/>
-              </a:rPr>
-              <a:t>1 </a:t>
-            </a:r>
-            <a:r>
-              <a:rPr lang="en-US" altLang="zh-CN" sz="2400" b="1" dirty="0">
-                <a:solidFill>
-                  <a:srgbClr val="A71D5D"/>
-                </a:solidFill>
-                <a:effectLst/>
-                <a:latin typeface="Consolas" panose="020B0609020204030204" pitchFamily="49" charset="0"/>
-              </a:rPr>
-              <a:t>+ </a:t>
-            </a:r>
-            <a:r>
-              <a:rPr lang="en-US" altLang="zh-CN" sz="2400" b="1" dirty="0">
-                <a:solidFill>
-                  <a:srgbClr val="2E6446"/>
-                </a:solidFill>
-                <a:effectLst/>
-                <a:latin typeface="Consolas" panose="020B0609020204030204" pitchFamily="49" charset="0"/>
-              </a:rPr>
-              <a:t>1.0</a:t>
-            </a:r>
-            <a:r>
-              <a:rPr lang="en-US" altLang="zh-CN" sz="2400" b="1" dirty="0">
-                <a:solidFill>
-                  <a:srgbClr val="3F9101"/>
-                </a:solidFill>
-                <a:effectLst/>
-                <a:latin typeface="Consolas" panose="020B0609020204030204" pitchFamily="49" charset="0"/>
-              </a:rPr>
-              <a:t>)</a:t>
-            </a:r>
-          </a:p>
-          <a:p>
-            <a:r>
-              <a:rPr lang="en-US" altLang="zh-CN" sz="2400" b="1" dirty="0">
-                <a:solidFill>
-                  <a:srgbClr val="A05830"/>
-                </a:solidFill>
-                <a:effectLst/>
-                <a:latin typeface="Consolas" panose="020B0609020204030204" pitchFamily="49" charset="0"/>
-              </a:rPr>
-              <a:t># </a:t>
-            </a:r>
-            <a:r>
-              <a:rPr lang="zh-CN" altLang="en-US" sz="2400" b="1" dirty="0">
-                <a:solidFill>
-                  <a:srgbClr val="A05830"/>
-                </a:solidFill>
-                <a:effectLst/>
-                <a:latin typeface="宋体" panose="02010600030101010101" pitchFamily="2" charset="-122"/>
-                <a:ea typeface="宋体" panose="02010600030101010101" pitchFamily="2" charset="-122"/>
-              </a:rPr>
-              <a:t>乘方、除法、整除法（向下取整）和求模</a:t>
-            </a:r>
-            <a:br>
-              <a:rPr lang="zh-CN" altLang="en-US" sz="2400" b="1" dirty="0">
-                <a:solidFill>
-                  <a:srgbClr val="A05830"/>
-                </a:solidFill>
-                <a:effectLst/>
-                <a:latin typeface="宋体" panose="02010600030101010101" pitchFamily="2" charset="-122"/>
-                <a:ea typeface="宋体" panose="02010600030101010101" pitchFamily="2" charset="-122"/>
-              </a:rPr>
-            </a:br>
-            <a:r>
-              <a:rPr lang="en-US" altLang="zh-CN" sz="2400" b="1" dirty="0">
-                <a:solidFill>
-                  <a:srgbClr val="0200BD"/>
-                </a:solidFill>
-                <a:effectLst/>
-                <a:latin typeface="Consolas" panose="020B0609020204030204" pitchFamily="49" charset="0"/>
-              </a:rPr>
-              <a:t>print</a:t>
-            </a:r>
-            <a:r>
-              <a:rPr lang="en-US" altLang="zh-CN" sz="2400" b="1" dirty="0">
-                <a:solidFill>
-                  <a:srgbClr val="3F9101"/>
-                </a:solidFill>
-                <a:effectLst/>
-                <a:latin typeface="Consolas" panose="020B0609020204030204" pitchFamily="49" charset="0"/>
-              </a:rPr>
-              <a:t>(</a:t>
-            </a:r>
-            <a:r>
-              <a:rPr lang="en-US" altLang="zh-CN" sz="2400" b="1" dirty="0">
-                <a:solidFill>
-                  <a:srgbClr val="2E6446"/>
-                </a:solidFill>
-                <a:effectLst/>
-                <a:latin typeface="Consolas" panose="020B0609020204030204" pitchFamily="49" charset="0"/>
-              </a:rPr>
-              <a:t>3 </a:t>
-            </a:r>
-            <a:r>
-              <a:rPr lang="en-US" altLang="zh-CN" sz="2400" b="1" dirty="0">
-                <a:solidFill>
-                  <a:srgbClr val="A71D5D"/>
-                </a:solidFill>
-                <a:effectLst/>
-                <a:latin typeface="Consolas" panose="020B0609020204030204" pitchFamily="49" charset="0"/>
-              </a:rPr>
-              <a:t>** </a:t>
-            </a:r>
-            <a:r>
-              <a:rPr lang="en-US" altLang="zh-CN" sz="2400" b="1" dirty="0">
-                <a:solidFill>
-                  <a:srgbClr val="2E6446"/>
-                </a:solidFill>
-                <a:effectLst/>
-                <a:latin typeface="Consolas" panose="020B0609020204030204" pitchFamily="49" charset="0"/>
-              </a:rPr>
-              <a:t>2</a:t>
-            </a:r>
-            <a:r>
-              <a:rPr lang="en-US" altLang="zh-CN" sz="2400" b="1" dirty="0">
-                <a:solidFill>
-                  <a:srgbClr val="63A35C"/>
-                </a:solidFill>
-                <a:effectLst/>
-                <a:latin typeface="Consolas" panose="020B0609020204030204" pitchFamily="49" charset="0"/>
-              </a:rPr>
-              <a:t>, </a:t>
-            </a:r>
-            <a:r>
-              <a:rPr lang="en-US" altLang="zh-CN" sz="2400" b="1" dirty="0">
-                <a:solidFill>
-                  <a:srgbClr val="2E6446"/>
-                </a:solidFill>
-                <a:effectLst/>
-                <a:latin typeface="Consolas" panose="020B0609020204030204" pitchFamily="49" charset="0"/>
-              </a:rPr>
-              <a:t>3 </a:t>
-            </a:r>
-            <a:r>
-              <a:rPr lang="en-US" altLang="zh-CN" sz="2400" b="1" dirty="0">
-                <a:solidFill>
-                  <a:srgbClr val="A71D5D"/>
-                </a:solidFill>
-                <a:effectLst/>
-                <a:latin typeface="Consolas" panose="020B0609020204030204" pitchFamily="49" charset="0"/>
-              </a:rPr>
-              <a:t>/ </a:t>
-            </a:r>
-            <a:r>
-              <a:rPr lang="en-US" altLang="zh-CN" sz="2400" b="1" dirty="0">
-                <a:solidFill>
-                  <a:srgbClr val="2E6446"/>
-                </a:solidFill>
-                <a:effectLst/>
-                <a:latin typeface="Consolas" panose="020B0609020204030204" pitchFamily="49" charset="0"/>
-              </a:rPr>
-              <a:t>2</a:t>
-            </a:r>
-            <a:r>
-              <a:rPr lang="en-US" altLang="zh-CN" sz="2400" b="1" dirty="0">
-                <a:solidFill>
-                  <a:srgbClr val="63A35C"/>
-                </a:solidFill>
-                <a:effectLst/>
-                <a:latin typeface="Consolas" panose="020B0609020204030204" pitchFamily="49" charset="0"/>
-              </a:rPr>
-              <a:t>, </a:t>
-            </a:r>
-            <a:r>
-              <a:rPr lang="en-US" altLang="zh-CN" sz="2400" b="1" dirty="0">
-                <a:solidFill>
-                  <a:srgbClr val="2E6446"/>
-                </a:solidFill>
-                <a:effectLst/>
-                <a:latin typeface="Consolas" panose="020B0609020204030204" pitchFamily="49" charset="0"/>
-              </a:rPr>
-              <a:t>3 </a:t>
-            </a:r>
-            <a:r>
-              <a:rPr lang="en-US" altLang="zh-CN" sz="2400" b="1" dirty="0">
-                <a:solidFill>
-                  <a:srgbClr val="A71D5D"/>
-                </a:solidFill>
-                <a:effectLst/>
-                <a:latin typeface="Consolas" panose="020B0609020204030204" pitchFamily="49" charset="0"/>
-              </a:rPr>
-              <a:t>// </a:t>
-            </a:r>
-            <a:r>
-              <a:rPr lang="en-US" altLang="zh-CN" sz="2400" b="1" dirty="0">
-                <a:solidFill>
-                  <a:srgbClr val="2E6446"/>
-                </a:solidFill>
-                <a:effectLst/>
-                <a:latin typeface="Consolas" panose="020B0609020204030204" pitchFamily="49" charset="0"/>
-              </a:rPr>
-              <a:t>2</a:t>
-            </a:r>
-            <a:r>
-              <a:rPr lang="en-US" altLang="zh-CN" sz="2400" b="1" dirty="0">
-                <a:solidFill>
-                  <a:srgbClr val="63A35C"/>
-                </a:solidFill>
-                <a:effectLst/>
-                <a:latin typeface="Consolas" panose="020B0609020204030204" pitchFamily="49" charset="0"/>
-              </a:rPr>
-              <a:t>, </a:t>
-            </a:r>
-            <a:r>
-              <a:rPr lang="en-US" altLang="zh-CN" sz="2400" b="1" dirty="0">
-                <a:solidFill>
-                  <a:srgbClr val="2E6446"/>
-                </a:solidFill>
-                <a:effectLst/>
-                <a:latin typeface="Consolas" panose="020B0609020204030204" pitchFamily="49" charset="0"/>
-              </a:rPr>
-              <a:t>5 </a:t>
-            </a:r>
-            <a:r>
-              <a:rPr lang="en-US" altLang="zh-CN" sz="2400" b="1" dirty="0">
-                <a:solidFill>
-                  <a:srgbClr val="A71D5D"/>
-                </a:solidFill>
-                <a:effectLst/>
-                <a:latin typeface="Consolas" panose="020B0609020204030204" pitchFamily="49" charset="0"/>
-              </a:rPr>
-              <a:t>% </a:t>
-            </a:r>
-            <a:r>
-              <a:rPr lang="en-US" altLang="zh-CN" sz="2400" b="1" dirty="0">
-                <a:solidFill>
-                  <a:srgbClr val="2E6446"/>
-                </a:solidFill>
-                <a:effectLst/>
-                <a:latin typeface="Consolas" panose="020B0609020204030204" pitchFamily="49" charset="0"/>
-              </a:rPr>
-              <a:t>2</a:t>
-            </a:r>
-            <a:r>
-              <a:rPr lang="en-US" altLang="zh-CN" sz="2400" b="1" dirty="0">
-                <a:solidFill>
-                  <a:srgbClr val="3F9101"/>
-                </a:solidFill>
-                <a:effectLst/>
-                <a:latin typeface="Consolas" panose="020B0609020204030204" pitchFamily="49" charset="0"/>
-              </a:rPr>
-              <a:t>)</a:t>
-            </a:r>
-            <a:br>
-              <a:rPr lang="en-US" altLang="zh-CN" sz="2400" b="1" dirty="0">
-                <a:solidFill>
-                  <a:srgbClr val="3F9101"/>
-                </a:solidFill>
-                <a:effectLst/>
-                <a:latin typeface="Consolas" panose="020B0609020204030204" pitchFamily="49" charset="0"/>
-              </a:rPr>
-            </a:br>
-            <a:endParaRPr lang="en-US" altLang="zh-CN" sz="2400" b="1" dirty="0">
-              <a:solidFill>
-                <a:srgbClr val="333333"/>
-              </a:solidFill>
-              <a:effectLst/>
-              <a:latin typeface="Consolas" panose="020B0609020204030204" pitchFamily="49" charset="0"/>
-            </a:endParaRPr>
-          </a:p>
-        </p:txBody>
-      </p:sp>
-      <p:sp>
-        <p:nvSpPr>
-          <p:cNvPr id="5" name="文本框 4">
-            <a:extLst>
-              <a:ext uri="{FF2B5EF4-FFF2-40B4-BE49-F238E27FC236}">
-                <a16:creationId xmlns:a16="http://schemas.microsoft.com/office/drawing/2014/main" id="{B7A8CE03-6A77-60EC-056E-D7A0019640A3}"/>
-              </a:ext>
-            </a:extLst>
-          </p:cNvPr>
-          <p:cNvSpPr txBox="1"/>
-          <p:nvPr/>
-        </p:nvSpPr>
-        <p:spPr>
-          <a:xfrm>
-            <a:off x="7356476" y="4412579"/>
-            <a:ext cx="3390898" cy="1938992"/>
-          </a:xfrm>
-          <a:prstGeom prst="rect">
-            <a:avLst/>
-          </a:prstGeom>
-          <a:noFill/>
-          <a:ln>
-            <a:solidFill>
-              <a:schemeClr val="bg2"/>
-            </a:solidFill>
-          </a:ln>
-        </p:spPr>
-        <p:txBody>
-          <a:bodyPr wrap="square">
-            <a:spAutoFit/>
-          </a:bodyPr>
-          <a:lstStyle/>
-          <a:p>
-            <a:r>
-              <a:rPr lang="zh-CN" altLang="en-US" sz="2400" b="1" dirty="0">
-                <a:solidFill>
-                  <a:srgbClr val="333333"/>
-                </a:solidFill>
-                <a:highlight>
-                  <a:srgbClr val="C0C0C0"/>
-                </a:highlight>
-                <a:latin typeface="Consolas" panose="020B0609020204030204" pitchFamily="49" charset="0"/>
-              </a:rPr>
-              <a:t>运行结果</a:t>
-            </a:r>
-            <a:endParaRPr lang="en-US" altLang="zh-CN" sz="2400" b="1" dirty="0">
-              <a:solidFill>
-                <a:srgbClr val="333333"/>
-              </a:solidFill>
-              <a:highlight>
-                <a:srgbClr val="C0C0C0"/>
-              </a:highlight>
-              <a:latin typeface="Consolas" panose="020B0609020204030204" pitchFamily="49" charset="0"/>
-            </a:endParaRPr>
-          </a:p>
-          <a:p>
-            <a:r>
-              <a:rPr lang="da-DK" altLang="zh-CN" sz="2400" dirty="0">
-                <a:solidFill>
-                  <a:srgbClr val="333333"/>
-                </a:solidFill>
-                <a:effectLst/>
-                <a:latin typeface="Consolas" panose="020B0609020204030204" pitchFamily="49" charset="0"/>
-              </a:rPr>
-              <a:t>1 1000000 1.5</a:t>
-            </a:r>
-          </a:p>
-          <a:p>
-            <a:r>
-              <a:rPr lang="da-DK" altLang="zh-CN" sz="2400" dirty="0">
-                <a:solidFill>
-                  <a:srgbClr val="333333"/>
-                </a:solidFill>
-                <a:effectLst/>
-                <a:latin typeface="Consolas" panose="020B0609020204030204" pitchFamily="49" charset="0"/>
-              </a:rPr>
-              <a:t>True False</a:t>
-            </a:r>
-          </a:p>
-          <a:p>
-            <a:r>
-              <a:rPr lang="da-DK" altLang="zh-CN" sz="2400" dirty="0">
-                <a:solidFill>
-                  <a:srgbClr val="333333"/>
-                </a:solidFill>
-                <a:effectLst/>
-                <a:latin typeface="Consolas" panose="020B0609020204030204" pitchFamily="49" charset="0"/>
-              </a:rPr>
-              <a:t>2 2.0 2.0</a:t>
-            </a:r>
-          </a:p>
-          <a:p>
-            <a:r>
-              <a:rPr lang="da-DK" altLang="zh-CN" sz="2400" dirty="0">
-                <a:solidFill>
-                  <a:srgbClr val="333333"/>
-                </a:solidFill>
-                <a:effectLst/>
-                <a:latin typeface="Consolas" panose="020B0609020204030204" pitchFamily="49" charset="0"/>
-              </a:rPr>
-              <a:t>9 1.5 1 1</a:t>
-            </a:r>
-            <a:endParaRPr lang="pl-PL" altLang="zh-CN" sz="2400" dirty="0">
-              <a:solidFill>
-                <a:srgbClr val="333333"/>
-              </a:solidFill>
-              <a:effectLst/>
-              <a:latin typeface="Consolas" panose="020B0609020204030204" pitchFamily="49" charset="0"/>
-            </a:endParaRPr>
+              <a:rPr lang="en-US" altLang="zh-CN" dirty="0"/>
+              <a:t>19.1.1 </a:t>
+            </a:r>
+            <a:r>
+              <a:rPr lang="zh-CN" altLang="en-US" dirty="0"/>
+              <a:t>添加新主题</a:t>
+            </a:r>
           </a:p>
         </p:txBody>
       </p:sp>
     </p:spTree>
     <p:extLst>
       <p:ext uri="{BB962C8B-B14F-4D97-AF65-F5344CB8AC3E}">
-        <p14:creationId xmlns:p14="http://schemas.microsoft.com/office/powerpoint/2010/main" val="2639999144"/>
+        <p14:creationId xmlns:p14="http://schemas.microsoft.com/office/powerpoint/2010/main" val="3744132658"/>
       </p:ext>
     </p:extLst>
   </p:cSld>
   <p:clrMapOvr>
     <a:masterClrMapping/>
   </p:clrMapOvr>
-  <p:timing>
-    <p:tnLst>
-      <p:par>
-        <p:cTn id="1" dur="indefinite" restart="never" nodeType="tmRoot">
-          <p:childTnLst>
-            <p:seq concurrent="1" nextAc="seek">
-              <p:cTn id="2" dur="indefinite" nodeType="mainSeq">
-                <p:childTnLst>
-                  <p:par>
-                    <p:cTn id="3" fill="hold">
-                      <p:stCondLst>
-                        <p:cond delay="indefinite"/>
-                      </p:stCondLst>
-                      <p:childTnLst>
-                        <p:par>
-                          <p:cTn id="4" fill="hold">
-                            <p:stCondLst>
-                              <p:cond delay="0"/>
-                            </p:stCondLst>
-                            <p:childTnLst>
-                              <p:par>
-                                <p:cTn id="5" presetID="1" presetClass="entr" presetSubtype="0" fill="hold" grpId="0" nodeType="clickEffect">
-                                  <p:stCondLst>
-                                    <p:cond delay="0"/>
-                                  </p:stCondLst>
-                                  <p:childTnLst>
-                                    <p:set>
-                                      <p:cBhvr>
-                                        <p:cTn id="6" dur="1" fill="hold">
-                                          <p:stCondLst>
-                                            <p:cond delay="0"/>
-                                          </p:stCondLst>
-                                        </p:cTn>
-                                        <p:tgtEl>
-                                          <p:spTgt spid="5"/>
-                                        </p:tgtEl>
-                                        <p:attrNameLst>
-                                          <p:attrName>style.visibility</p:attrName>
-                                        </p:attrNameLst>
-                                      </p:cBhvr>
-                                      <p:to>
-                                        <p:strVal val="visible"/>
-                                      </p:to>
-                                    </p:set>
-                                  </p:childTnLst>
-                                </p:cTn>
-                              </p:par>
-                            </p:childTnLst>
-                          </p:cTn>
-                        </p:par>
-                      </p:childTnLst>
-                    </p:cTn>
-                  </p:par>
-                </p:childTnLst>
-              </p:cTn>
-              <p:prevCondLst>
-                <p:cond evt="onPrev" delay="0">
-                  <p:tgtEl>
-                    <p:sldTgt/>
-                  </p:tgtEl>
-                </p:cond>
-              </p:prevCondLst>
-              <p:nextCondLst>
-                <p:cond evt="onNext" delay="0">
-                  <p:tgtEl>
-                    <p:sldTgt/>
-                  </p:tgtEl>
-                </p:cond>
-              </p:nextCondLst>
-            </p:seq>
-          </p:childTnLst>
-        </p:cTn>
-      </p:par>
-    </p:tnLst>
-    <p:bldLst>
-      <p:bldP spid="5" grpId="0" animBg="1"/>
-    </p:bldLst>
-  </p:timing>
 </p:sld>
 </file>
 
@@ -10828,7 +10129,13 @@
   <p:cSld>
     <p:spTree>
       <p:nvGrpSpPr>
-        <p:cNvPr id="1" name=""/>
+        <p:cNvPr id="1" name="">
+          <a:extLst>
+            <a:ext uri="{FF2B5EF4-FFF2-40B4-BE49-F238E27FC236}">
+              <a16:creationId xmlns:a16="http://schemas.microsoft.com/office/drawing/2014/main" id="{4081248B-898B-6D0E-CCC2-1EE1E26FB61D}"/>
+            </a:ext>
+          </a:extLst>
+        </p:cNvPr>
         <p:cNvGrpSpPr/>
         <p:nvPr/>
       </p:nvGrpSpPr>
@@ -10842,10 +10149,10 @@
       </p:grpSpPr>
       <p:sp>
         <p:nvSpPr>
-          <p:cNvPr id="2" name="标题 1">
-            <a:extLst>
-              <a:ext uri="{FF2B5EF4-FFF2-40B4-BE49-F238E27FC236}">
-                <a16:creationId xmlns:a16="http://schemas.microsoft.com/office/drawing/2014/main" id="{1CBF67D3-549D-0623-7687-618F66C7933B}"/>
+          <p:cNvPr id="5" name="标题 4">
+            <a:extLst>
+              <a:ext uri="{FF2B5EF4-FFF2-40B4-BE49-F238E27FC236}">
+                <a16:creationId xmlns:a16="http://schemas.microsoft.com/office/drawing/2014/main" id="{057ABD6A-E693-2588-3249-6D2B2B65134D}"/>
               </a:ext>
             </a:extLst>
           </p:cNvPr>
@@ -10858,77 +10165,53 @@
         </p:nvSpPr>
         <p:spPr/>
         <p:txBody>
-          <a:bodyPr>
-            <a:normAutofit/>
-          </a:bodyPr>
+          <a:bodyPr/>
           <a:lstStyle/>
           <a:p>
             <a:r>
               <a:rPr lang="en-US" altLang="zh-CN" dirty="0"/>
-              <a:t>19.4 </a:t>
+              <a:t>19.1.2 </a:t>
             </a:r>
             <a:r>
               <a:rPr lang="zh-CN" altLang="en-US" dirty="0"/>
-              <a:t>小结</a:t>
-            </a:r>
-            <a:endParaRPr lang="en-US" altLang="zh-CN" dirty="0"/>
-          </a:p>
-        </p:txBody>
-      </p:sp>
-      <p:sp>
-        <p:nvSpPr>
-          <p:cNvPr id="5" name="内容占位符 4">
-            <a:extLst>
-              <a:ext uri="{FF2B5EF4-FFF2-40B4-BE49-F238E27FC236}">
-                <a16:creationId xmlns:a16="http://schemas.microsoft.com/office/drawing/2014/main" id="{27E734E7-DC50-2043-E0F4-ADDF97100AAB}"/>
-              </a:ext>
-            </a:extLst>
-          </p:cNvPr>
-          <p:cNvSpPr>
-            <a:spLocks noGrp="1"/>
-          </p:cNvSpPr>
+              <a:t>添加新条目</a:t>
+            </a:r>
+          </a:p>
+        </p:txBody>
+      </p:sp>
+      <p:pic>
+        <p:nvPicPr>
+          <p:cNvPr id="8" name="内容占位符 7">
+            <a:extLst>
+              <a:ext uri="{FF2B5EF4-FFF2-40B4-BE49-F238E27FC236}">
+                <a16:creationId xmlns:a16="http://schemas.microsoft.com/office/drawing/2014/main" id="{4E0E8993-F70A-90BE-1D0C-0223A10B8EDB}"/>
+              </a:ext>
+            </a:extLst>
+          </p:cNvPr>
+          <p:cNvPicPr>
+            <a:picLocks noGrp="1" noChangeAspect="1"/>
+          </p:cNvPicPr>
           <p:nvPr>
             <p:ph idx="1"/>
           </p:nvPr>
-        </p:nvSpPr>
-        <p:spPr/>
-        <p:txBody>
-          <a:bodyPr>
-            <a:normAutofit/>
-          </a:bodyPr>
-          <a:lstStyle/>
-          <a:p>
-            <a:pPr>
-              <a:lnSpc>
-                <a:spcPct val="100000"/>
-              </a:lnSpc>
-            </a:pPr>
-            <a:r>
-              <a:rPr lang="zh-CN" altLang="en-US" dirty="0"/>
-              <a:t>学习了</a:t>
-            </a:r>
-            <a:endParaRPr lang="en-US" altLang="zh-CN" dirty="0"/>
-          </a:p>
-          <a:p>
-            <a:pPr>
-              <a:lnSpc>
-                <a:spcPct val="100000"/>
-              </a:lnSpc>
-            </a:pPr>
-            <a:endParaRPr lang="en-US" altLang="zh-CN" dirty="0"/>
-          </a:p>
-          <a:p>
-            <a:r>
-              <a:rPr lang="zh-CN" altLang="en-US" dirty="0"/>
-              <a:t>在下一章中，我们将学习</a:t>
-            </a:r>
-          </a:p>
-        </p:txBody>
-      </p:sp>
+        </p:nvPicPr>
+        <p:blipFill>
+          <a:blip r:embed="rId3"/>
+          <a:stretch>
+            <a:fillRect/>
+          </a:stretch>
+        </p:blipFill>
+        <p:spPr>
+          <a:xfrm>
+            <a:off x="2346132" y="2024751"/>
+            <a:ext cx="7499735" cy="4083260"/>
+          </a:xfrm>
+        </p:spPr>
+      </p:pic>
     </p:spTree>
     <p:extLst>
       <p:ext uri="{BB962C8B-B14F-4D97-AF65-F5344CB8AC3E}">
-        <p14:creationId xmlns:p14="http://schemas.microsoft.com/office/powerpoint/2010/main" val="364430658"/>
+        <p14:creationId xmlns:p14="http://schemas.microsoft.com/office/powerpoint/2010/main" val="1027132083"/>
       </p:ext>
     </p:extLst>
   </p:cSld>
@@ -10943,7 +10226,13 @@
   <p:cSld>
     <p:spTree>
       <p:nvGrpSpPr>
-        <p:cNvPr id="1" name=""/>
+        <p:cNvPr id="1" name="">
+          <a:extLst>
+            <a:ext uri="{FF2B5EF4-FFF2-40B4-BE49-F238E27FC236}">
+              <a16:creationId xmlns:a16="http://schemas.microsoft.com/office/drawing/2014/main" id="{1FD2ED7A-8854-34EA-6103-0193A7C31AE9}"/>
+            </a:ext>
+          </a:extLst>
+        </p:cNvPr>
         <p:cNvGrpSpPr/>
         <p:nvPr/>
       </p:nvGrpSpPr>
@@ -10957,10 +10246,10 @@
       </p:grpSpPr>
       <p:sp>
         <p:nvSpPr>
-          <p:cNvPr id="2" name="标题 1">
-            <a:extLst>
-              <a:ext uri="{FF2B5EF4-FFF2-40B4-BE49-F238E27FC236}">
-                <a16:creationId xmlns:a16="http://schemas.microsoft.com/office/drawing/2014/main" id="{ABA783DF-49A6-7EF1-661E-C574E2C2F386}"/>
+          <p:cNvPr id="5" name="标题 4">
+            <a:extLst>
+              <a:ext uri="{FF2B5EF4-FFF2-40B4-BE49-F238E27FC236}">
+                <a16:creationId xmlns:a16="http://schemas.microsoft.com/office/drawing/2014/main" id="{DE703571-092A-7015-C5AA-B1AB40F78F60}"/>
               </a:ext>
             </a:extLst>
           </p:cNvPr>
@@ -10977,206 +10266,203 @@
           <a:lstStyle/>
           <a:p>
             <a:r>
-              <a:rPr lang="zh-CN" altLang="en-US" dirty="0">
-                <a:effectLst>
-                  <a:outerShdw blurRad="38100" dist="38100" dir="2700000" algn="tl">
-                    <a:srgbClr val="000000">
-                      <a:alpha val="43137"/>
-                    </a:srgbClr>
-                  </a:outerShdw>
-                </a:effectLst>
-              </a:rPr>
-              <a:t>课后拓展</a:t>
-            </a:r>
-          </a:p>
-        </p:txBody>
-      </p:sp>
-      <p:sp>
-        <p:nvSpPr>
-          <p:cNvPr id="3" name="内容占位符 2">
-            <a:extLst>
-              <a:ext uri="{FF2B5EF4-FFF2-40B4-BE49-F238E27FC236}">
-                <a16:creationId xmlns:a16="http://schemas.microsoft.com/office/drawing/2014/main" id="{9E0BA8B8-92DA-1AC9-79B9-A552D184BB54}"/>
-              </a:ext>
-            </a:extLst>
-          </p:cNvPr>
-          <p:cNvSpPr>
-            <a:spLocks noGrp="1"/>
-          </p:cNvSpPr>
+              <a:rPr lang="en-US" altLang="zh-CN" dirty="0"/>
+              <a:t>19.1.3 </a:t>
+            </a:r>
+            <a:r>
+              <a:rPr lang="zh-CN" altLang="en-US" dirty="0"/>
+              <a:t>编辑条目</a:t>
+            </a:r>
+          </a:p>
+        </p:txBody>
+      </p:sp>
+      <p:pic>
+        <p:nvPicPr>
+          <p:cNvPr id="6" name="内容占位符 5">
+            <a:extLst>
+              <a:ext uri="{FF2B5EF4-FFF2-40B4-BE49-F238E27FC236}">
+                <a16:creationId xmlns:a16="http://schemas.microsoft.com/office/drawing/2014/main" id="{DFB8548A-6E5D-D5F6-13E3-33CAFA4FBD19}"/>
+              </a:ext>
+            </a:extLst>
+          </p:cNvPr>
+          <p:cNvPicPr>
+            <a:picLocks noGrp="1" noChangeAspect="1"/>
+          </p:cNvPicPr>
           <p:nvPr>
             <p:ph idx="1"/>
           </p:nvPr>
-        </p:nvSpPr>
-        <p:spPr/>
-        <p:txBody>
-          <a:bodyPr>
-            <a:normAutofit/>
-          </a:bodyPr>
-          <a:lstStyle/>
-          <a:p>
-            <a:r>
-              <a:rPr lang="en-US" altLang="zh-CN" dirty="0"/>
-              <a:t>1</a:t>
-            </a:r>
-          </a:p>
-          <a:p>
-            <a:endParaRPr lang="en-US" altLang="zh-CN" dirty="0"/>
-          </a:p>
-          <a:p>
-            <a:pPr marL="0" indent="0">
-              <a:buNone/>
-            </a:pPr>
-            <a:endParaRPr lang="en-US" altLang="zh-CN" dirty="0"/>
-          </a:p>
-          <a:p>
-            <a:pPr marL="0" indent="0">
-              <a:buNone/>
-            </a:pPr>
-            <a:r>
-              <a:rPr lang="zh-CN" altLang="en-US" dirty="0">
-                <a:highlight>
-                  <a:srgbClr val="C0C0C0"/>
-                </a:highlight>
-              </a:rPr>
-              <a:t>可选拓展</a:t>
-            </a:r>
-            <a:endParaRPr lang="en-US" altLang="zh-CN" dirty="0">
-              <a:highlight>
-                <a:srgbClr val="C0C0C0"/>
-              </a:highlight>
-            </a:endParaRPr>
-          </a:p>
-          <a:p>
-            <a:r>
-              <a:rPr lang="en-US" altLang="zh-CN" dirty="0"/>
-              <a:t>1</a:t>
-            </a:r>
-          </a:p>
-        </p:txBody>
-      </p:sp>
+        </p:nvPicPr>
+        <p:blipFill>
+          <a:blip r:embed="rId3"/>
+          <a:stretch>
+            <a:fillRect/>
+          </a:stretch>
+        </p:blipFill>
+        <p:spPr>
+          <a:xfrm>
+            <a:off x="3448855" y="1890713"/>
+            <a:ext cx="5294290" cy="4351337"/>
+          </a:xfrm>
+        </p:spPr>
+      </p:pic>
     </p:spTree>
     <p:extLst>
       <p:ext uri="{BB962C8B-B14F-4D97-AF65-F5344CB8AC3E}">
-        <p14:creationId xmlns:p14="http://schemas.microsoft.com/office/powerpoint/2010/main" val="4253267239"/>
+        <p14:creationId xmlns:p14="http://schemas.microsoft.com/office/powerpoint/2010/main" val="900882700"/>
       </p:ext>
     </p:extLst>
   </p:cSld>
   <p:clrMapOvr>
     <a:masterClrMapping/>
   </p:clrMapOvr>
-  <p:timing>
-    <p:tnLst>
-      <p:par>
-        <p:cTn id="1" dur="indefinite" restart="never" nodeType="tmRoot">
-          <p:childTnLst>
-            <p:seq concurrent="1" nextAc="seek">
-              <p:cTn id="2" dur="indefinite" nodeType="mainSeq">
-                <p:childTnLst>
-                  <p:par>
-                    <p:cTn id="3" fill="hold">
-                      <p:stCondLst>
-                        <p:cond delay="indefinite"/>
-                      </p:stCondLst>
-                      <p:childTnLst>
-                        <p:par>
-                          <p:cTn id="4" fill="hold">
-                            <p:stCondLst>
-                              <p:cond delay="0"/>
-                            </p:stCondLst>
-                            <p:childTnLst>
-                              <p:par>
-                                <p:cTn id="5" presetID="1" presetClass="entr" presetSubtype="0" fill="hold" grpId="0" nodeType="clickEffect">
-                                  <p:stCondLst>
-                                    <p:cond delay="0"/>
-                                  </p:stCondLst>
-                                  <p:childTnLst>
-                                    <p:set>
-                                      <p:cBhvr>
-                                        <p:cTn id="6" dur="1" fill="hold">
-                                          <p:stCondLst>
-                                            <p:cond delay="0"/>
-                                          </p:stCondLst>
-                                        </p:cTn>
-                                        <p:tgtEl>
-                                          <p:spTgt spid="3">
-                                            <p:txEl>
-                                              <p:pRg st="3" end="3"/>
-                                            </p:txEl>
-                                          </p:spTgt>
-                                        </p:tgtEl>
-                                        <p:attrNameLst>
-                                          <p:attrName>style.visibility</p:attrName>
-                                        </p:attrNameLst>
-                                      </p:cBhvr>
-                                      <p:to>
-                                        <p:strVal val="visible"/>
-                                      </p:to>
-                                    </p:set>
-                                  </p:childTnLst>
-                                </p:cTn>
-                              </p:par>
-                              <p:par>
-                                <p:cTn id="7" presetID="1" presetClass="entr" presetSubtype="0" fill="hold" grpId="0" nodeType="withEffect">
-                                  <p:stCondLst>
-                                    <p:cond delay="0"/>
-                                  </p:stCondLst>
-                                  <p:childTnLst>
-                                    <p:set>
-                                      <p:cBhvr>
-                                        <p:cTn id="8" dur="1" fill="hold">
-                                          <p:stCondLst>
-                                            <p:cond delay="0"/>
-                                          </p:stCondLst>
-                                        </p:cTn>
-                                        <p:tgtEl>
-                                          <p:spTgt spid="3">
-                                            <p:txEl>
-                                              <p:pRg st="4" end="4"/>
-                                            </p:txEl>
-                                          </p:spTgt>
-                                        </p:tgtEl>
-                                        <p:attrNameLst>
-                                          <p:attrName>style.visibility</p:attrName>
-                                        </p:attrNameLst>
-                                      </p:cBhvr>
-                                      <p:to>
-                                        <p:strVal val="visible"/>
-                                      </p:to>
-                                    </p:set>
-                                  </p:childTnLst>
-                                </p:cTn>
-                              </p:par>
-                            </p:childTnLst>
-                          </p:cTn>
-                        </p:par>
-                      </p:childTnLst>
-                    </p:cTn>
-                  </p:par>
-                </p:childTnLst>
-              </p:cTn>
-              <p:prevCondLst>
-                <p:cond evt="onPrev" delay="0">
-                  <p:tgtEl>
-                    <p:sldTgt/>
-                  </p:tgtEl>
-                </p:cond>
-              </p:prevCondLst>
-              <p:nextCondLst>
-                <p:cond evt="onNext" delay="0">
-                  <p:tgtEl>
-                    <p:sldTgt/>
-                  </p:tgtEl>
-                </p:cond>
-              </p:nextCondLst>
-            </p:seq>
-          </p:childTnLst>
-        </p:cTn>
-      </p:par>
-    </p:tnLst>
-    <p:bldLst>
-      <p:bldP spid="3" grpId="0" uiExpand="1" build="p"/>
-    </p:bldLst>
-  </p:timing>
+</p:sld>
+</file>
+
+<file path=ppt/slides/slide9.xml><?xml version="1.0" encoding="utf-8"?>
+<p:sld xmlns:a="http://schemas.openxmlformats.org/drawingml/2006/main" xmlns:r="http://schemas.openxmlformats.org/officeDocument/2006/relationships" xmlns:p="http://schemas.openxmlformats.org/presentationml/2006/main">
+  <p:cSld>
+    <p:spTree>
+      <p:nvGrpSpPr>
+        <p:cNvPr id="1" name="">
+          <a:extLst>
+            <a:ext uri="{FF2B5EF4-FFF2-40B4-BE49-F238E27FC236}">
+              <a16:creationId xmlns:a16="http://schemas.microsoft.com/office/drawing/2014/main" id="{B358EB7B-8C4C-37E2-CA12-AEB2955F96E0}"/>
+            </a:ext>
+          </a:extLst>
+        </p:cNvPr>
+        <p:cNvGrpSpPr/>
+        <p:nvPr/>
+      </p:nvGrpSpPr>
+      <p:grpSpPr>
+        <a:xfrm>
+          <a:off x="0" y="0"/>
+          <a:ext cx="0" cy="0"/>
+          <a:chOff x="0" y="0"/>
+          <a:chExt cx="0" cy="0"/>
+        </a:xfrm>
+      </p:grpSpPr>
+      <p:sp>
+        <p:nvSpPr>
+          <p:cNvPr id="3" name="内容占位符 2">
+            <a:extLst>
+              <a:ext uri="{FF2B5EF4-FFF2-40B4-BE49-F238E27FC236}">
+                <a16:creationId xmlns:a16="http://schemas.microsoft.com/office/drawing/2014/main" id="{28708EEE-BD6D-C79B-8BBB-095DAEC18417}"/>
+              </a:ext>
+            </a:extLst>
+          </p:cNvPr>
+          <p:cNvSpPr>
+            <a:spLocks noGrp="1"/>
+          </p:cNvSpPr>
+          <p:nvPr>
+            <p:ph idx="1"/>
+          </p:nvPr>
+        </p:nvSpPr>
+        <p:spPr/>
+        <p:txBody>
+          <a:bodyPr>
+            <a:normAutofit/>
+          </a:bodyPr>
+          <a:lstStyle/>
+          <a:p>
+            <a:pPr marL="0" indent="0">
+              <a:buNone/>
+            </a:pPr>
+            <a:r>
+              <a:rPr lang="zh-CN" altLang="en-US" dirty="0"/>
+              <a:t>本节将建立用户注册和身份验证系统，让用户能够注册账户、登录和注销。</a:t>
+            </a:r>
+            <a:endParaRPr lang="en-US" altLang="zh-CN" dirty="0"/>
+          </a:p>
+          <a:p>
+            <a:pPr marL="0" indent="0">
+              <a:buNone/>
+            </a:pPr>
+            <a:r>
+              <a:rPr lang="zh-CN" altLang="en-US" dirty="0"/>
+              <a:t>为此，我们将新建一个应用程序，其中包含与处理用户账户相关的所有功能。</a:t>
+            </a:r>
+            <a:endParaRPr lang="en-US" altLang="zh-CN" dirty="0"/>
+          </a:p>
+          <a:p>
+            <a:pPr marL="0" indent="0">
+              <a:buNone/>
+            </a:pPr>
+            <a:r>
+              <a:rPr lang="zh-CN" altLang="en-US" dirty="0"/>
+              <a:t>这个应用程序将尽可能使用 </a:t>
+            </a:r>
+            <a:r>
+              <a:rPr lang="en-US" altLang="zh-CN" dirty="0"/>
+              <a:t>Django </a:t>
+            </a:r>
+            <a:r>
+              <a:rPr lang="zh-CN" altLang="en-US" dirty="0"/>
+              <a:t>自带的用户身份验证系统来完成工作。</a:t>
+            </a:r>
+            <a:endParaRPr lang="en-US" altLang="zh-CN" dirty="0"/>
+          </a:p>
+          <a:p>
+            <a:pPr marL="0" indent="0">
+              <a:buNone/>
+            </a:pPr>
+            <a:r>
+              <a:rPr lang="zh-CN" altLang="en-US" dirty="0"/>
+              <a:t>本节还将对模型 </a:t>
+            </a:r>
+            <a:r>
+              <a:rPr lang="en-US" altLang="zh-CN" dirty="0"/>
+              <a:t>Topic </a:t>
+            </a:r>
+            <a:r>
+              <a:rPr lang="zh-CN" altLang="en-US" dirty="0"/>
+              <a:t>稍作修改，让每个主题都归属于特定的用户。</a:t>
+            </a:r>
+            <a:endParaRPr lang="en-US" altLang="zh-CN" dirty="0"/>
+          </a:p>
+        </p:txBody>
+      </p:sp>
+      <p:sp>
+        <p:nvSpPr>
+          <p:cNvPr id="5" name="标题 4">
+            <a:extLst>
+              <a:ext uri="{FF2B5EF4-FFF2-40B4-BE49-F238E27FC236}">
+                <a16:creationId xmlns:a16="http://schemas.microsoft.com/office/drawing/2014/main" id="{C1D405F4-C533-46F6-DEB8-747AA5B3C122}"/>
+              </a:ext>
+            </a:extLst>
+          </p:cNvPr>
+          <p:cNvSpPr>
+            <a:spLocks noGrp="1"/>
+          </p:cNvSpPr>
+          <p:nvPr>
+            <p:ph type="title"/>
+          </p:nvPr>
+        </p:nvSpPr>
+        <p:spPr/>
+        <p:txBody>
+          <a:bodyPr/>
+          <a:lstStyle/>
+          <a:p>
+            <a:r>
+              <a:rPr lang="en-US" altLang="zh-CN" dirty="0"/>
+              <a:t>19.2 </a:t>
+            </a:r>
+            <a:r>
+              <a:rPr lang="zh-CN" altLang="en-US" dirty="0"/>
+              <a:t>创建用户账户</a:t>
+            </a:r>
+          </a:p>
+        </p:txBody>
+      </p:sp>
+    </p:spTree>
+    <p:extLst>
+      <p:ext uri="{BB962C8B-B14F-4D97-AF65-F5344CB8AC3E}">
+        <p14:creationId xmlns:p14="http://schemas.microsoft.com/office/powerpoint/2010/main" val="2962058310"/>
+      </p:ext>
+    </p:extLst>
+  </p:cSld>
+  <p:clrMapOvr>
+    <a:masterClrMapping/>
+  </p:clrMapOvr>
 </p:sld>
 </file>
 

--- a/PPT/chapter19.pptx
+++ b/PPT/chapter19.pptx
@@ -2,7 +2,7 @@
 <file path=ppt/presentation.xml><?xml version="1.0" encoding="utf-8"?>
 <p:presentation xmlns:a="http://schemas.openxmlformats.org/drawingml/2006/main" xmlns:r="http://schemas.openxmlformats.org/officeDocument/2006/relationships" xmlns:p="http://schemas.openxmlformats.org/presentationml/2006/main" saveSubsetFonts="1">
   <p:sldMasterIdLst>
-    <p:sldMasterId id="2147483648" r:id="rId1"/>
+    <p:sldMasterId id="2147483675" r:id="rId1"/>
   </p:sldMasterIdLst>
   <p:notesMasterIdLst>
     <p:notesMasterId r:id="rId16"/>
@@ -11,7 +11,7 @@
     <p:handoutMasterId r:id="rId17"/>
   </p:handoutMasterIdLst>
   <p:sldIdLst>
-    <p:sldId id="260" r:id="rId2"/>
+    <p:sldId id="368" r:id="rId2"/>
     <p:sldId id="367" r:id="rId3"/>
     <p:sldId id="257" r:id="rId4"/>
     <p:sldId id="377" r:id="rId5"/>
@@ -487,14 +487,14 @@
           <pc:chgData name="Scruel Tao" userId="5ea5c98d59b44d4b" providerId="LiveId" clId="{7486479E-7D59-4A4A-8E73-346480EC436C}" dt="2023-05-16T03:57:46.970" v="105" actId="478"/>
           <pc:sldLayoutMkLst>
             <pc:docMk/>
-            <pc:sldMasterMk cId="1766057859" sldId="2147483648"/>
+            <pc:sldMasterMk cId="2038757932" sldId="2147483661"/>
             <pc:sldLayoutMk cId="1337634028" sldId="2147483660"/>
           </pc:sldLayoutMkLst>
           <pc:spChg chg="del">
             <ac:chgData name="Scruel Tao" userId="5ea5c98d59b44d4b" providerId="LiveId" clId="{7486479E-7D59-4A4A-8E73-346480EC436C}" dt="2023-05-16T03:57:46.970" v="105" actId="478"/>
             <ac:spMkLst>
               <pc:docMk/>
-              <pc:sldMasterMk cId="1766057859" sldId="2147483648"/>
+              <pc:sldMasterMk cId="2038757932" sldId="2147483661"/>
               <pc:sldLayoutMk cId="1337634028" sldId="2147483660"/>
               <ac:spMk id="19472" creationId="{BD0BF484-93B1-9A87-952A-7D5E9B29C38D}"/>
             </ac:spMkLst>
@@ -1571,14 +1571,14 @@
           <pc:chgData name="Scruel Tao" userId="5ea5c98d59b44d4b" providerId="LiveId" clId="{2BA6F94F-59B6-4AA6-9DB6-4A8227DBE37E}" dt="2023-04-03T03:34:53.033" v="335" actId="1076"/>
           <pc:sldLayoutMkLst>
             <pc:docMk/>
-            <pc:sldMasterMk cId="1766057859" sldId="2147483648"/>
+            <pc:sldMasterMk cId="2038757932" sldId="2147483661"/>
             <pc:sldLayoutMk cId="1337634028" sldId="2147483660"/>
           </pc:sldLayoutMkLst>
           <pc:spChg chg="del mod">
             <ac:chgData name="Scruel Tao" userId="5ea5c98d59b44d4b" providerId="LiveId" clId="{2BA6F94F-59B6-4AA6-9DB6-4A8227DBE37E}" dt="2023-04-03T03:27:47.594" v="278" actId="478"/>
             <ac:spMkLst>
               <pc:docMk/>
-              <pc:sldMasterMk cId="1766057859" sldId="2147483648"/>
+              <pc:sldMasterMk cId="2038757932" sldId="2147483661"/>
               <pc:sldLayoutMk cId="1337634028" sldId="2147483660"/>
               <ac:spMk id="19468" creationId="{418CE5A5-515B-CEAB-D160-CBAFEBF4837F}"/>
             </ac:spMkLst>
@@ -1587,7 +1587,7 @@
             <ac:chgData name="Scruel Tao" userId="5ea5c98d59b44d4b" providerId="LiveId" clId="{2BA6F94F-59B6-4AA6-9DB6-4A8227DBE37E}" dt="2023-04-03T03:26:11.336" v="269" actId="21"/>
             <ac:picMkLst>
               <pc:docMk/>
-              <pc:sldMasterMk cId="1766057859" sldId="2147483648"/>
+              <pc:sldMasterMk cId="2038757932" sldId="2147483661"/>
               <pc:sldLayoutMk cId="1337634028" sldId="2147483660"/>
               <ac:picMk id="19481" creationId="{02568321-E4E6-1B3D-8017-A3451A7203B9}"/>
             </ac:picMkLst>
@@ -1596,13 +1596,72 @@
             <ac:chgData name="Scruel Tao" userId="5ea5c98d59b44d4b" providerId="LiveId" clId="{2BA6F94F-59B6-4AA6-9DB6-4A8227DBE37E}" dt="2023-04-03T03:34:53.033" v="335" actId="1076"/>
             <ac:picMkLst>
               <pc:docMk/>
-              <pc:sldMasterMk cId="1766057859" sldId="2147483648"/>
+              <pc:sldMasterMk cId="2038757932" sldId="2147483661"/>
               <pc:sldLayoutMk cId="1337634028" sldId="2147483660"/>
               <ac:picMk id="19482" creationId="{8F2B9C9A-7CA4-5723-784E-DBADCF09186B}"/>
             </ac:picMkLst>
           </pc:picChg>
         </pc:sldLayoutChg>
       </pc:sldMasterChg>
+    </pc:docChg>
+  </pc:docChgLst>
+  <pc:docChgLst>
+    <pc:chgData name="Scruel Tao" userId="5ea5c98d59b44d4b" providerId="LiveId" clId="{88D73D01-CABB-4B2D-80EC-648726E3C219}"/>
+    <pc:docChg chg="addSld delSld modSld">
+      <pc:chgData name="Scruel Tao" userId="5ea5c98d59b44d4b" providerId="LiveId" clId="{88D73D01-CABB-4B2D-80EC-648726E3C219}" dt="2023-04-26T02:43:35.768" v="17" actId="20577"/>
+      <pc:docMkLst>
+        <pc:docMk/>
+      </pc:docMkLst>
+      <pc:sldChg chg="modSp add del mod">
+        <pc:chgData name="Scruel Tao" userId="5ea5c98d59b44d4b" providerId="LiveId" clId="{88D73D01-CABB-4B2D-80EC-648726E3C219}" dt="2023-04-26T02:43:35.768" v="17" actId="20577"/>
+        <pc:sldMkLst>
+          <pc:docMk/>
+          <pc:sldMk cId="1112998187" sldId="257"/>
+        </pc:sldMkLst>
+        <pc:spChg chg="mod">
+          <ac:chgData name="Scruel Tao" userId="5ea5c98d59b44d4b" providerId="LiveId" clId="{88D73D01-CABB-4B2D-80EC-648726E3C219}" dt="2023-04-26T02:43:35.768" v="17" actId="20577"/>
+          <ac:spMkLst>
+            <pc:docMk/>
+            <pc:sldMk cId="1112998187" sldId="257"/>
+            <ac:spMk id="2" creationId="{1422DFF6-0952-1023-64E3-97184D36BE3F}"/>
+          </ac:spMkLst>
+        </pc:spChg>
+      </pc:sldChg>
+      <pc:sldChg chg="del">
+        <pc:chgData name="Scruel Tao" userId="5ea5c98d59b44d4b" providerId="LiveId" clId="{88D73D01-CABB-4B2D-80EC-648726E3C219}" dt="2023-04-26T02:43:28.228" v="0" actId="47"/>
+        <pc:sldMkLst>
+          <pc:docMk/>
+          <pc:sldMk cId="1199684676" sldId="259"/>
+        </pc:sldMkLst>
+      </pc:sldChg>
+      <pc:sldChg chg="del">
+        <pc:chgData name="Scruel Tao" userId="5ea5c98d59b44d4b" providerId="LiveId" clId="{88D73D01-CABB-4B2D-80EC-648726E3C219}" dt="2023-04-26T02:43:28.228" v="0" actId="47"/>
+        <pc:sldMkLst>
+          <pc:docMk/>
+          <pc:sldMk cId="1751565490" sldId="276"/>
+        </pc:sldMkLst>
+      </pc:sldChg>
+      <pc:sldChg chg="add">
+        <pc:chgData name="Scruel Tao" userId="5ea5c98d59b44d4b" providerId="LiveId" clId="{88D73D01-CABB-4B2D-80EC-648726E3C219}" dt="2023-04-26T02:43:28.794" v="1"/>
+        <pc:sldMkLst>
+          <pc:docMk/>
+          <pc:sldMk cId="3519437269" sldId="279"/>
+        </pc:sldMkLst>
+      </pc:sldChg>
+      <pc:sldChg chg="add">
+        <pc:chgData name="Scruel Tao" userId="5ea5c98d59b44d4b" providerId="LiveId" clId="{88D73D01-CABB-4B2D-80EC-648726E3C219}" dt="2023-04-26T02:43:28.794" v="1"/>
+        <pc:sldMkLst>
+          <pc:docMk/>
+          <pc:sldMk cId="3745708182" sldId="280"/>
+        </pc:sldMkLst>
+      </pc:sldChg>
+      <pc:sldChg chg="add">
+        <pc:chgData name="Scruel Tao" userId="5ea5c98d59b44d4b" providerId="LiveId" clId="{88D73D01-CABB-4B2D-80EC-648726E3C219}" dt="2023-04-26T02:43:28.794" v="1"/>
+        <pc:sldMkLst>
+          <pc:docMk/>
+          <pc:sldMk cId="364430658" sldId="282"/>
+        </pc:sldMkLst>
+      </pc:sldChg>
     </pc:docChg>
   </pc:docChgLst>
   <pc:docChgLst>
@@ -1793,65 +1852,6 @@
     </pc:docChg>
   </pc:docChgLst>
   <pc:docChgLst>
-    <pc:chgData name="Scruel Tao" userId="5ea5c98d59b44d4b" providerId="LiveId" clId="{88D73D01-CABB-4B2D-80EC-648726E3C219}"/>
-    <pc:docChg chg="addSld delSld modSld">
-      <pc:chgData name="Scruel Tao" userId="5ea5c98d59b44d4b" providerId="LiveId" clId="{88D73D01-CABB-4B2D-80EC-648726E3C219}" dt="2023-04-26T02:43:35.768" v="17" actId="20577"/>
-      <pc:docMkLst>
-        <pc:docMk/>
-      </pc:docMkLst>
-      <pc:sldChg chg="modSp add del mod">
-        <pc:chgData name="Scruel Tao" userId="5ea5c98d59b44d4b" providerId="LiveId" clId="{88D73D01-CABB-4B2D-80EC-648726E3C219}" dt="2023-04-26T02:43:35.768" v="17" actId="20577"/>
-        <pc:sldMkLst>
-          <pc:docMk/>
-          <pc:sldMk cId="1112998187" sldId="257"/>
-        </pc:sldMkLst>
-        <pc:spChg chg="mod">
-          <ac:chgData name="Scruel Tao" userId="5ea5c98d59b44d4b" providerId="LiveId" clId="{88D73D01-CABB-4B2D-80EC-648726E3C219}" dt="2023-04-26T02:43:35.768" v="17" actId="20577"/>
-          <ac:spMkLst>
-            <pc:docMk/>
-            <pc:sldMk cId="1112998187" sldId="257"/>
-            <ac:spMk id="2" creationId="{1422DFF6-0952-1023-64E3-97184D36BE3F}"/>
-          </ac:spMkLst>
-        </pc:spChg>
-      </pc:sldChg>
-      <pc:sldChg chg="del">
-        <pc:chgData name="Scruel Tao" userId="5ea5c98d59b44d4b" providerId="LiveId" clId="{88D73D01-CABB-4B2D-80EC-648726E3C219}" dt="2023-04-26T02:43:28.228" v="0" actId="47"/>
-        <pc:sldMkLst>
-          <pc:docMk/>
-          <pc:sldMk cId="1199684676" sldId="259"/>
-        </pc:sldMkLst>
-      </pc:sldChg>
-      <pc:sldChg chg="del">
-        <pc:chgData name="Scruel Tao" userId="5ea5c98d59b44d4b" providerId="LiveId" clId="{88D73D01-CABB-4B2D-80EC-648726E3C219}" dt="2023-04-26T02:43:28.228" v="0" actId="47"/>
-        <pc:sldMkLst>
-          <pc:docMk/>
-          <pc:sldMk cId="1751565490" sldId="276"/>
-        </pc:sldMkLst>
-      </pc:sldChg>
-      <pc:sldChg chg="add">
-        <pc:chgData name="Scruel Tao" userId="5ea5c98d59b44d4b" providerId="LiveId" clId="{88D73D01-CABB-4B2D-80EC-648726E3C219}" dt="2023-04-26T02:43:28.794" v="1"/>
-        <pc:sldMkLst>
-          <pc:docMk/>
-          <pc:sldMk cId="3519437269" sldId="279"/>
-        </pc:sldMkLst>
-      </pc:sldChg>
-      <pc:sldChg chg="add">
-        <pc:chgData name="Scruel Tao" userId="5ea5c98d59b44d4b" providerId="LiveId" clId="{88D73D01-CABB-4B2D-80EC-648726E3C219}" dt="2023-04-26T02:43:28.794" v="1"/>
-        <pc:sldMkLst>
-          <pc:docMk/>
-          <pc:sldMk cId="3745708182" sldId="280"/>
-        </pc:sldMkLst>
-      </pc:sldChg>
-      <pc:sldChg chg="add">
-        <pc:chgData name="Scruel Tao" userId="5ea5c98d59b44d4b" providerId="LiveId" clId="{88D73D01-CABB-4B2D-80EC-648726E3C219}" dt="2023-04-26T02:43:28.794" v="1"/>
-        <pc:sldMkLst>
-          <pc:docMk/>
-          <pc:sldMk cId="364430658" sldId="282"/>
-        </pc:sldMkLst>
-      </pc:sldChg>
-    </pc:docChg>
-  </pc:docChgLst>
-  <pc:docChgLst>
     <pc:chgData name="Scruel Tao" userId="5ea5c98d59b44d4b" providerId="LiveId" clId="{64B02C6E-ABEE-4458-A8E9-9B90A4AB0ED8}"/>
     <pc:docChg chg="modSld">
       <pc:chgData name="Scruel Tao" userId="5ea5c98d59b44d4b" providerId="LiveId" clId="{64B02C6E-ABEE-4458-A8E9-9B90A4AB0ED8}" dt="2023-06-02T13:48:07.065" v="0" actId="20577"/>
@@ -2866,14 +2866,14 @@
           <pc:chgData name="Scruel Tao" userId="5ea5c98d59b44d4b" providerId="LiveId" clId="{42F73B06-DA81-4C67-8473-07E158E9C79B}" dt="2023-04-25T02:47:33.665" v="42" actId="21"/>
           <pc:sldLayoutMkLst>
             <pc:docMk/>
-            <pc:sldMasterMk cId="1766057859" sldId="2147483648"/>
+            <pc:sldMasterMk cId="2038757932" sldId="2147483661"/>
             <pc:sldLayoutMk cId="1337634028" sldId="2147483660"/>
           </pc:sldLayoutMkLst>
           <pc:picChg chg="del">
             <ac:chgData name="Scruel Tao" userId="5ea5c98d59b44d4b" providerId="LiveId" clId="{42F73B06-DA81-4C67-8473-07E158E9C79B}" dt="2023-04-25T02:47:33.665" v="42" actId="21"/>
             <ac:picMkLst>
               <pc:docMk/>
-              <pc:sldMasterMk cId="1766057859" sldId="2147483648"/>
+              <pc:sldMasterMk cId="2038757932" sldId="2147483661"/>
               <pc:sldLayoutMk cId="1337634028" sldId="2147483660"/>
               <ac:picMk id="19482" creationId="{8F2B9C9A-7CA4-5723-784E-DBADCF09186B}"/>
             </ac:picMkLst>
@@ -4727,13 +4727,25 @@
     </p:spTree>
     <p:extLst>
       <p:ext uri="{BB962C8B-B14F-4D97-AF65-F5344CB8AC3E}">
-        <p14:creationId xmlns:p14="http://schemas.microsoft.com/office/powerpoint/2010/main" val="2187492797"/>
+        <p14:creationId xmlns:p14="http://schemas.microsoft.com/office/powerpoint/2010/main" val="4078743769"/>
       </p:ext>
     </p:extLst>
   </p:cSld>
   <p:clrMapOvr>
     <a:masterClrMapping/>
   </p:clrMapOvr>
+  <mc:AlternateContent xmlns:mc="http://schemas.openxmlformats.org/markup-compatibility/2006" xmlns:p14="http://schemas.microsoft.com/office/powerpoint/2010/main">
+    <mc:Choice Requires="p14">
+      <p:transition spd="med" p14:dur="700">
+        <p:fade/>
+      </p:transition>
+    </mc:Choice>
+    <mc:Fallback xmlns="">
+      <p:transition spd="med">
+        <p:fade/>
+      </p:transition>
+    </mc:Fallback>
+  </mc:AlternateContent>
 </p:sldLayout>
 </file>
 
@@ -4925,13 +4937,25 @@
     </p:spTree>
     <p:extLst>
       <p:ext uri="{BB962C8B-B14F-4D97-AF65-F5344CB8AC3E}">
-        <p14:creationId xmlns:p14="http://schemas.microsoft.com/office/powerpoint/2010/main" val="3533658407"/>
+        <p14:creationId xmlns:p14="http://schemas.microsoft.com/office/powerpoint/2010/main" val="815845737"/>
       </p:ext>
     </p:extLst>
   </p:cSld>
   <p:clrMapOvr>
     <a:masterClrMapping/>
   </p:clrMapOvr>
+  <mc:AlternateContent xmlns:mc="http://schemas.openxmlformats.org/markup-compatibility/2006" xmlns:p14="http://schemas.microsoft.com/office/powerpoint/2010/main">
+    <mc:Choice Requires="p14">
+      <p:transition spd="med" p14:dur="700">
+        <p:fade/>
+      </p:transition>
+    </mc:Choice>
+    <mc:Fallback xmlns="">
+      <p:transition spd="med">
+        <p:fade/>
+      </p:transition>
+    </mc:Fallback>
+  </mc:AlternateContent>
 </p:sldLayout>
 </file>
 
@@ -5133,18 +5157,30 @@
     </p:spTree>
     <p:extLst>
       <p:ext uri="{BB962C8B-B14F-4D97-AF65-F5344CB8AC3E}">
-        <p14:creationId xmlns:p14="http://schemas.microsoft.com/office/powerpoint/2010/main" val="1976972956"/>
+        <p14:creationId xmlns:p14="http://schemas.microsoft.com/office/powerpoint/2010/main" val="1138090853"/>
       </p:ext>
     </p:extLst>
   </p:cSld>
   <p:clrMapOvr>
     <a:masterClrMapping/>
   </p:clrMapOvr>
+  <mc:AlternateContent xmlns:mc="http://schemas.openxmlformats.org/markup-compatibility/2006" xmlns:p14="http://schemas.microsoft.com/office/powerpoint/2010/main">
+    <mc:Choice Requires="p14">
+      <p:transition spd="med" p14:dur="700">
+        <p:fade/>
+      </p:transition>
+    </mc:Choice>
+    <mc:Fallback xmlns="">
+      <p:transition spd="med">
+        <p:fade/>
+      </p:transition>
+    </mc:Fallback>
+  </mc:AlternateContent>
 </p:sldLayout>
 </file>
 
 <file path=ppt/slideLayouts/slideLayout12.xml><?xml version="1.0" encoding="utf-8"?>
-<p:sldLayout xmlns:a="http://schemas.openxmlformats.org/drawingml/2006/main" xmlns:r="http://schemas.openxmlformats.org/officeDocument/2006/relationships" xmlns:p="http://schemas.openxmlformats.org/presentationml/2006/main" showMasterSp="0" userDrawn="1">
+<p:sldLayout xmlns:a="http://schemas.openxmlformats.org/drawingml/2006/main" xmlns:r="http://schemas.openxmlformats.org/officeDocument/2006/relationships" xmlns:p="http://schemas.openxmlformats.org/presentationml/2006/main" showMasterSp="0" preserve="1" userDrawn="1">
   <p:cSld name="1_标题幻灯片">
     <p:spTree>
       <p:nvGrpSpPr>
@@ -5353,14 +5389,257 @@
     </p:spTree>
     <p:extLst>
       <p:ext uri="{BB962C8B-B14F-4D97-AF65-F5344CB8AC3E}">
-        <p14:creationId xmlns:p14="http://schemas.microsoft.com/office/powerpoint/2010/main" val="1337634028"/>
+        <p14:creationId xmlns:p14="http://schemas.microsoft.com/office/powerpoint/2010/main" val="2286201029"/>
       </p:ext>
     </p:extLst>
   </p:cSld>
   <p:clrMapOvr>
     <a:masterClrMapping/>
   </p:clrMapOvr>
-  <p:transition spd="med"/>
+  <mc:AlternateContent xmlns:mc="http://schemas.openxmlformats.org/markup-compatibility/2006" xmlns:p14="http://schemas.microsoft.com/office/powerpoint/2010/main">
+    <mc:Choice Requires="p14">
+      <p:transition spd="med" p14:dur="700">
+        <p:fade/>
+      </p:transition>
+    </mc:Choice>
+    <mc:Fallback xmlns="">
+      <p:transition spd="med">
+        <p:fade/>
+      </p:transition>
+    </mc:Fallback>
+  </mc:AlternateContent>
+</p:sldLayout>
+</file>
+
+<file path=ppt/slideLayouts/slideLayout13.xml><?xml version="1.0" encoding="utf-8"?>
+<p:sldLayout xmlns:a="http://schemas.openxmlformats.org/drawingml/2006/main" xmlns:r="http://schemas.openxmlformats.org/officeDocument/2006/relationships" xmlns:p="http://schemas.openxmlformats.org/presentationml/2006/main" showMasterSp="0" preserve="1" userDrawn="1">
+  <p:cSld name="2_标题幻灯片">
+    <p:spTree>
+      <p:nvGrpSpPr>
+        <p:cNvPr id="1" name=""/>
+        <p:cNvGrpSpPr/>
+        <p:nvPr/>
+      </p:nvGrpSpPr>
+      <p:grpSpPr>
+        <a:xfrm>
+          <a:off x="0" y="0"/>
+          <a:ext cx="0" cy="0"/>
+          <a:chOff x="0" y="0"/>
+          <a:chExt cx="0" cy="0"/>
+        </a:xfrm>
+      </p:grpSpPr>
+      <p:sp>
+        <p:nvSpPr>
+          <p:cNvPr id="19483" name="Rectangle 27">
+            <a:extLst>
+              <a:ext uri="{FF2B5EF4-FFF2-40B4-BE49-F238E27FC236}">
+                <a16:creationId xmlns:a16="http://schemas.microsoft.com/office/drawing/2014/main" id="{FFE563FA-4880-391C-43FD-EF34392B9FBB}"/>
+              </a:ext>
+            </a:extLst>
+          </p:cNvPr>
+          <p:cNvSpPr>
+            <a:spLocks noChangeArrowheads="1"/>
+          </p:cNvSpPr>
+          <p:nvPr userDrawn="1"/>
+        </p:nvSpPr>
+        <p:spPr bwMode="auto">
+          <a:xfrm>
+            <a:off x="2641600" y="4191000"/>
+            <a:ext cx="7416800" cy="2209800"/>
+          </a:xfrm>
+          <a:prstGeom prst="rect">
+            <a:avLst/>
+          </a:prstGeom>
+          <a:noFill/>
+          <a:ln>
+            <a:noFill/>
+          </a:ln>
+          <a:effectLst/>
+          <a:extLst>
+            <a:ext uri="{909E8E84-426E-40DD-AFC4-6F175D3DCCD1}">
+              <a14:hiddenFill xmlns:a14="http://schemas.microsoft.com/office/drawing/2010/main">
+                <a:solidFill>
+                  <a:schemeClr val="accent1"/>
+                </a:solidFill>
+              </a14:hiddenFill>
+            </a:ext>
+            <a:ext uri="{91240B29-F687-4F45-9708-019B960494DF}">
+              <a14:hiddenLine xmlns:a14="http://schemas.microsoft.com/office/drawing/2010/main" w="9525">
+                <a:solidFill>
+                  <a:schemeClr val="tx1"/>
+                </a:solidFill>
+                <a:miter lim="800000"/>
+                <a:headEnd/>
+                <a:tailEnd/>
+              </a14:hiddenLine>
+            </a:ext>
+            <a:ext uri="{AF507438-7753-43E0-B8FC-AC1667EBCBE1}">
+              <a14:hiddenEffects xmlns:a14="http://schemas.microsoft.com/office/drawing/2010/main">
+                <a:effectLst>
+                  <a:outerShdw dist="35921" dir="2700000" algn="ctr" rotWithShape="0">
+                    <a:schemeClr val="bg2"/>
+                  </a:outerShdw>
+                </a:effectLst>
+              </a14:hiddenEffects>
+            </a:ext>
+          </a:extLst>
+        </p:spPr>
+        <p:txBody>
+          <a:bodyPr/>
+          <a:lstStyle>
+            <a:lvl1pPr marL="287338" indent="-287338" eaLnBrk="0" hangingPunct="0">
+              <a:spcBef>
+                <a:spcPct val="0"/>
+              </a:spcBef>
+              <a:defRPr kumimoji="1" sz="2400">
+                <a:solidFill>
+                  <a:schemeClr val="tx1"/>
+                </a:solidFill>
+                <a:latin typeface="Times New Roman" panose="02020603050405020304" pitchFamily="18" charset="0"/>
+              </a:defRPr>
+            </a:lvl1pPr>
+            <a:lvl2pPr marL="744538" indent="-287338" eaLnBrk="0" hangingPunct="0">
+              <a:spcBef>
+                <a:spcPct val="0"/>
+              </a:spcBef>
+              <a:defRPr kumimoji="1" sz="2400">
+                <a:solidFill>
+                  <a:schemeClr val="tx1"/>
+                </a:solidFill>
+                <a:latin typeface="Times New Roman" panose="02020603050405020304" pitchFamily="18" charset="0"/>
+              </a:defRPr>
+            </a:lvl2pPr>
+            <a:lvl3pPr eaLnBrk="0" hangingPunct="0">
+              <a:spcBef>
+                <a:spcPct val="0"/>
+              </a:spcBef>
+              <a:defRPr kumimoji="1" sz="2400">
+                <a:solidFill>
+                  <a:schemeClr val="tx1"/>
+                </a:solidFill>
+                <a:latin typeface="Times New Roman" panose="02020603050405020304" pitchFamily="18" charset="0"/>
+              </a:defRPr>
+            </a:lvl3pPr>
+            <a:lvl4pPr eaLnBrk="0" hangingPunct="0">
+              <a:spcBef>
+                <a:spcPct val="0"/>
+              </a:spcBef>
+              <a:defRPr kumimoji="1" sz="2400">
+                <a:solidFill>
+                  <a:schemeClr val="tx1"/>
+                </a:solidFill>
+                <a:latin typeface="Times New Roman" panose="02020603050405020304" pitchFamily="18" charset="0"/>
+              </a:defRPr>
+            </a:lvl4pPr>
+            <a:lvl5pPr eaLnBrk="0" hangingPunct="0">
+              <a:spcBef>
+                <a:spcPct val="0"/>
+              </a:spcBef>
+              <a:defRPr kumimoji="1" sz="2400">
+                <a:solidFill>
+                  <a:schemeClr val="tx1"/>
+                </a:solidFill>
+                <a:latin typeface="Times New Roman" panose="02020603050405020304" pitchFamily="18" charset="0"/>
+              </a:defRPr>
+            </a:lvl5pPr>
+            <a:lvl6pPr eaLnBrk="0" fontAlgn="base" hangingPunct="0">
+              <a:spcBef>
+                <a:spcPct val="0"/>
+              </a:spcBef>
+              <a:spcAft>
+                <a:spcPct val="0"/>
+              </a:spcAft>
+              <a:defRPr kumimoji="1" sz="2400">
+                <a:solidFill>
+                  <a:schemeClr val="tx1"/>
+                </a:solidFill>
+                <a:latin typeface="Times New Roman" panose="02020603050405020304" pitchFamily="18" charset="0"/>
+              </a:defRPr>
+            </a:lvl6pPr>
+            <a:lvl7pPr eaLnBrk="0" fontAlgn="base" hangingPunct="0">
+              <a:spcBef>
+                <a:spcPct val="0"/>
+              </a:spcBef>
+              <a:spcAft>
+                <a:spcPct val="0"/>
+              </a:spcAft>
+              <a:defRPr kumimoji="1" sz="2400">
+                <a:solidFill>
+                  <a:schemeClr val="tx1"/>
+                </a:solidFill>
+                <a:latin typeface="Times New Roman" panose="02020603050405020304" pitchFamily="18" charset="0"/>
+              </a:defRPr>
+            </a:lvl7pPr>
+            <a:lvl8pPr eaLnBrk="0" fontAlgn="base" hangingPunct="0">
+              <a:spcBef>
+                <a:spcPct val="0"/>
+              </a:spcBef>
+              <a:spcAft>
+                <a:spcPct val="0"/>
+              </a:spcAft>
+              <a:defRPr kumimoji="1" sz="2400">
+                <a:solidFill>
+                  <a:schemeClr val="tx1"/>
+                </a:solidFill>
+                <a:latin typeface="Times New Roman" panose="02020603050405020304" pitchFamily="18" charset="0"/>
+              </a:defRPr>
+            </a:lvl8pPr>
+            <a:lvl9pPr eaLnBrk="0" fontAlgn="base" hangingPunct="0">
+              <a:spcBef>
+                <a:spcPct val="0"/>
+              </a:spcBef>
+              <a:spcAft>
+                <a:spcPct val="0"/>
+              </a:spcAft>
+              <a:defRPr kumimoji="1" sz="2400">
+                <a:solidFill>
+                  <a:schemeClr val="tx1"/>
+                </a:solidFill>
+                <a:latin typeface="Times New Roman" panose="02020603050405020304" pitchFamily="18" charset="0"/>
+              </a:defRPr>
+            </a:lvl9pPr>
+          </a:lstStyle>
+          <a:p>
+            <a:pPr eaLnBrk="1" hangingPunct="1">
+              <a:lnSpc>
+                <a:spcPct val="102000"/>
+              </a:lnSpc>
+              <a:spcBef>
+                <a:spcPct val="20000"/>
+              </a:spcBef>
+              <a:buClr>
+                <a:srgbClr val="808080"/>
+              </a:buClr>
+              <a:buSzPct val="60000"/>
+            </a:pPr>
+            <a:endParaRPr kumimoji="0" lang="en-GB" altLang="zh-CN" sz="1600">
+              <a:latin typeface="Verdana" panose="020B0604030504040204" pitchFamily="34" charset="0"/>
+            </a:endParaRPr>
+          </a:p>
+        </p:txBody>
+      </p:sp>
+    </p:spTree>
+    <p:extLst>
+      <p:ext uri="{BB962C8B-B14F-4D97-AF65-F5344CB8AC3E}">
+        <p14:creationId xmlns:p14="http://schemas.microsoft.com/office/powerpoint/2010/main" val="2584470293"/>
+      </p:ext>
+    </p:extLst>
+  </p:cSld>
+  <p:clrMapOvr>
+    <a:masterClrMapping/>
+  </p:clrMapOvr>
+  <mc:AlternateContent xmlns:mc="http://schemas.openxmlformats.org/markup-compatibility/2006" xmlns:p14="http://schemas.microsoft.com/office/powerpoint/2010/main">
+    <mc:Choice Requires="p14">
+      <p:transition spd="med" p14:dur="700">
+        <p:fade/>
+      </p:transition>
+    </mc:Choice>
+    <mc:Fallback xmlns="">
+      <p:transition spd="med">
+        <p:fade/>
+      </p:transition>
+    </mc:Fallback>
+  </mc:AlternateContent>
 </p:sldLayout>
 </file>
 
@@ -5609,7 +5888,7 @@
           <p:cNvPr id="8" name="矩形 7">
             <a:extLst>
               <a:ext uri="{FF2B5EF4-FFF2-40B4-BE49-F238E27FC236}">
-                <a16:creationId xmlns:a16="http://schemas.microsoft.com/office/drawing/2014/main" id="{619EB732-2FA6-F861-D7F0-B11E6EC36B56}"/>
+                <a16:creationId xmlns:a16="http://schemas.microsoft.com/office/drawing/2014/main" id="{F52872EC-81BB-5622-062D-1B604B1CF283}"/>
               </a:ext>
             </a:extLst>
           </p:cNvPr>
@@ -5656,13 +5935,25 @@
     </p:spTree>
     <p:extLst>
       <p:ext uri="{BB962C8B-B14F-4D97-AF65-F5344CB8AC3E}">
-        <p14:creationId xmlns:p14="http://schemas.microsoft.com/office/powerpoint/2010/main" val="2116765151"/>
+        <p14:creationId xmlns:p14="http://schemas.microsoft.com/office/powerpoint/2010/main" val="3596681940"/>
       </p:ext>
     </p:extLst>
   </p:cSld>
   <p:clrMapOvr>
     <a:masterClrMapping/>
   </p:clrMapOvr>
+  <mc:AlternateContent xmlns:mc="http://schemas.openxmlformats.org/markup-compatibility/2006" xmlns:p14="http://schemas.microsoft.com/office/powerpoint/2010/main">
+    <mc:Choice Requires="p14">
+      <p:transition spd="med" p14:dur="700">
+        <p:fade/>
+      </p:transition>
+    </mc:Choice>
+    <mc:Fallback xmlns="">
+      <p:transition spd="med">
+        <p:fade/>
+      </p:transition>
+    </mc:Fallback>
+  </mc:AlternateContent>
 </p:sldLayout>
 </file>
 
@@ -5931,13 +6222,25 @@
     </p:spTree>
     <p:extLst>
       <p:ext uri="{BB962C8B-B14F-4D97-AF65-F5344CB8AC3E}">
-        <p14:creationId xmlns:p14="http://schemas.microsoft.com/office/powerpoint/2010/main" val="3876442843"/>
+        <p14:creationId xmlns:p14="http://schemas.microsoft.com/office/powerpoint/2010/main" val="2202430952"/>
       </p:ext>
     </p:extLst>
   </p:cSld>
   <p:clrMapOvr>
     <a:masterClrMapping/>
   </p:clrMapOvr>
+  <mc:AlternateContent xmlns:mc="http://schemas.openxmlformats.org/markup-compatibility/2006" xmlns:p14="http://schemas.microsoft.com/office/powerpoint/2010/main">
+    <mc:Choice Requires="p14">
+      <p:transition spd="med" p14:dur="700">
+        <p:fade/>
+      </p:transition>
+    </mc:Choice>
+    <mc:Fallback xmlns="">
+      <p:transition spd="med">
+        <p:fade/>
+      </p:transition>
+    </mc:Fallback>
+  </mc:AlternateContent>
 </p:sldLayout>
 </file>
 
@@ -6279,7 +6582,7 @@
           <p:cNvPr id="9" name="矩形 8">
             <a:extLst>
               <a:ext uri="{FF2B5EF4-FFF2-40B4-BE49-F238E27FC236}">
-                <a16:creationId xmlns:a16="http://schemas.microsoft.com/office/drawing/2014/main" id="{9EACDBD1-4888-B06E-66A0-640C81C2F07F}"/>
+                <a16:creationId xmlns:a16="http://schemas.microsoft.com/office/drawing/2014/main" id="{82EB41EB-0D08-7526-0E4D-92DD20C296DF}"/>
               </a:ext>
             </a:extLst>
           </p:cNvPr>
@@ -6326,13 +6629,25 @@
     </p:spTree>
     <p:extLst>
       <p:ext uri="{BB962C8B-B14F-4D97-AF65-F5344CB8AC3E}">
-        <p14:creationId xmlns:p14="http://schemas.microsoft.com/office/powerpoint/2010/main" val="2296489930"/>
+        <p14:creationId xmlns:p14="http://schemas.microsoft.com/office/powerpoint/2010/main" val="2174986094"/>
       </p:ext>
     </p:extLst>
   </p:cSld>
   <p:clrMapOvr>
     <a:masterClrMapping/>
   </p:clrMapOvr>
+  <mc:AlternateContent xmlns:mc="http://schemas.openxmlformats.org/markup-compatibility/2006" xmlns:p14="http://schemas.microsoft.com/office/powerpoint/2010/main">
+    <mc:Choice Requires="p14">
+      <p:transition spd="med" p14:dur="700">
+        <p:fade/>
+      </p:transition>
+    </mc:Choice>
+    <mc:Fallback xmlns="">
+      <p:transition spd="med">
+        <p:fade/>
+      </p:transition>
+    </mc:Fallback>
+  </mc:AlternateContent>
 </p:sldLayout>
 </file>
 
@@ -6738,13 +7053,25 @@
     </p:spTree>
     <p:extLst>
       <p:ext uri="{BB962C8B-B14F-4D97-AF65-F5344CB8AC3E}">
-        <p14:creationId xmlns:p14="http://schemas.microsoft.com/office/powerpoint/2010/main" val="1903742116"/>
+        <p14:creationId xmlns:p14="http://schemas.microsoft.com/office/powerpoint/2010/main" val="918929563"/>
       </p:ext>
     </p:extLst>
   </p:cSld>
   <p:clrMapOvr>
     <a:masterClrMapping/>
   </p:clrMapOvr>
+  <mc:AlternateContent xmlns:mc="http://schemas.openxmlformats.org/markup-compatibility/2006" xmlns:p14="http://schemas.microsoft.com/office/powerpoint/2010/main">
+    <mc:Choice Requires="p14">
+      <p:transition spd="med" p14:dur="700">
+        <p:fade/>
+      </p:transition>
+    </mc:Choice>
+    <mc:Fallback xmlns="">
+      <p:transition spd="med">
+        <p:fade/>
+      </p:transition>
+    </mc:Fallback>
+  </mc:AlternateContent>
 </p:sldLayout>
 </file>
 
@@ -6879,13 +7206,25 @@
     </p:spTree>
     <p:extLst>
       <p:ext uri="{BB962C8B-B14F-4D97-AF65-F5344CB8AC3E}">
-        <p14:creationId xmlns:p14="http://schemas.microsoft.com/office/powerpoint/2010/main" val="2266343131"/>
+        <p14:creationId xmlns:p14="http://schemas.microsoft.com/office/powerpoint/2010/main" val="1053104062"/>
       </p:ext>
     </p:extLst>
   </p:cSld>
   <p:clrMapOvr>
     <a:masterClrMapping/>
   </p:clrMapOvr>
+  <mc:AlternateContent xmlns:mc="http://schemas.openxmlformats.org/markup-compatibility/2006" xmlns:p14="http://schemas.microsoft.com/office/powerpoint/2010/main">
+    <mc:Choice Requires="p14">
+      <p:transition spd="med" p14:dur="700">
+        <p:fade/>
+      </p:transition>
+    </mc:Choice>
+    <mc:Fallback xmlns="">
+      <p:transition spd="med">
+        <p:fade/>
+      </p:transition>
+    </mc:Fallback>
+  </mc:AlternateContent>
 </p:sldLayout>
 </file>
 
@@ -6992,13 +7331,25 @@
     </p:spTree>
     <p:extLst>
       <p:ext uri="{BB962C8B-B14F-4D97-AF65-F5344CB8AC3E}">
-        <p14:creationId xmlns:p14="http://schemas.microsoft.com/office/powerpoint/2010/main" val="3125871839"/>
+        <p14:creationId xmlns:p14="http://schemas.microsoft.com/office/powerpoint/2010/main" val="2341774538"/>
       </p:ext>
     </p:extLst>
   </p:cSld>
   <p:clrMapOvr>
     <a:masterClrMapping/>
   </p:clrMapOvr>
+  <mc:AlternateContent xmlns:mc="http://schemas.openxmlformats.org/markup-compatibility/2006" xmlns:p14="http://schemas.microsoft.com/office/powerpoint/2010/main">
+    <mc:Choice Requires="p14">
+      <p:transition spd="med" p14:dur="700">
+        <p:fade/>
+      </p:transition>
+    </mc:Choice>
+    <mc:Fallback xmlns="">
+      <p:transition spd="med">
+        <p:fade/>
+      </p:transition>
+    </mc:Fallback>
+  </mc:AlternateContent>
 </p:sldLayout>
 </file>
 
@@ -7303,13 +7654,25 @@
     </p:spTree>
     <p:extLst>
       <p:ext uri="{BB962C8B-B14F-4D97-AF65-F5344CB8AC3E}">
-        <p14:creationId xmlns:p14="http://schemas.microsoft.com/office/powerpoint/2010/main" val="4269120921"/>
+        <p14:creationId xmlns:p14="http://schemas.microsoft.com/office/powerpoint/2010/main" val="3368187262"/>
       </p:ext>
     </p:extLst>
   </p:cSld>
   <p:clrMapOvr>
     <a:masterClrMapping/>
   </p:clrMapOvr>
+  <mc:AlternateContent xmlns:mc="http://schemas.openxmlformats.org/markup-compatibility/2006" xmlns:p14="http://schemas.microsoft.com/office/powerpoint/2010/main">
+    <mc:Choice Requires="p14">
+      <p:transition spd="med" p14:dur="700">
+        <p:fade/>
+      </p:transition>
+    </mc:Choice>
+    <mc:Fallback xmlns="">
+      <p:transition spd="med">
+        <p:fade/>
+      </p:transition>
+    </mc:Fallback>
+  </mc:AlternateContent>
 </p:sldLayout>
 </file>
 
@@ -7591,23 +7954,46 @@
     </p:spTree>
     <p:extLst>
       <p:ext uri="{BB962C8B-B14F-4D97-AF65-F5344CB8AC3E}">
-        <p14:creationId xmlns:p14="http://schemas.microsoft.com/office/powerpoint/2010/main" val="3839517779"/>
+        <p14:creationId xmlns:p14="http://schemas.microsoft.com/office/powerpoint/2010/main" val="2023907047"/>
       </p:ext>
     </p:extLst>
   </p:cSld>
   <p:clrMapOvr>
     <a:masterClrMapping/>
   </p:clrMapOvr>
+  <mc:AlternateContent xmlns:mc="http://schemas.openxmlformats.org/markup-compatibility/2006" xmlns:p14="http://schemas.microsoft.com/office/powerpoint/2010/main">
+    <mc:Choice Requires="p14">
+      <p:transition spd="med" p14:dur="700">
+        <p:fade/>
+      </p:transition>
+    </mc:Choice>
+    <mc:Fallback xmlns="">
+      <p:transition spd="med">
+        <p:fade/>
+      </p:transition>
+    </mc:Fallback>
+  </mc:AlternateContent>
 </p:sldLayout>
 </file>
 
 <file path=ppt/slideMasters/slideMaster1.xml><?xml version="1.0" encoding="utf-8"?>
-<p:sldMaster xmlns:a="http://schemas.openxmlformats.org/drawingml/2006/main" xmlns:r="http://schemas.openxmlformats.org/officeDocument/2006/relationships" xmlns:p="http://schemas.openxmlformats.org/presentationml/2006/main">
+<p:sldMaster xmlns:a="http://schemas.openxmlformats.org/drawingml/2006/main" xmlns:r="http://schemas.openxmlformats.org/officeDocument/2006/relationships" xmlns:p="http://schemas.openxmlformats.org/presentationml/2006/main" preserve="1">
   <p:cSld>
     <p:bg>
-      <p:bgRef idx="1001">
-        <a:schemeClr val="bg1"/>
-      </p:bgRef>
+      <p:bgPr>
+        <a:gradFill>
+          <a:gsLst>
+            <a:gs pos="0">
+              <a:schemeClr val="bg1"/>
+            </a:gs>
+            <a:gs pos="100000">
+              <a:srgbClr val="F0F8FF"/>
+            </a:gs>
+          </a:gsLst>
+          <a:lin ang="5400000" scaled="1"/>
+        </a:gradFill>
+        <a:effectLst/>
+      </p:bgPr>
     </p:bg>
     <p:spTree>
       <p:nvGrpSpPr>
@@ -7694,35 +8080,35 @@
           <a:p>
             <a:pPr lvl="0"/>
             <a:r>
-              <a:rPr lang="zh-CN" altLang="en-US" dirty="0"/>
+              <a:rPr lang="zh-CN" altLang="en-US"/>
               <a:t>单击此处编辑母版文本样式</a:t>
             </a:r>
           </a:p>
           <a:p>
             <a:pPr lvl="1"/>
             <a:r>
-              <a:rPr lang="zh-CN" altLang="en-US" dirty="0"/>
+              <a:rPr lang="zh-CN" altLang="en-US"/>
               <a:t>二级</a:t>
             </a:r>
           </a:p>
           <a:p>
             <a:pPr lvl="2"/>
             <a:r>
-              <a:rPr lang="zh-CN" altLang="en-US" dirty="0"/>
+              <a:rPr lang="zh-CN" altLang="en-US"/>
               <a:t>三级</a:t>
             </a:r>
           </a:p>
           <a:p>
             <a:pPr lvl="3"/>
             <a:r>
-              <a:rPr lang="zh-CN" altLang="en-US" dirty="0"/>
+              <a:rPr lang="zh-CN" altLang="en-US"/>
               <a:t>四级</a:t>
             </a:r>
           </a:p>
           <a:p>
             <a:pPr lvl="4"/>
             <a:r>
-              <a:rPr lang="zh-CN" altLang="en-US" dirty="0"/>
+              <a:rPr lang="zh-CN" altLang="en-US"/>
               <a:t>五级</a:t>
             </a:r>
           </a:p>
@@ -7865,28 +8251,71 @@
           </a:p>
         </p:txBody>
       </p:sp>
+      <p:pic>
+        <p:nvPicPr>
+          <p:cNvPr id="7" name="图片 6">
+            <a:extLst>
+              <a:ext uri="{FF2B5EF4-FFF2-40B4-BE49-F238E27FC236}">
+                <a16:creationId xmlns:a16="http://schemas.microsoft.com/office/drawing/2014/main" id="{68A54585-7C5F-477D-7B3E-CE77E2F12069}"/>
+              </a:ext>
+            </a:extLst>
+          </p:cNvPr>
+          <p:cNvPicPr/>
+          <p:nvPr userDrawn="1"/>
+        </p:nvPicPr>
+        <p:blipFill>
+          <a:blip r:embed="rId15"/>
+          <a:stretch/>
+        </p:blipFill>
+        <p:spPr>
+          <a:xfrm>
+            <a:off x="11234160" y="5770605"/>
+            <a:ext cx="699060" cy="815726"/>
+          </a:xfrm>
+          <a:prstGeom prst="rect">
+            <a:avLst/>
+          </a:prstGeom>
+          <a:noFill/>
+          <a:ln w="0">
+            <a:noFill/>
+          </a:ln>
+        </p:spPr>
+      </p:pic>
     </p:spTree>
     <p:extLst>
       <p:ext uri="{BB962C8B-B14F-4D97-AF65-F5344CB8AC3E}">
-        <p14:creationId xmlns:p14="http://schemas.microsoft.com/office/powerpoint/2010/main" val="1766057859"/>
+        <p14:creationId xmlns:p14="http://schemas.microsoft.com/office/powerpoint/2010/main" val="218758681"/>
       </p:ext>
     </p:extLst>
   </p:cSld>
   <p:clrMap bg1="lt1" tx1="dk1" bg2="lt2" tx2="dk2" accent1="accent1" accent2="accent2" accent3="accent3" accent4="accent4" accent5="accent5" accent6="accent6" hlink="hlink" folHlink="folHlink"/>
   <p:sldLayoutIdLst>
-    <p:sldLayoutId id="2147483649" r:id="rId1"/>
-    <p:sldLayoutId id="2147483650" r:id="rId2"/>
-    <p:sldLayoutId id="2147483651" r:id="rId3"/>
-    <p:sldLayoutId id="2147483652" r:id="rId4"/>
-    <p:sldLayoutId id="2147483653" r:id="rId5"/>
-    <p:sldLayoutId id="2147483654" r:id="rId6"/>
-    <p:sldLayoutId id="2147483655" r:id="rId7"/>
-    <p:sldLayoutId id="2147483656" r:id="rId8"/>
-    <p:sldLayoutId id="2147483657" r:id="rId9"/>
-    <p:sldLayoutId id="2147483658" r:id="rId10"/>
-    <p:sldLayoutId id="2147483659" r:id="rId11"/>
-    <p:sldLayoutId id="2147483660" r:id="rId12"/>
+    <p:sldLayoutId id="2147483676" r:id="rId1"/>
+    <p:sldLayoutId id="2147483677" r:id="rId2"/>
+    <p:sldLayoutId id="2147483678" r:id="rId3"/>
+    <p:sldLayoutId id="2147483679" r:id="rId4"/>
+    <p:sldLayoutId id="2147483680" r:id="rId5"/>
+    <p:sldLayoutId id="2147483681" r:id="rId6"/>
+    <p:sldLayoutId id="2147483682" r:id="rId7"/>
+    <p:sldLayoutId id="2147483683" r:id="rId8"/>
+    <p:sldLayoutId id="2147483684" r:id="rId9"/>
+    <p:sldLayoutId id="2147483685" r:id="rId10"/>
+    <p:sldLayoutId id="2147483686" r:id="rId11"/>
+    <p:sldLayoutId id="2147483687" r:id="rId12"/>
+    <p:sldLayoutId id="2147483688" r:id="rId13"/>
   </p:sldLayoutIdLst>
+  <mc:AlternateContent xmlns:mc="http://schemas.openxmlformats.org/markup-compatibility/2006" xmlns:p14="http://schemas.microsoft.com/office/powerpoint/2010/main">
+    <mc:Choice Requires="p14">
+      <p:transition spd="med" p14:dur="700">
+        <p:fade/>
+      </p:transition>
+    </mc:Choice>
+    <mc:Fallback xmlns="">
+      <p:transition spd="med">
+        <p:fade/>
+      </p:transition>
+    </mc:Fallback>
+  </mc:AlternateContent>
   <p:txStyles>
     <p:titleStyle>
       <a:lvl1pPr algn="l" defTabSz="914400" rtl="0" eaLnBrk="1" latinLnBrk="0" hangingPunct="1">
@@ -8173,14 +8602,6 @@
 <file path=ppt/slides/slide1.xml><?xml version="1.0" encoding="utf-8"?>
 <p:sld xmlns:a="http://schemas.openxmlformats.org/drawingml/2006/main" xmlns:r="http://schemas.openxmlformats.org/officeDocument/2006/relationships" xmlns:p="http://schemas.openxmlformats.org/presentationml/2006/main">
   <p:cSld>
-    <p:bg>
-      <p:bgPr>
-        <a:solidFill>
-          <a:srgbClr val="FFFAD4"/>
-        </a:solidFill>
-        <a:effectLst/>
-      </p:bgPr>
-    </p:bg>
     <p:spTree>
       <p:nvGrpSpPr>
         <p:cNvPr id="1" name=""/>
@@ -8213,20 +8634,20 @@
         </p:nvSpPr>
         <p:spPr>
           <a:xfrm>
-            <a:off x="-16934" y="3201698"/>
-            <a:ext cx="12208933" cy="1600200"/>
+            <a:off x="-17463" y="3644900"/>
+            <a:ext cx="12209463" cy="1600200"/>
           </a:xfrm>
-          <a:solidFill>
-            <a:srgbClr val="F6E979"/>
-          </a:solidFill>
+          <a:noFill/>
         </p:spPr>
         <p:txBody>
-          <a:bodyPr/>
+          <a:bodyPr>
+            <a:normAutofit/>
+          </a:bodyPr>
           <a:lstStyle/>
           <a:p>
             <a:pPr algn="ctr"/>
             <a:r>
-              <a:rPr lang="en-US" altLang="zh-CN">
+              <a:rPr lang="en-US" altLang="zh-CN" sz="4800" dirty="0">
                 <a:solidFill>
                   <a:schemeClr val="tx1">
                     <a:lumMod val="95000"/>
@@ -8246,7 +8667,7 @@
               <a:t>Python </a:t>
             </a:r>
             <a:r>
-              <a:rPr lang="zh-CN" altLang="en-US">
+              <a:rPr lang="zh-CN" altLang="en-US" sz="4800" dirty="0">
                 <a:solidFill>
                   <a:schemeClr val="tx1">
                     <a:lumMod val="95000"/>
@@ -8263,30 +8684,10 @@
                 <a:latin typeface="华文琥珀" panose="02010800040101010101" pitchFamily="2" charset="-122"/>
                 <a:ea typeface="华文琥珀" panose="02010800040101010101" pitchFamily="2" charset="-122"/>
               </a:rPr>
-              <a:t>编程</a:t>
-            </a:r>
-            <a:r>
-              <a:rPr lang="zh-CN" altLang="en-US" dirty="0">
-                <a:solidFill>
-                  <a:schemeClr val="tx1">
-                    <a:lumMod val="95000"/>
-                    <a:lumOff val="5000"/>
-                  </a:schemeClr>
-                </a:solidFill>
-                <a:effectLst>
-                  <a:outerShdw blurRad="38100" dist="38100" dir="2700000" algn="tl">
-                    <a:srgbClr val="000000">
-                      <a:alpha val="43137"/>
-                    </a:srgbClr>
-                  </a:outerShdw>
-                </a:effectLst>
-                <a:latin typeface="华文琥珀" panose="02010800040101010101" pitchFamily="2" charset="-122"/>
-                <a:ea typeface="华文琥珀" panose="02010800040101010101" pitchFamily="2" charset="-122"/>
-              </a:rPr>
-              <a:t>：从入门到实践</a:t>
+              <a:t>编程：从入门到实践</a:t>
             </a:r>
             <a:br>
-              <a:rPr lang="en-US" altLang="zh-CN" dirty="0">
+              <a:rPr lang="en-US" altLang="zh-CN" sz="4800" dirty="0">
                 <a:solidFill>
                   <a:schemeClr val="tx1">
                     <a:lumMod val="95000"/>
@@ -8305,7 +8706,7 @@
               </a:rPr>
             </a:br>
             <a:r>
-              <a:rPr lang="zh-CN" altLang="en-US" dirty="0">
+              <a:rPr lang="zh-CN" altLang="en-US" sz="4800" dirty="0">
                 <a:solidFill>
                   <a:schemeClr val="tx1">
                     <a:lumMod val="95000"/>
@@ -8324,7 +8725,7 @@
               </a:rPr>
               <a:t>（第三版）</a:t>
             </a:r>
-            <a:endParaRPr lang="en-US" altLang="zh-CN" dirty="0">
+            <a:endParaRPr lang="en-US" altLang="zh-CN" sz="4800" dirty="0">
               <a:solidFill>
                 <a:schemeClr val="tx1">
                   <a:lumMod val="95000"/>
@@ -8360,8 +8761,8 @@
         </p:nvSpPr>
         <p:spPr bwMode="auto">
           <a:xfrm>
-            <a:off x="4559361" y="5491971"/>
-            <a:ext cx="3073277" cy="369332"/>
+            <a:off x="4304483" y="5491971"/>
+            <a:ext cx="3583033" cy="461665"/>
           </a:xfrm>
           <a:prstGeom prst="rect">
             <a:avLst/>
@@ -8411,8 +8812,8 @@
               <a:buNone/>
             </a:pPr>
             <a:r>
-              <a:rPr lang="en-US" altLang="zh-CN" b="1" dirty="0">
-                <a:latin typeface="Verdana" panose="020B0604030504040204" pitchFamily="34" charset="0"/>
+              <a:rPr lang="en-US" altLang="zh-CN" sz="2400" b="1" dirty="0">
+                <a:latin typeface="Consolas" panose="020B0609020204030204" pitchFamily="49" charset="0"/>
                 <a:ea typeface="Verdana" panose="020B0604030504040204" pitchFamily="34" charset="0"/>
               </a:rPr>
               <a:t>Teacher Name / Email</a:t>
@@ -8448,7 +8849,7 @@
         </p:blipFill>
         <p:spPr>
           <a:xfrm>
-            <a:off x="4488200" y="581078"/>
+            <a:off x="4495458" y="804806"/>
             <a:ext cx="3186567" cy="2591873"/>
           </a:xfrm>
           <a:prstGeom prst="rect">
@@ -8461,7 +8862,7 @@
           <p:cNvPr id="4" name="矩形 3">
             <a:extLst>
               <a:ext uri="{FF2B5EF4-FFF2-40B4-BE49-F238E27FC236}">
-                <a16:creationId xmlns:a16="http://schemas.microsoft.com/office/drawing/2014/main" id="{D990AF59-F9AF-BFCF-A18F-3F9B81BB6A38}"/>
+                <a16:creationId xmlns:a16="http://schemas.microsoft.com/office/drawing/2014/main" id="{75A0379E-3606-9AF4-7B2C-57E5B4C73ED1}"/>
               </a:ext>
             </a:extLst>
           </p:cNvPr>
@@ -8510,7 +8911,18 @@
   <p:clrMapOvr>
     <a:masterClrMapping/>
   </p:clrMapOvr>
-  <p:transition spd="med"/>
+  <mc:AlternateContent xmlns:mc="http://schemas.openxmlformats.org/markup-compatibility/2006" xmlns:p14="http://schemas.microsoft.com/office/powerpoint/2010/main">
+    <mc:Choice Requires="p14">
+      <p:transition spd="med" p14:dur="700">
+        <p:fade/>
+      </p:transition>
+    </mc:Choice>
+    <mc:Fallback xmlns="">
+      <p:transition spd="med">
+        <p:fade/>
+      </p:transition>
+    </mc:Fallback>
+  </mc:AlternateContent>
   <p:timing>
     <p:tnLst>
       <p:par>
@@ -8566,6 +8978,38 @@
       </p:grpSpPr>
       <p:sp>
         <p:nvSpPr>
+          <p:cNvPr id="5" name="标题 4">
+            <a:extLst>
+              <a:ext uri="{FF2B5EF4-FFF2-40B4-BE49-F238E27FC236}">
+                <a16:creationId xmlns:a16="http://schemas.microsoft.com/office/drawing/2014/main" id="{D31FDAC6-40D3-9613-CD9B-2F5EFFB62194}"/>
+              </a:ext>
+            </a:extLst>
+          </p:cNvPr>
+          <p:cNvSpPr>
+            <a:spLocks noGrp="1"/>
+          </p:cNvSpPr>
+          <p:nvPr>
+            <p:ph type="title"/>
+          </p:nvPr>
+        </p:nvSpPr>
+        <p:spPr/>
+        <p:txBody>
+          <a:bodyPr/>
+          <a:lstStyle/>
+          <a:p>
+            <a:r>
+              <a:rPr lang="en-US" altLang="zh-CN" dirty="0"/>
+              <a:t>19.2 </a:t>
+            </a:r>
+            <a:r>
+              <a:rPr lang="zh-CN" altLang="en-US" dirty="0"/>
+              <a:t>创建用户账户</a:t>
+            </a:r>
+          </a:p>
+        </p:txBody>
+      </p:sp>
+      <p:sp>
+        <p:nvSpPr>
           <p:cNvPr id="3" name="内容占位符 2">
             <a:extLst>
               <a:ext uri="{FF2B5EF4-FFF2-40B4-BE49-F238E27FC236}">
@@ -8744,38 +9188,6 @@
                 <a:srgbClr val="C0C0C0"/>
               </a:highlight>
             </a:endParaRPr>
-          </a:p>
-        </p:txBody>
-      </p:sp>
-      <p:sp>
-        <p:nvSpPr>
-          <p:cNvPr id="5" name="标题 4">
-            <a:extLst>
-              <a:ext uri="{FF2B5EF4-FFF2-40B4-BE49-F238E27FC236}">
-                <a16:creationId xmlns:a16="http://schemas.microsoft.com/office/drawing/2014/main" id="{D31FDAC6-40D3-9613-CD9B-2F5EFFB62194}"/>
-              </a:ext>
-            </a:extLst>
-          </p:cNvPr>
-          <p:cNvSpPr>
-            <a:spLocks noGrp="1"/>
-          </p:cNvSpPr>
-          <p:nvPr>
-            <p:ph type="title"/>
-          </p:nvPr>
-        </p:nvSpPr>
-        <p:spPr/>
-        <p:txBody>
-          <a:bodyPr/>
-          <a:lstStyle/>
-          <a:p>
-            <a:r>
-              <a:rPr lang="en-US" altLang="zh-CN" dirty="0"/>
-              <a:t>19.2 </a:t>
-            </a:r>
-            <a:r>
-              <a:rPr lang="zh-CN" altLang="en-US" dirty="0"/>
-              <a:t>创建用户账户</a:t>
-            </a:r>
           </a:p>
         </p:txBody>
       </p:sp>
@@ -8789,6 +9201,18 @@
   <p:clrMapOvr>
     <a:masterClrMapping/>
   </p:clrMapOvr>
+  <mc:AlternateContent xmlns:mc="http://schemas.openxmlformats.org/markup-compatibility/2006" xmlns:p14="http://schemas.microsoft.com/office/powerpoint/2010/main">
+    <mc:Choice Requires="p14">
+      <p:transition spd="med" p14:dur="700">
+        <p:fade/>
+      </p:transition>
+    </mc:Choice>
+    <mc:Fallback xmlns="">
+      <p:transition spd="med">
+        <p:fade/>
+      </p:transition>
+    </mc:Fallback>
+  </mc:AlternateContent>
 </p:sld>
 </file>
 
@@ -8815,6 +9239,38 @@
           <a:chExt cx="0" cy="0"/>
         </a:xfrm>
       </p:grpSpPr>
+      <p:sp>
+        <p:nvSpPr>
+          <p:cNvPr id="5" name="标题 4">
+            <a:extLst>
+              <a:ext uri="{FF2B5EF4-FFF2-40B4-BE49-F238E27FC236}">
+                <a16:creationId xmlns:a16="http://schemas.microsoft.com/office/drawing/2014/main" id="{63F66E00-1B33-22E4-B0E6-7E1CFB5A8852}"/>
+              </a:ext>
+            </a:extLst>
+          </p:cNvPr>
+          <p:cNvSpPr>
+            <a:spLocks noGrp="1"/>
+          </p:cNvSpPr>
+          <p:nvPr>
+            <p:ph type="title"/>
+          </p:nvPr>
+        </p:nvSpPr>
+        <p:spPr/>
+        <p:txBody>
+          <a:bodyPr/>
+          <a:lstStyle/>
+          <a:p>
+            <a:r>
+              <a:rPr lang="en-US" altLang="zh-CN" dirty="0"/>
+              <a:t>19.2 </a:t>
+            </a:r>
+            <a:r>
+              <a:rPr lang="zh-CN" altLang="en-US" dirty="0"/>
+              <a:t>创建用户账户</a:t>
+            </a:r>
+          </a:p>
+        </p:txBody>
+      </p:sp>
       <p:pic>
         <p:nvPicPr>
           <p:cNvPr id="4" name="内容占位符 3">
@@ -8844,38 +9300,6 @@
           </a:xfrm>
         </p:spPr>
       </p:pic>
-      <p:sp>
-        <p:nvSpPr>
-          <p:cNvPr id="5" name="标题 4">
-            <a:extLst>
-              <a:ext uri="{FF2B5EF4-FFF2-40B4-BE49-F238E27FC236}">
-                <a16:creationId xmlns:a16="http://schemas.microsoft.com/office/drawing/2014/main" id="{63F66E00-1B33-22E4-B0E6-7E1CFB5A8852}"/>
-              </a:ext>
-            </a:extLst>
-          </p:cNvPr>
-          <p:cNvSpPr>
-            <a:spLocks noGrp="1"/>
-          </p:cNvSpPr>
-          <p:nvPr>
-            <p:ph type="title"/>
-          </p:nvPr>
-        </p:nvSpPr>
-        <p:spPr/>
-        <p:txBody>
-          <a:bodyPr/>
-          <a:lstStyle/>
-          <a:p>
-            <a:r>
-              <a:rPr lang="en-US" altLang="zh-CN" dirty="0"/>
-              <a:t>19.2 </a:t>
-            </a:r>
-            <a:r>
-              <a:rPr lang="zh-CN" altLang="en-US" dirty="0"/>
-              <a:t>创建用户账户</a:t>
-            </a:r>
-          </a:p>
-        </p:txBody>
-      </p:sp>
     </p:spTree>
     <p:extLst>
       <p:ext uri="{BB962C8B-B14F-4D97-AF65-F5344CB8AC3E}">
@@ -8886,6 +9310,18 @@
   <p:clrMapOvr>
     <a:masterClrMapping/>
   </p:clrMapOvr>
+  <mc:AlternateContent xmlns:mc="http://schemas.openxmlformats.org/markup-compatibility/2006" xmlns:p14="http://schemas.microsoft.com/office/powerpoint/2010/main">
+    <mc:Choice Requires="p14">
+      <p:transition spd="med" p14:dur="700">
+        <p:fade/>
+      </p:transition>
+    </mc:Choice>
+    <mc:Fallback xmlns="">
+      <p:transition spd="med">
+        <p:fade/>
+      </p:transition>
+    </mc:Fallback>
+  </mc:AlternateContent>
 </p:sld>
 </file>
 
@@ -8914,6 +9350,38 @@
       </p:grpSpPr>
       <p:sp>
         <p:nvSpPr>
+          <p:cNvPr id="5" name="标题 4">
+            <a:extLst>
+              <a:ext uri="{FF2B5EF4-FFF2-40B4-BE49-F238E27FC236}">
+                <a16:creationId xmlns:a16="http://schemas.microsoft.com/office/drawing/2014/main" id="{7B56FCB5-4141-610A-D6CC-2C7EFC842A89}"/>
+              </a:ext>
+            </a:extLst>
+          </p:cNvPr>
+          <p:cNvSpPr>
+            <a:spLocks noGrp="1"/>
+          </p:cNvSpPr>
+          <p:nvPr>
+            <p:ph type="title"/>
+          </p:nvPr>
+        </p:nvSpPr>
+        <p:spPr/>
+        <p:txBody>
+          <a:bodyPr/>
+          <a:lstStyle/>
+          <a:p>
+            <a:r>
+              <a:rPr lang="en-US" altLang="zh-CN" dirty="0"/>
+              <a:t>19.3 </a:t>
+            </a:r>
+            <a:r>
+              <a:rPr lang="zh-CN" altLang="en-US" dirty="0"/>
+              <a:t>让用户拥有自己的数据</a:t>
+            </a:r>
+          </a:p>
+        </p:txBody>
+      </p:sp>
+      <p:sp>
+        <p:nvSpPr>
           <p:cNvPr id="3" name="内容占位符 2">
             <a:extLst>
               <a:ext uri="{FF2B5EF4-FFF2-40B4-BE49-F238E27FC236}">
@@ -9025,38 +9493,6 @@
               <a:t>内置功能的便捷和强大，也实现了相关的功能，内容请参考原书。</a:t>
             </a:r>
             <a:endParaRPr lang="en-US" altLang="zh-CN" dirty="0"/>
-          </a:p>
-        </p:txBody>
-      </p:sp>
-      <p:sp>
-        <p:nvSpPr>
-          <p:cNvPr id="5" name="标题 4">
-            <a:extLst>
-              <a:ext uri="{FF2B5EF4-FFF2-40B4-BE49-F238E27FC236}">
-                <a16:creationId xmlns:a16="http://schemas.microsoft.com/office/drawing/2014/main" id="{7B56FCB5-4141-610A-D6CC-2C7EFC842A89}"/>
-              </a:ext>
-            </a:extLst>
-          </p:cNvPr>
-          <p:cNvSpPr>
-            <a:spLocks noGrp="1"/>
-          </p:cNvSpPr>
-          <p:nvPr>
-            <p:ph type="title"/>
-          </p:nvPr>
-        </p:nvSpPr>
-        <p:spPr/>
-        <p:txBody>
-          <a:bodyPr/>
-          <a:lstStyle/>
-          <a:p>
-            <a:r>
-              <a:rPr lang="en-US" altLang="zh-CN" dirty="0"/>
-              <a:t>19.3 </a:t>
-            </a:r>
-            <a:r>
-              <a:rPr lang="zh-CN" altLang="en-US" dirty="0"/>
-              <a:t>让用户拥有自己的数据</a:t>
-            </a:r>
           </a:p>
         </p:txBody>
       </p:sp>
@@ -9070,6 +9506,18 @@
   <p:clrMapOvr>
     <a:masterClrMapping/>
   </p:clrMapOvr>
+  <mc:AlternateContent xmlns:mc="http://schemas.openxmlformats.org/markup-compatibility/2006" xmlns:p14="http://schemas.microsoft.com/office/powerpoint/2010/main">
+    <mc:Choice Requires="p14">
+      <p:transition spd="med" p14:dur="700">
+        <p:fade/>
+      </p:transition>
+    </mc:Choice>
+    <mc:Fallback xmlns="">
+      <p:transition spd="med">
+        <p:fade/>
+      </p:transition>
+    </mc:Fallback>
+  </mc:AlternateContent>
 </p:sld>
 </file>
 
@@ -9234,6 +9682,18 @@
   <p:clrMapOvr>
     <a:masterClrMapping/>
   </p:clrMapOvr>
+  <mc:AlternateContent xmlns:mc="http://schemas.openxmlformats.org/markup-compatibility/2006" xmlns:p14="http://schemas.microsoft.com/office/powerpoint/2010/main">
+    <mc:Choice Requires="p14">
+      <p:transition spd="med" p14:dur="700">
+        <p:fade/>
+      </p:transition>
+    </mc:Choice>
+    <mc:Fallback xmlns="">
+      <p:transition spd="med">
+        <p:fade/>
+      </p:transition>
+    </mc:Fallback>
+  </mc:AlternateContent>
 </p:sld>
 </file>
 
@@ -9365,6 +9825,18 @@
   <p:clrMapOvr>
     <a:masterClrMapping/>
   </p:clrMapOvr>
+  <mc:AlternateContent xmlns:mc="http://schemas.openxmlformats.org/markup-compatibility/2006" xmlns:p14="http://schemas.microsoft.com/office/powerpoint/2010/main">
+    <mc:Choice Requires="p14">
+      <p:transition spd="med" p14:dur="700">
+        <p:fade/>
+      </p:transition>
+    </mc:Choice>
+    <mc:Fallback xmlns="">
+      <p:transition spd="med">
+        <p:fade/>
+      </p:transition>
+    </mc:Fallback>
+  </mc:AlternateContent>
 </p:sld>
 </file>
 
@@ -9387,6 +9859,34 @@
       </p:grpSpPr>
       <p:sp>
         <p:nvSpPr>
+          <p:cNvPr id="5" name="标题 4">
+            <a:extLst>
+              <a:ext uri="{FF2B5EF4-FFF2-40B4-BE49-F238E27FC236}">
+                <a16:creationId xmlns:a16="http://schemas.microsoft.com/office/drawing/2014/main" id="{14B5F31E-85DD-B8D9-9ED7-E32A03C57260}"/>
+              </a:ext>
+            </a:extLst>
+          </p:cNvPr>
+          <p:cNvSpPr>
+            <a:spLocks noGrp="1"/>
+          </p:cNvSpPr>
+          <p:nvPr>
+            <p:ph type="title"/>
+          </p:nvPr>
+        </p:nvSpPr>
+        <p:spPr/>
+        <p:txBody>
+          <a:bodyPr/>
+          <a:lstStyle/>
+          <a:p>
+            <a:r>
+              <a:rPr lang="zh-CN" altLang="en-US" dirty="0"/>
+              <a:t>关于本讲义</a:t>
+            </a:r>
+          </a:p>
+        </p:txBody>
+      </p:sp>
+      <p:sp>
+        <p:nvSpPr>
           <p:cNvPr id="3" name="内容占位符 2">
             <a:extLst>
               <a:ext uri="{FF2B5EF4-FFF2-40B4-BE49-F238E27FC236}">
@@ -9526,34 +10026,6 @@
             <a:r>
               <a:rPr lang="en-US" altLang="zh-CN" dirty="0"/>
               <a:t>@Scruel Tao</a:t>
-            </a:r>
-          </a:p>
-        </p:txBody>
-      </p:sp>
-      <p:sp>
-        <p:nvSpPr>
-          <p:cNvPr id="5" name="标题 4">
-            <a:extLst>
-              <a:ext uri="{FF2B5EF4-FFF2-40B4-BE49-F238E27FC236}">
-                <a16:creationId xmlns:a16="http://schemas.microsoft.com/office/drawing/2014/main" id="{14B5F31E-85DD-B8D9-9ED7-E32A03C57260}"/>
-              </a:ext>
-            </a:extLst>
-          </p:cNvPr>
-          <p:cNvSpPr>
-            <a:spLocks noGrp="1"/>
-          </p:cNvSpPr>
-          <p:nvPr>
-            <p:ph type="title"/>
-          </p:nvPr>
-        </p:nvSpPr>
-        <p:spPr/>
-        <p:txBody>
-          <a:bodyPr/>
-          <a:lstStyle/>
-          <a:p>
-            <a:r>
-              <a:rPr lang="zh-CN" altLang="en-US" dirty="0"/>
-              <a:t>关于本讲义</a:t>
             </a:r>
           </a:p>
         </p:txBody>
@@ -9568,6 +10040,18 @@
   <p:clrMapOvr>
     <a:masterClrMapping/>
   </p:clrMapOvr>
+  <mc:AlternateContent xmlns:mc="http://schemas.openxmlformats.org/markup-compatibility/2006" xmlns:p14="http://schemas.microsoft.com/office/powerpoint/2010/main">
+    <mc:Choice Requires="p14">
+      <p:transition spd="med" p14:dur="700">
+        <p:fade/>
+      </p:transition>
+    </mc:Choice>
+    <mc:Fallback xmlns="">
+      <p:transition spd="med">
+        <p:fade/>
+      </p:transition>
+    </mc:Fallback>
+  </mc:AlternateContent>
 </p:sld>
 </file>
 
@@ -9726,6 +10210,18 @@
   <p:clrMapOvr>
     <a:masterClrMapping/>
   </p:clrMapOvr>
+  <mc:AlternateContent xmlns:mc="http://schemas.openxmlformats.org/markup-compatibility/2006" xmlns:p14="http://schemas.microsoft.com/office/powerpoint/2010/main">
+    <mc:Choice Requires="p14">
+      <p:transition spd="med" p14:dur="700">
+        <p:fade/>
+      </p:transition>
+    </mc:Choice>
+    <mc:Fallback xmlns="">
+      <p:transition spd="med">
+        <p:fade/>
+      </p:transition>
+    </mc:Fallback>
+  </mc:AlternateContent>
 </p:sld>
 </file>
 
@@ -9754,6 +10250,38 @@
       </p:grpSpPr>
       <p:sp>
         <p:nvSpPr>
+          <p:cNvPr id="5" name="标题 4">
+            <a:extLst>
+              <a:ext uri="{FF2B5EF4-FFF2-40B4-BE49-F238E27FC236}">
+                <a16:creationId xmlns:a16="http://schemas.microsoft.com/office/drawing/2014/main" id="{A00A4FEA-9421-97E2-9CFE-47E08F40F4C9}"/>
+              </a:ext>
+            </a:extLst>
+          </p:cNvPr>
+          <p:cNvSpPr>
+            <a:spLocks noGrp="1"/>
+          </p:cNvSpPr>
+          <p:nvPr>
+            <p:ph type="title"/>
+          </p:nvPr>
+        </p:nvSpPr>
+        <p:spPr/>
+        <p:txBody>
+          <a:bodyPr/>
+          <a:lstStyle/>
+          <a:p>
+            <a:r>
+              <a:rPr lang="en-US" altLang="zh-CN" dirty="0"/>
+              <a:t>19.1 </a:t>
+            </a:r>
+            <a:r>
+              <a:rPr lang="zh-CN" altLang="en-US" dirty="0"/>
+              <a:t>让用户能够输入数据</a:t>
+            </a:r>
+          </a:p>
+        </p:txBody>
+      </p:sp>
+      <p:sp>
+        <p:nvSpPr>
           <p:cNvPr id="3" name="内容占位符 2">
             <a:extLst>
               <a:ext uri="{FF2B5EF4-FFF2-40B4-BE49-F238E27FC236}">
@@ -9833,38 +10361,6 @@
               <a:t>本章还将实现用户身份验证系统。我们将创建一个注册页面，供用 户创建自己的账户，并让一些页面仅供已登录的用户访问。然后修改一些视图函数，使用户只能看到自己的数据。我们还将学习如何确保用户数据的安全。</a:t>
             </a:r>
             <a:endParaRPr lang="en-US" altLang="zh-CN" dirty="0"/>
-          </a:p>
-        </p:txBody>
-      </p:sp>
-      <p:sp>
-        <p:nvSpPr>
-          <p:cNvPr id="5" name="标题 4">
-            <a:extLst>
-              <a:ext uri="{FF2B5EF4-FFF2-40B4-BE49-F238E27FC236}">
-                <a16:creationId xmlns:a16="http://schemas.microsoft.com/office/drawing/2014/main" id="{A00A4FEA-9421-97E2-9CFE-47E08F40F4C9}"/>
-              </a:ext>
-            </a:extLst>
-          </p:cNvPr>
-          <p:cNvSpPr>
-            <a:spLocks noGrp="1"/>
-          </p:cNvSpPr>
-          <p:nvPr>
-            <p:ph type="title"/>
-          </p:nvPr>
-        </p:nvSpPr>
-        <p:spPr/>
-        <p:txBody>
-          <a:bodyPr/>
-          <a:lstStyle/>
-          <a:p>
-            <a:r>
-              <a:rPr lang="en-US" altLang="zh-CN" dirty="0"/>
-              <a:t>19.1 </a:t>
-            </a:r>
-            <a:r>
-              <a:rPr lang="zh-CN" altLang="en-US" dirty="0"/>
-              <a:t>让用户能够输入数据</a:t>
-            </a:r>
           </a:p>
         </p:txBody>
       </p:sp>
@@ -9878,6 +10374,18 @@
   <p:clrMapOvr>
     <a:masterClrMapping/>
   </p:clrMapOvr>
+  <mc:AlternateContent xmlns:mc="http://schemas.openxmlformats.org/markup-compatibility/2006" xmlns:p14="http://schemas.microsoft.com/office/powerpoint/2010/main">
+    <mc:Choice Requires="p14">
+      <p:transition spd="med" p14:dur="700">
+        <p:fade/>
+      </p:transition>
+    </mc:Choice>
+    <mc:Fallback xmlns="">
+      <p:transition spd="med">
+        <p:fade/>
+      </p:transition>
+    </mc:Fallback>
+  </mc:AlternateContent>
 </p:sld>
 </file>
 
@@ -9906,6 +10414,38 @@
       </p:grpSpPr>
       <p:sp>
         <p:nvSpPr>
+          <p:cNvPr id="5" name="标题 4">
+            <a:extLst>
+              <a:ext uri="{FF2B5EF4-FFF2-40B4-BE49-F238E27FC236}">
+                <a16:creationId xmlns:a16="http://schemas.microsoft.com/office/drawing/2014/main" id="{F70D8797-27CD-684B-FBD1-C89BE50F2E62}"/>
+              </a:ext>
+            </a:extLst>
+          </p:cNvPr>
+          <p:cNvSpPr>
+            <a:spLocks noGrp="1"/>
+          </p:cNvSpPr>
+          <p:nvPr>
+            <p:ph type="title"/>
+          </p:nvPr>
+        </p:nvSpPr>
+        <p:spPr/>
+        <p:txBody>
+          <a:bodyPr/>
+          <a:lstStyle/>
+          <a:p>
+            <a:r>
+              <a:rPr lang="en-US" altLang="zh-CN" dirty="0"/>
+              <a:t>19.1.1 </a:t>
+            </a:r>
+            <a:r>
+              <a:rPr lang="zh-CN" altLang="en-US" dirty="0"/>
+              <a:t>添加新主题</a:t>
+            </a:r>
+          </a:p>
+        </p:txBody>
+      </p:sp>
+      <p:sp>
+        <p:nvSpPr>
           <p:cNvPr id="3" name="内容占位符 2">
             <a:extLst>
               <a:ext uri="{FF2B5EF4-FFF2-40B4-BE49-F238E27FC236}">
@@ -9979,38 +10519,6 @@
               <a:t>。</a:t>
             </a:r>
             <a:endParaRPr lang="en-US" altLang="zh-CN" dirty="0"/>
-          </a:p>
-        </p:txBody>
-      </p:sp>
-      <p:sp>
-        <p:nvSpPr>
-          <p:cNvPr id="5" name="标题 4">
-            <a:extLst>
-              <a:ext uri="{FF2B5EF4-FFF2-40B4-BE49-F238E27FC236}">
-                <a16:creationId xmlns:a16="http://schemas.microsoft.com/office/drawing/2014/main" id="{F70D8797-27CD-684B-FBD1-C89BE50F2E62}"/>
-              </a:ext>
-            </a:extLst>
-          </p:cNvPr>
-          <p:cNvSpPr>
-            <a:spLocks noGrp="1"/>
-          </p:cNvSpPr>
-          <p:nvPr>
-            <p:ph type="title"/>
-          </p:nvPr>
-        </p:nvSpPr>
-        <p:spPr/>
-        <p:txBody>
-          <a:bodyPr/>
-          <a:lstStyle/>
-          <a:p>
-            <a:r>
-              <a:rPr lang="en-US" altLang="zh-CN" dirty="0"/>
-              <a:t>19.1.1 </a:t>
-            </a:r>
-            <a:r>
-              <a:rPr lang="zh-CN" altLang="en-US" dirty="0"/>
-              <a:t>添加新主题</a:t>
-            </a:r>
           </a:p>
         </p:txBody>
       </p:sp>
@@ -10024,6 +10532,18 @@
   <p:clrMapOvr>
     <a:masterClrMapping/>
   </p:clrMapOvr>
+  <mc:AlternateContent xmlns:mc="http://schemas.openxmlformats.org/markup-compatibility/2006" xmlns:p14="http://schemas.microsoft.com/office/powerpoint/2010/main">
+    <mc:Choice Requires="p14">
+      <p:transition spd="med" p14:dur="700">
+        <p:fade/>
+      </p:transition>
+    </mc:Choice>
+    <mc:Fallback xmlns="">
+      <p:transition spd="med">
+        <p:fade/>
+      </p:transition>
+    </mc:Fallback>
+  </mc:AlternateContent>
 </p:sld>
 </file>
 
@@ -10050,6 +10570,38 @@
           <a:chExt cx="0" cy="0"/>
         </a:xfrm>
       </p:grpSpPr>
+      <p:sp>
+        <p:nvSpPr>
+          <p:cNvPr id="5" name="标题 4">
+            <a:extLst>
+              <a:ext uri="{FF2B5EF4-FFF2-40B4-BE49-F238E27FC236}">
+                <a16:creationId xmlns:a16="http://schemas.microsoft.com/office/drawing/2014/main" id="{AF504E4D-6156-D5CB-C55B-50AC8089EAE5}"/>
+              </a:ext>
+            </a:extLst>
+          </p:cNvPr>
+          <p:cNvSpPr>
+            <a:spLocks noGrp="1"/>
+          </p:cNvSpPr>
+          <p:nvPr>
+            <p:ph type="title"/>
+          </p:nvPr>
+        </p:nvSpPr>
+        <p:spPr/>
+        <p:txBody>
+          <a:bodyPr/>
+          <a:lstStyle/>
+          <a:p>
+            <a:r>
+              <a:rPr lang="en-US" altLang="zh-CN" dirty="0"/>
+              <a:t>19.1.1 </a:t>
+            </a:r>
+            <a:r>
+              <a:rPr lang="zh-CN" altLang="en-US" dirty="0"/>
+              <a:t>添加新主题</a:t>
+            </a:r>
+          </a:p>
+        </p:txBody>
+      </p:sp>
       <p:pic>
         <p:nvPicPr>
           <p:cNvPr id="4" name="内容占位符 3">
@@ -10079,38 +10631,6 @@
           </a:xfrm>
         </p:spPr>
       </p:pic>
-      <p:sp>
-        <p:nvSpPr>
-          <p:cNvPr id="5" name="标题 4">
-            <a:extLst>
-              <a:ext uri="{FF2B5EF4-FFF2-40B4-BE49-F238E27FC236}">
-                <a16:creationId xmlns:a16="http://schemas.microsoft.com/office/drawing/2014/main" id="{AF504E4D-6156-D5CB-C55B-50AC8089EAE5}"/>
-              </a:ext>
-            </a:extLst>
-          </p:cNvPr>
-          <p:cNvSpPr>
-            <a:spLocks noGrp="1"/>
-          </p:cNvSpPr>
-          <p:nvPr>
-            <p:ph type="title"/>
-          </p:nvPr>
-        </p:nvSpPr>
-        <p:spPr/>
-        <p:txBody>
-          <a:bodyPr/>
-          <a:lstStyle/>
-          <a:p>
-            <a:r>
-              <a:rPr lang="en-US" altLang="zh-CN" dirty="0"/>
-              <a:t>19.1.1 </a:t>
-            </a:r>
-            <a:r>
-              <a:rPr lang="zh-CN" altLang="en-US" dirty="0"/>
-              <a:t>添加新主题</a:t>
-            </a:r>
-          </a:p>
-        </p:txBody>
-      </p:sp>
     </p:spTree>
     <p:extLst>
       <p:ext uri="{BB962C8B-B14F-4D97-AF65-F5344CB8AC3E}">
@@ -10121,6 +10641,18 @@
   <p:clrMapOvr>
     <a:masterClrMapping/>
   </p:clrMapOvr>
+  <mc:AlternateContent xmlns:mc="http://schemas.openxmlformats.org/markup-compatibility/2006" xmlns:p14="http://schemas.microsoft.com/office/powerpoint/2010/main">
+    <mc:Choice Requires="p14">
+      <p:transition spd="med" p14:dur="700">
+        <p:fade/>
+      </p:transition>
+    </mc:Choice>
+    <mc:Fallback xmlns="">
+      <p:transition spd="med">
+        <p:fade/>
+      </p:transition>
+    </mc:Fallback>
+  </mc:AlternateContent>
 </p:sld>
 </file>
 
@@ -10218,6 +10750,18 @@
   <p:clrMapOvr>
     <a:masterClrMapping/>
   </p:clrMapOvr>
+  <mc:AlternateContent xmlns:mc="http://schemas.openxmlformats.org/markup-compatibility/2006" xmlns:p14="http://schemas.microsoft.com/office/powerpoint/2010/main">
+    <mc:Choice Requires="p14">
+      <p:transition spd="med" p14:dur="700">
+        <p:fade/>
+      </p:transition>
+    </mc:Choice>
+    <mc:Fallback xmlns="">
+      <p:transition spd="med">
+        <p:fade/>
+      </p:transition>
+    </mc:Fallback>
+  </mc:AlternateContent>
 </p:sld>
 </file>
 
@@ -10315,6 +10859,18 @@
   <p:clrMapOvr>
     <a:masterClrMapping/>
   </p:clrMapOvr>
+  <mc:AlternateContent xmlns:mc="http://schemas.openxmlformats.org/markup-compatibility/2006" xmlns:p14="http://schemas.microsoft.com/office/powerpoint/2010/main">
+    <mc:Choice Requires="p14">
+      <p:transition spd="med" p14:dur="700">
+        <p:fade/>
+      </p:transition>
+    </mc:Choice>
+    <mc:Fallback xmlns="">
+      <p:transition spd="med">
+        <p:fade/>
+      </p:transition>
+    </mc:Fallback>
+  </mc:AlternateContent>
 </p:sld>
 </file>
 
@@ -10343,6 +10899,38 @@
       </p:grpSpPr>
       <p:sp>
         <p:nvSpPr>
+          <p:cNvPr id="5" name="标题 4">
+            <a:extLst>
+              <a:ext uri="{FF2B5EF4-FFF2-40B4-BE49-F238E27FC236}">
+                <a16:creationId xmlns:a16="http://schemas.microsoft.com/office/drawing/2014/main" id="{C1D405F4-C533-46F6-DEB8-747AA5B3C122}"/>
+              </a:ext>
+            </a:extLst>
+          </p:cNvPr>
+          <p:cNvSpPr>
+            <a:spLocks noGrp="1"/>
+          </p:cNvSpPr>
+          <p:nvPr>
+            <p:ph type="title"/>
+          </p:nvPr>
+        </p:nvSpPr>
+        <p:spPr/>
+        <p:txBody>
+          <a:bodyPr/>
+          <a:lstStyle/>
+          <a:p>
+            <a:r>
+              <a:rPr lang="en-US" altLang="zh-CN" dirty="0"/>
+              <a:t>19.2 </a:t>
+            </a:r>
+            <a:r>
+              <a:rPr lang="zh-CN" altLang="en-US" dirty="0"/>
+              <a:t>创建用户账户</a:t>
+            </a:r>
+          </a:p>
+        </p:txBody>
+      </p:sp>
+      <p:sp>
+        <p:nvSpPr>
           <p:cNvPr id="3" name="内容占位符 2">
             <a:extLst>
               <a:ext uri="{FF2B5EF4-FFF2-40B4-BE49-F238E27FC236}">
@@ -10418,38 +11006,6 @@
               <a:t>稍作修改，让每个主题都归属于特定的用户。</a:t>
             </a:r>
             <a:endParaRPr lang="en-US" altLang="zh-CN" dirty="0"/>
-          </a:p>
-        </p:txBody>
-      </p:sp>
-      <p:sp>
-        <p:nvSpPr>
-          <p:cNvPr id="5" name="标题 4">
-            <a:extLst>
-              <a:ext uri="{FF2B5EF4-FFF2-40B4-BE49-F238E27FC236}">
-                <a16:creationId xmlns:a16="http://schemas.microsoft.com/office/drawing/2014/main" id="{C1D405F4-C533-46F6-DEB8-747AA5B3C122}"/>
-              </a:ext>
-            </a:extLst>
-          </p:cNvPr>
-          <p:cNvSpPr>
-            <a:spLocks noGrp="1"/>
-          </p:cNvSpPr>
-          <p:nvPr>
-            <p:ph type="title"/>
-          </p:nvPr>
-        </p:nvSpPr>
-        <p:spPr/>
-        <p:txBody>
-          <a:bodyPr/>
-          <a:lstStyle/>
-          <a:p>
-            <a:r>
-              <a:rPr lang="en-US" altLang="zh-CN" dirty="0"/>
-              <a:t>19.2 </a:t>
-            </a:r>
-            <a:r>
-              <a:rPr lang="zh-CN" altLang="en-US" dirty="0"/>
-              <a:t>创建用户账户</a:t>
-            </a:r>
           </a:p>
         </p:txBody>
       </p:sp>
@@ -10463,11 +11019,23 @@
   <p:clrMapOvr>
     <a:masterClrMapping/>
   </p:clrMapOvr>
+  <mc:AlternateContent xmlns:mc="http://schemas.openxmlformats.org/markup-compatibility/2006" xmlns:p14="http://schemas.microsoft.com/office/powerpoint/2010/main">
+    <mc:Choice Requires="p14">
+      <p:transition spd="med" p14:dur="700">
+        <p:fade/>
+      </p:transition>
+    </mc:Choice>
+    <mc:Fallback xmlns="">
+      <p:transition spd="med">
+        <p:fade/>
+      </p:transition>
+    </mc:Fallback>
+  </mc:AlternateContent>
 </p:sld>
 </file>
 
 <file path=ppt/theme/theme1.xml><?xml version="1.0" encoding="utf-8"?>
-<a:theme xmlns:a="http://schemas.openxmlformats.org/drawingml/2006/main" name="Office 主题​​">
+<a:theme xmlns:a="http://schemas.openxmlformats.org/drawingml/2006/main" name="3_Office 主题​​">
   <a:themeElements>
     <a:clrScheme name="Office">
       <a:dk1>
